--- a/Project1-ExploreVis/JieleiZhu/Bootcamp_ Project#1.pptx
+++ b/Project1-ExploreVis/JieleiZhu/Bootcamp_ Project#1.pptx
@@ -1,36 +1,36 @@
 
 <file path=ppt/presentation.xml><?xml version="1.0" encoding="utf-8"?>
-<p:presentation xmlns:a="http://schemas.openxmlformats.org/drawingml/2006/main" xmlns:r="http://schemas.openxmlformats.org/officeDocument/2006/relationships" xmlns:mc="http://schemas.openxmlformats.org/markup-compatibility/2006" xmlns:mv="urn:schemas-microsoft-com:mac:vml" xmlns:p="http://schemas.openxmlformats.org/presentationml/2006/main" xmlns:c="http://schemas.openxmlformats.org/drawingml/2006/chart" xmlns:dgm="http://schemas.openxmlformats.org/drawingml/2006/diagram" xmlns:o="urn:schemas-microsoft-com:office:office" xmlns:v="urn:schemas-microsoft-com:vml" xmlns:pvml="urn:schemas-microsoft-com:office:powerpoint" xmlns:com="http://schemas.openxmlformats.org/drawingml/2006/compatibility" xmlns:p14="http://schemas.microsoft.com/office/powerpoint/2010/main" autoCompressPictures="0" strictFirstAndLastChars="0" saveSubsetFonts="1">
+<p:presentation xmlns:a="http://schemas.openxmlformats.org/drawingml/2006/main" xmlns:r="http://schemas.openxmlformats.org/officeDocument/2006/relationships" xmlns:p="http://schemas.openxmlformats.org/presentationml/2006/main" strictFirstAndLastChars="0" saveSubsetFonts="1" autoCompressPictures="0">
   <p:sldMasterIdLst>
-    <p:sldMasterId id="2147483659" r:id="rId4"/>
+    <p:sldMasterId id="2147483659" r:id="rId1"/>
   </p:sldMasterIdLst>
   <p:notesMasterIdLst>
-    <p:notesMasterId r:id="rId5"/>
+    <p:notesMasterId r:id="rId20"/>
   </p:notesMasterIdLst>
   <p:sldIdLst>
-    <p:sldId id="256" r:id="rId6"/>
-    <p:sldId id="257" r:id="rId7"/>
-    <p:sldId id="258" r:id="rId8"/>
-    <p:sldId id="259" r:id="rId9"/>
-    <p:sldId id="260" r:id="rId10"/>
-    <p:sldId id="261" r:id="rId11"/>
-    <p:sldId id="262" r:id="rId12"/>
-    <p:sldId id="263" r:id="rId13"/>
-    <p:sldId id="264" r:id="rId14"/>
-    <p:sldId id="265" r:id="rId15"/>
-    <p:sldId id="266" r:id="rId16"/>
-    <p:sldId id="267" r:id="rId17"/>
-    <p:sldId id="268" r:id="rId18"/>
-    <p:sldId id="269" r:id="rId19"/>
-    <p:sldId id="270" r:id="rId20"/>
-    <p:sldId id="271" r:id="rId21"/>
-    <p:sldId id="272" r:id="rId22"/>
-    <p:sldId id="273" r:id="rId23"/>
+    <p:sldId id="256" r:id="rId2"/>
+    <p:sldId id="257" r:id="rId3"/>
+    <p:sldId id="258" r:id="rId4"/>
+    <p:sldId id="259" r:id="rId5"/>
+    <p:sldId id="260" r:id="rId6"/>
+    <p:sldId id="261" r:id="rId7"/>
+    <p:sldId id="262" r:id="rId8"/>
+    <p:sldId id="263" r:id="rId9"/>
+    <p:sldId id="264" r:id="rId10"/>
+    <p:sldId id="265" r:id="rId11"/>
+    <p:sldId id="266" r:id="rId12"/>
+    <p:sldId id="267" r:id="rId13"/>
+    <p:sldId id="268" r:id="rId14"/>
+    <p:sldId id="269" r:id="rId15"/>
+    <p:sldId id="270" r:id="rId16"/>
+    <p:sldId id="271" r:id="rId17"/>
+    <p:sldId id="272" r:id="rId18"/>
+    <p:sldId id="273" r:id="rId19"/>
   </p:sldIdLst>
-  <p:sldSz cy="5143500" cx="9144000"/>
+  <p:sldSz cx="9144000" cy="5143500" type="screen16x9"/>
   <p:notesSz cx="6858000" cy="9144000"/>
   <p:defaultTextStyle>
-    <a:defPPr lvl="0" marR="0" rtl="0" algn="l">
+    <a:defPPr marR="0" lvl="0" algn="l" rtl="0">
       <a:lnSpc>
         <a:spcPct val="100000"/>
       </a:lnSpc>
@@ -41,7 +41,7 @@
         <a:spcPts val="0"/>
       </a:spcAft>
     </a:defPPr>
-    <a:lvl1pPr lvl="0" marR="0" rtl="0" algn="l">
+    <a:lvl1pPr marR="0" lvl="0" algn="l" rtl="0">
       <a:lnSpc>
         <a:spcPct val="100000"/>
       </a:lnSpc>
@@ -52,7 +52,7 @@
         <a:spcPts val="0"/>
       </a:spcAft>
       <a:buNone/>
-      <a:defRPr b="0" i="0" sz="1400" u="none" cap="none" strike="noStrike">
+      <a:defRPr sz="1400" b="0" i="0" u="none" strike="noStrike" cap="none">
         <a:solidFill>
           <a:srgbClr val="000000"/>
         </a:solidFill>
@@ -62,7 +62,7 @@
         <a:sym typeface="Arial"/>
       </a:defRPr>
     </a:lvl1pPr>
-    <a:lvl2pPr lvl="1" marR="0" rtl="0" algn="l">
+    <a:lvl2pPr marR="0" lvl="1" algn="l" rtl="0">
       <a:lnSpc>
         <a:spcPct val="100000"/>
       </a:lnSpc>
@@ -73,7 +73,7 @@
         <a:spcPts val="0"/>
       </a:spcAft>
       <a:buNone/>
-      <a:defRPr b="0" i="0" sz="1400" u="none" cap="none" strike="noStrike">
+      <a:defRPr sz="1400" b="0" i="0" u="none" strike="noStrike" cap="none">
         <a:solidFill>
           <a:srgbClr val="000000"/>
         </a:solidFill>
@@ -83,7 +83,7 @@
         <a:sym typeface="Arial"/>
       </a:defRPr>
     </a:lvl2pPr>
-    <a:lvl3pPr lvl="2" marR="0" rtl="0" algn="l">
+    <a:lvl3pPr marR="0" lvl="2" algn="l" rtl="0">
       <a:lnSpc>
         <a:spcPct val="100000"/>
       </a:lnSpc>
@@ -94,7 +94,7 @@
         <a:spcPts val="0"/>
       </a:spcAft>
       <a:buNone/>
-      <a:defRPr b="0" i="0" sz="1400" u="none" cap="none" strike="noStrike">
+      <a:defRPr sz="1400" b="0" i="0" u="none" strike="noStrike" cap="none">
         <a:solidFill>
           <a:srgbClr val="000000"/>
         </a:solidFill>
@@ -104,7 +104,7 @@
         <a:sym typeface="Arial"/>
       </a:defRPr>
     </a:lvl3pPr>
-    <a:lvl4pPr lvl="3" marR="0" rtl="0" algn="l">
+    <a:lvl4pPr marR="0" lvl="3" algn="l" rtl="0">
       <a:lnSpc>
         <a:spcPct val="100000"/>
       </a:lnSpc>
@@ -115,7 +115,7 @@
         <a:spcPts val="0"/>
       </a:spcAft>
       <a:buNone/>
-      <a:defRPr b="0" i="0" sz="1400" u="none" cap="none" strike="noStrike">
+      <a:defRPr sz="1400" b="0" i="0" u="none" strike="noStrike" cap="none">
         <a:solidFill>
           <a:srgbClr val="000000"/>
         </a:solidFill>
@@ -125,7 +125,7 @@
         <a:sym typeface="Arial"/>
       </a:defRPr>
     </a:lvl4pPr>
-    <a:lvl5pPr lvl="4" marR="0" rtl="0" algn="l">
+    <a:lvl5pPr marR="0" lvl="4" algn="l" rtl="0">
       <a:lnSpc>
         <a:spcPct val="100000"/>
       </a:lnSpc>
@@ -136,7 +136,7 @@
         <a:spcPts val="0"/>
       </a:spcAft>
       <a:buNone/>
-      <a:defRPr b="0" i="0" sz="1400" u="none" cap="none" strike="noStrike">
+      <a:defRPr sz="1400" b="0" i="0" u="none" strike="noStrike" cap="none">
         <a:solidFill>
           <a:srgbClr val="000000"/>
         </a:solidFill>
@@ -146,7 +146,7 @@
         <a:sym typeface="Arial"/>
       </a:defRPr>
     </a:lvl5pPr>
-    <a:lvl6pPr lvl="5" marR="0" rtl="0" algn="l">
+    <a:lvl6pPr marR="0" lvl="5" algn="l" rtl="0">
       <a:lnSpc>
         <a:spcPct val="100000"/>
       </a:lnSpc>
@@ -157,7 +157,7 @@
         <a:spcPts val="0"/>
       </a:spcAft>
       <a:buNone/>
-      <a:defRPr b="0" i="0" sz="1400" u="none" cap="none" strike="noStrike">
+      <a:defRPr sz="1400" b="0" i="0" u="none" strike="noStrike" cap="none">
         <a:solidFill>
           <a:srgbClr val="000000"/>
         </a:solidFill>
@@ -167,7 +167,7 @@
         <a:sym typeface="Arial"/>
       </a:defRPr>
     </a:lvl6pPr>
-    <a:lvl7pPr lvl="6" marR="0" rtl="0" algn="l">
+    <a:lvl7pPr marR="0" lvl="6" algn="l" rtl="0">
       <a:lnSpc>
         <a:spcPct val="100000"/>
       </a:lnSpc>
@@ -178,7 +178,7 @@
         <a:spcPts val="0"/>
       </a:spcAft>
       <a:buNone/>
-      <a:defRPr b="0" i="0" sz="1400" u="none" cap="none" strike="noStrike">
+      <a:defRPr sz="1400" b="0" i="0" u="none" strike="noStrike" cap="none">
         <a:solidFill>
           <a:srgbClr val="000000"/>
         </a:solidFill>
@@ -188,7 +188,7 @@
         <a:sym typeface="Arial"/>
       </a:defRPr>
     </a:lvl7pPr>
-    <a:lvl8pPr lvl="7" marR="0" rtl="0" algn="l">
+    <a:lvl8pPr marR="0" lvl="7" algn="l" rtl="0">
       <a:lnSpc>
         <a:spcPct val="100000"/>
       </a:lnSpc>
@@ -199,7 +199,7 @@
         <a:spcPts val="0"/>
       </a:spcAft>
       <a:buNone/>
-      <a:defRPr b="0" i="0" sz="1400" u="none" cap="none" strike="noStrike">
+      <a:defRPr sz="1400" b="0" i="0" u="none" strike="noStrike" cap="none">
         <a:solidFill>
           <a:srgbClr val="000000"/>
         </a:solidFill>
@@ -209,7 +209,7 @@
         <a:sym typeface="Arial"/>
       </a:defRPr>
     </a:lvl8pPr>
-    <a:lvl9pPr lvl="8" marR="0" rtl="0" algn="l">
+    <a:lvl9pPr marR="0" lvl="8" algn="l" rtl="0">
       <a:lnSpc>
         <a:spcPct val="100000"/>
       </a:lnSpc>
@@ -220,7 +220,7 @@
         <a:spcPts val="0"/>
       </a:spcAft>
       <a:buNone/>
-      <a:defRPr b="0" i="0" sz="1400" u="none" cap="none" strike="noStrike">
+      <a:defRPr sz="1400" b="0" i="0" u="none" strike="noStrike" cap="none">
         <a:solidFill>
           <a:srgbClr val="000000"/>
         </a:solidFill>
@@ -235,11 +235,16 @@
 </file>
 
 <file path=ppt/notesMasters/notesMaster1.xml><?xml version="1.0" encoding="utf-8"?>
-<p:notesMaster xmlns:a="http://schemas.openxmlformats.org/drawingml/2006/main" xmlns:r="http://schemas.openxmlformats.org/officeDocument/2006/relationships" xmlns:mc="http://schemas.openxmlformats.org/markup-compatibility/2006" xmlns:mv="urn:schemas-microsoft-com:mac:vml" xmlns:p="http://schemas.openxmlformats.org/presentationml/2006/main" xmlns:c="http://schemas.openxmlformats.org/drawingml/2006/chart" xmlns:dgm="http://schemas.openxmlformats.org/drawingml/2006/diagram" xmlns:o="urn:schemas-microsoft-com:office:office" xmlns:v="urn:schemas-microsoft-com:vml" xmlns:pvml="urn:schemas-microsoft-com:office:powerpoint" xmlns:com="http://schemas.openxmlformats.org/drawingml/2006/compatibility" xmlns:p14="http://schemas.microsoft.com/office/powerpoint/2010/main">
+<p:notesMaster xmlns:a="http://schemas.openxmlformats.org/drawingml/2006/main" xmlns:r="http://schemas.openxmlformats.org/officeDocument/2006/relationships" xmlns:p="http://schemas.openxmlformats.org/presentationml/2006/main">
   <p:cSld>
+    <p:bg>
+      <p:bgRef idx="1001">
+        <a:schemeClr val="bg1"/>
+      </p:bgRef>
+    </p:bg>
     <p:spTree>
       <p:nvGrpSpPr>
-        <p:cNvPr id="2" name="Shape 2"/>
+        <p:cNvPr id="1" name="Shape 2"/>
         <p:cNvGrpSpPr/>
         <p:nvPr/>
       </p:nvGrpSpPr>
@@ -254,9 +259,11 @@
       <p:sp>
         <p:nvSpPr>
           <p:cNvPr id="3" name="Shape 3"/>
-          <p:cNvSpPr/>
+          <p:cNvSpPr>
+            <a:spLocks noGrp="1" noRot="1" noChangeAspect="1"/>
+          </p:cNvSpPr>
           <p:nvPr>
-            <p:ph idx="2" type="sldImg"/>
+            <p:ph type="sldImg" idx="2"/>
           </p:nvPr>
         </p:nvSpPr>
         <p:spPr>
@@ -265,8 +272,13 @@
             <a:ext cx="6096075" cy="3429000"/>
           </a:xfrm>
           <a:custGeom>
+            <a:avLst/>
+            <a:gdLst/>
+            <a:ahLst/>
+            <a:cxnLst/>
+            <a:rect l="0" t="0" r="0" b="0"/>
             <a:pathLst>
-              <a:path extrusionOk="0" h="120000" w="120000">
+              <a:path w="120000" h="120000" extrusionOk="0">
                 <a:moveTo>
                   <a:pt x="0" y="0"/>
                 </a:moveTo>
@@ -284,23 +296,25 @@
             </a:pathLst>
           </a:custGeom>
           <a:noFill/>
-          <a:ln cap="flat" cmpd="sng" w="9525">
+          <a:ln w="9525" cap="flat" cmpd="sng">
             <a:solidFill>
               <a:srgbClr val="000000"/>
             </a:solidFill>
             <a:prstDash val="solid"/>
             <a:round/>
-            <a:headEnd len="med" w="med" type="none"/>
-            <a:tailEnd len="med" w="med" type="none"/>
+            <a:headEnd type="none" w="med" len="med"/>
+            <a:tailEnd type="none" w="med" len="med"/>
           </a:ln>
         </p:spPr>
       </p:sp>
       <p:sp>
         <p:nvSpPr>
           <p:cNvPr id="4" name="Shape 4"/>
-          <p:cNvSpPr txBox="1"/>
+          <p:cNvSpPr txBox="1">
+            <a:spLocks noGrp="1"/>
+          </p:cNvSpPr>
           <p:nvPr>
-            <p:ph idx="1" type="body"/>
+            <p:ph type="body" idx="1"/>
           </p:nvPr>
         </p:nvSpPr>
         <p:spPr>
@@ -317,7 +331,7 @@
           </a:ln>
         </p:spPr>
         <p:txBody>
-          <a:bodyPr anchorCtr="0" anchor="t" bIns="91425" lIns="91425" rIns="91425" tIns="91425"/>
+          <a:bodyPr lIns="91425" tIns="91425" rIns="91425" bIns="91425" anchor="t" anchorCtr="0"/>
           <a:lstStyle>
             <a:lvl1pPr lvl="0">
               <a:spcBef>
@@ -374,21 +388,120 @@
               <a:defRPr sz="1100"/>
             </a:lvl9pPr>
           </a:lstStyle>
-          <a:p/>
+          <a:p>
+            <a:endParaRPr/>
+          </a:p>
         </p:txBody>
       </p:sp>
     </p:spTree>
+    <p:extLst>
+      <p:ext uri="{BB962C8B-B14F-4D97-AF65-F5344CB8AC3E}">
+        <p14:creationId xmlns:p14="http://schemas.microsoft.com/office/powerpoint/2010/main" val="3023692519"/>
+      </p:ext>
+    </p:extLst>
   </p:cSld>
-  <p:clrMap accent1="accent1" accent2="accent2" accent3="accent3" accent4="accent4" accent5="accent5" accent6="accent6" bg1="lt1" bg2="dk2" tx1="dk1" tx2="lt2" folHlink="folHlink" hlink="hlink"/>
+  <p:clrMap bg1="lt1" tx1="dk1" bg2="dk2" tx2="lt2" accent1="accent1" accent2="accent2" accent3="accent3" accent4="accent4" accent5="accent5" accent6="accent6" hlink="hlink" folHlink="folHlink"/>
+  <p:notesStyle>
+    <a:lvl1pPr marL="0" algn="l" defTabSz="457200" rtl="0" eaLnBrk="1" latinLnBrk="0" hangingPunct="1">
+      <a:defRPr sz="1200" kern="1200">
+        <a:solidFill>
+          <a:schemeClr val="tx1"/>
+        </a:solidFill>
+        <a:latin typeface="+mn-lt"/>
+        <a:ea typeface="+mn-ea"/>
+        <a:cs typeface="+mn-cs"/>
+      </a:defRPr>
+    </a:lvl1pPr>
+    <a:lvl2pPr marL="457200" algn="l" defTabSz="457200" rtl="0" eaLnBrk="1" latinLnBrk="0" hangingPunct="1">
+      <a:defRPr sz="1200" kern="1200">
+        <a:solidFill>
+          <a:schemeClr val="tx1"/>
+        </a:solidFill>
+        <a:latin typeface="+mn-lt"/>
+        <a:ea typeface="+mn-ea"/>
+        <a:cs typeface="+mn-cs"/>
+      </a:defRPr>
+    </a:lvl2pPr>
+    <a:lvl3pPr marL="914400" algn="l" defTabSz="457200" rtl="0" eaLnBrk="1" latinLnBrk="0" hangingPunct="1">
+      <a:defRPr sz="1200" kern="1200">
+        <a:solidFill>
+          <a:schemeClr val="tx1"/>
+        </a:solidFill>
+        <a:latin typeface="+mn-lt"/>
+        <a:ea typeface="+mn-ea"/>
+        <a:cs typeface="+mn-cs"/>
+      </a:defRPr>
+    </a:lvl3pPr>
+    <a:lvl4pPr marL="1371600" algn="l" defTabSz="457200" rtl="0" eaLnBrk="1" latinLnBrk="0" hangingPunct="1">
+      <a:defRPr sz="1200" kern="1200">
+        <a:solidFill>
+          <a:schemeClr val="tx1"/>
+        </a:solidFill>
+        <a:latin typeface="+mn-lt"/>
+        <a:ea typeface="+mn-ea"/>
+        <a:cs typeface="+mn-cs"/>
+      </a:defRPr>
+    </a:lvl4pPr>
+    <a:lvl5pPr marL="1828800" algn="l" defTabSz="457200" rtl="0" eaLnBrk="1" latinLnBrk="0" hangingPunct="1">
+      <a:defRPr sz="1200" kern="1200">
+        <a:solidFill>
+          <a:schemeClr val="tx1"/>
+        </a:solidFill>
+        <a:latin typeface="+mn-lt"/>
+        <a:ea typeface="+mn-ea"/>
+        <a:cs typeface="+mn-cs"/>
+      </a:defRPr>
+    </a:lvl5pPr>
+    <a:lvl6pPr marL="2286000" algn="l" defTabSz="457200" rtl="0" eaLnBrk="1" latinLnBrk="0" hangingPunct="1">
+      <a:defRPr sz="1200" kern="1200">
+        <a:solidFill>
+          <a:schemeClr val="tx1"/>
+        </a:solidFill>
+        <a:latin typeface="+mn-lt"/>
+        <a:ea typeface="+mn-ea"/>
+        <a:cs typeface="+mn-cs"/>
+      </a:defRPr>
+    </a:lvl6pPr>
+    <a:lvl7pPr marL="2743200" algn="l" defTabSz="457200" rtl="0" eaLnBrk="1" latinLnBrk="0" hangingPunct="1">
+      <a:defRPr sz="1200" kern="1200">
+        <a:solidFill>
+          <a:schemeClr val="tx1"/>
+        </a:solidFill>
+        <a:latin typeface="+mn-lt"/>
+        <a:ea typeface="+mn-ea"/>
+        <a:cs typeface="+mn-cs"/>
+      </a:defRPr>
+    </a:lvl7pPr>
+    <a:lvl8pPr marL="3200400" algn="l" defTabSz="457200" rtl="0" eaLnBrk="1" latinLnBrk="0" hangingPunct="1">
+      <a:defRPr sz="1200" kern="1200">
+        <a:solidFill>
+          <a:schemeClr val="tx1"/>
+        </a:solidFill>
+        <a:latin typeface="+mn-lt"/>
+        <a:ea typeface="+mn-ea"/>
+        <a:cs typeface="+mn-cs"/>
+      </a:defRPr>
+    </a:lvl8pPr>
+    <a:lvl9pPr marL="3657600" algn="l" defTabSz="457200" rtl="0" eaLnBrk="1" latinLnBrk="0" hangingPunct="1">
+      <a:defRPr sz="1200" kern="1200">
+        <a:solidFill>
+          <a:schemeClr val="tx1"/>
+        </a:solidFill>
+        <a:latin typeface="+mn-lt"/>
+        <a:ea typeface="+mn-ea"/>
+        <a:cs typeface="+mn-cs"/>
+      </a:defRPr>
+    </a:lvl9pPr>
+  </p:notesStyle>
 </p:notesMaster>
 </file>
 
 <file path=ppt/notesSlides/notesSlide1.xml><?xml version="1.0" encoding="utf-8"?>
-<p:notes xmlns:a="http://schemas.openxmlformats.org/drawingml/2006/main" xmlns:r="http://schemas.openxmlformats.org/officeDocument/2006/relationships" xmlns:mc="http://schemas.openxmlformats.org/markup-compatibility/2006" xmlns:mv="urn:schemas-microsoft-com:mac:vml" xmlns:p="http://schemas.openxmlformats.org/presentationml/2006/main" xmlns:c="http://schemas.openxmlformats.org/drawingml/2006/chart" xmlns:dgm="http://schemas.openxmlformats.org/drawingml/2006/diagram" xmlns:o="urn:schemas-microsoft-com:office:office" xmlns:v="urn:schemas-microsoft-com:vml" xmlns:pvml="urn:schemas-microsoft-com:office:powerpoint" xmlns:com="http://schemas.openxmlformats.org/drawingml/2006/compatibility" xmlns:p14="http://schemas.microsoft.com/office/powerpoint/2010/main" showMasterPhAnim="0" showMasterSp="0">
+<p:notes xmlns:a="http://schemas.openxmlformats.org/drawingml/2006/main" xmlns:r="http://schemas.openxmlformats.org/officeDocument/2006/relationships" xmlns:p="http://schemas.openxmlformats.org/presentationml/2006/main" showMasterSp="0" showMasterPhAnim="0">
   <p:cSld>
     <p:spTree>
       <p:nvGrpSpPr>
-        <p:cNvPr id="50" name="Shape 50"/>
+        <p:cNvPr id="1" name="Shape 50"/>
         <p:cNvGrpSpPr/>
         <p:nvPr/>
       </p:nvGrpSpPr>
@@ -403,9 +516,11 @@
       <p:sp>
         <p:nvSpPr>
           <p:cNvPr id="51" name="Shape 51"/>
-          <p:cNvSpPr/>
+          <p:cNvSpPr>
+            <a:spLocks noGrp="1" noRot="1" noChangeAspect="1"/>
+          </p:cNvSpPr>
           <p:nvPr>
-            <p:ph idx="2" type="sldImg"/>
+            <p:ph type="sldImg" idx="2"/>
           </p:nvPr>
         </p:nvSpPr>
         <p:spPr>
@@ -414,8 +529,13 @@
             <a:ext cx="6096075" cy="3429000"/>
           </a:xfrm>
           <a:custGeom>
+            <a:avLst/>
+            <a:gdLst/>
+            <a:ahLst/>
+            <a:cxnLst/>
+            <a:rect l="0" t="0" r="0" b="0"/>
             <a:pathLst>
-              <a:path extrusionOk="0" h="120000" w="120000">
+              <a:path w="120000" h="120000" extrusionOk="0">
                 <a:moveTo>
                   <a:pt x="0" y="0"/>
                 </a:moveTo>
@@ -437,9 +557,11 @@
       <p:sp>
         <p:nvSpPr>
           <p:cNvPr id="52" name="Shape 52"/>
-          <p:cNvSpPr txBox="1"/>
+          <p:cNvSpPr txBox="1">
+            <a:spLocks noGrp="1"/>
+          </p:cNvSpPr>
           <p:nvPr>
-            <p:ph idx="1" type="body"/>
+            <p:ph type="body" idx="1"/>
           </p:nvPr>
         </p:nvSpPr>
         <p:spPr>
@@ -452,7 +574,7 @@
           </a:prstGeom>
         </p:spPr>
         <p:txBody>
-          <a:bodyPr anchorCtr="0" anchor="t" bIns="91425" lIns="91425" rIns="91425" tIns="91425">
+          <a:bodyPr lIns="91425" tIns="91425" rIns="91425" bIns="91425" anchor="t" anchorCtr="0">
             <a:noAutofit/>
           </a:bodyPr>
           <a:lstStyle/>
@@ -463,9 +585,6 @@
               </a:spcBef>
               <a:buNone/>
             </a:pPr>
-            <a:r>
-              <a:t/>
-            </a:r>
             <a:endParaRPr/>
           </a:p>
         </p:txBody>
@@ -479,11 +598,11 @@
 </file>
 
 <file path=ppt/notesSlides/notesSlide10.xml><?xml version="1.0" encoding="utf-8"?>
-<p:notes xmlns:a="http://schemas.openxmlformats.org/drawingml/2006/main" xmlns:r="http://schemas.openxmlformats.org/officeDocument/2006/relationships" xmlns:mc="http://schemas.openxmlformats.org/markup-compatibility/2006" xmlns:mv="urn:schemas-microsoft-com:mac:vml" xmlns:p="http://schemas.openxmlformats.org/presentationml/2006/main" xmlns:c="http://schemas.openxmlformats.org/drawingml/2006/chart" xmlns:dgm="http://schemas.openxmlformats.org/drawingml/2006/diagram" xmlns:o="urn:schemas-microsoft-com:office:office" xmlns:v="urn:schemas-microsoft-com:vml" xmlns:pvml="urn:schemas-microsoft-com:office:powerpoint" xmlns:com="http://schemas.openxmlformats.org/drawingml/2006/compatibility" xmlns:p14="http://schemas.microsoft.com/office/powerpoint/2010/main" showMasterPhAnim="0" showMasterSp="0">
+<p:notes xmlns:a="http://schemas.openxmlformats.org/drawingml/2006/main" xmlns:r="http://schemas.openxmlformats.org/officeDocument/2006/relationships" xmlns:p="http://schemas.openxmlformats.org/presentationml/2006/main" showMasterSp="0" showMasterPhAnim="0">
   <p:cSld>
     <p:spTree>
       <p:nvGrpSpPr>
-        <p:cNvPr id="107" name="Shape 107"/>
+        <p:cNvPr id="1" name="Shape 107"/>
         <p:cNvGrpSpPr/>
         <p:nvPr/>
       </p:nvGrpSpPr>
@@ -498,9 +617,11 @@
       <p:sp>
         <p:nvSpPr>
           <p:cNvPr id="108" name="Shape 108"/>
-          <p:cNvSpPr/>
+          <p:cNvSpPr>
+            <a:spLocks noGrp="1" noRot="1" noChangeAspect="1"/>
+          </p:cNvSpPr>
           <p:nvPr>
-            <p:ph idx="2" type="sldImg"/>
+            <p:ph type="sldImg" idx="2"/>
           </p:nvPr>
         </p:nvSpPr>
         <p:spPr>
@@ -509,8 +630,13 @@
             <a:ext cx="6096000" cy="3429000"/>
           </a:xfrm>
           <a:custGeom>
+            <a:avLst/>
+            <a:gdLst/>
+            <a:ahLst/>
+            <a:cxnLst/>
+            <a:rect l="0" t="0" r="0" b="0"/>
             <a:pathLst>
-              <a:path extrusionOk="0" h="120000" w="120000">
+              <a:path w="120000" h="120000" extrusionOk="0">
                 <a:moveTo>
                   <a:pt x="0" y="0"/>
                 </a:moveTo>
@@ -532,9 +658,11 @@
       <p:sp>
         <p:nvSpPr>
           <p:cNvPr id="109" name="Shape 109"/>
-          <p:cNvSpPr txBox="1"/>
+          <p:cNvSpPr txBox="1">
+            <a:spLocks noGrp="1"/>
+          </p:cNvSpPr>
           <p:nvPr>
-            <p:ph idx="1" type="body"/>
+            <p:ph type="body" idx="1"/>
           </p:nvPr>
         </p:nvSpPr>
         <p:spPr>
@@ -547,7 +675,7 @@
           </a:prstGeom>
         </p:spPr>
         <p:txBody>
-          <a:bodyPr anchorCtr="0" anchor="t" bIns="91425" lIns="91425" rIns="91425" tIns="91425">
+          <a:bodyPr lIns="91425" tIns="91425" rIns="91425" bIns="91425" anchor="t" anchorCtr="0">
             <a:noAutofit/>
           </a:bodyPr>
           <a:lstStyle/>
@@ -558,9 +686,6 @@
               </a:spcBef>
               <a:buNone/>
             </a:pPr>
-            <a:r>
-              <a:t/>
-            </a:r>
             <a:endParaRPr/>
           </a:p>
         </p:txBody>
@@ -574,11 +699,11 @@
 </file>
 
 <file path=ppt/notesSlides/notesSlide11.xml><?xml version="1.0" encoding="utf-8"?>
-<p:notes xmlns:a="http://schemas.openxmlformats.org/drawingml/2006/main" xmlns:r="http://schemas.openxmlformats.org/officeDocument/2006/relationships" xmlns:mc="http://schemas.openxmlformats.org/markup-compatibility/2006" xmlns:mv="urn:schemas-microsoft-com:mac:vml" xmlns:p="http://schemas.openxmlformats.org/presentationml/2006/main" xmlns:c="http://schemas.openxmlformats.org/drawingml/2006/chart" xmlns:dgm="http://schemas.openxmlformats.org/drawingml/2006/diagram" xmlns:o="urn:schemas-microsoft-com:office:office" xmlns:v="urn:schemas-microsoft-com:vml" xmlns:pvml="urn:schemas-microsoft-com:office:powerpoint" xmlns:com="http://schemas.openxmlformats.org/drawingml/2006/compatibility" xmlns:p14="http://schemas.microsoft.com/office/powerpoint/2010/main" showMasterPhAnim="0" showMasterSp="0">
+<p:notes xmlns:a="http://schemas.openxmlformats.org/drawingml/2006/main" xmlns:r="http://schemas.openxmlformats.org/officeDocument/2006/relationships" xmlns:p="http://schemas.openxmlformats.org/presentationml/2006/main" showMasterSp="0" showMasterPhAnim="0">
   <p:cSld>
     <p:spTree>
       <p:nvGrpSpPr>
-        <p:cNvPr id="119" name="Shape 119"/>
+        <p:cNvPr id="1" name="Shape 119"/>
         <p:cNvGrpSpPr/>
         <p:nvPr/>
       </p:nvGrpSpPr>
@@ -593,9 +718,11 @@
       <p:sp>
         <p:nvSpPr>
           <p:cNvPr id="120" name="Shape 120"/>
-          <p:cNvSpPr/>
+          <p:cNvSpPr>
+            <a:spLocks noGrp="1" noRot="1" noChangeAspect="1"/>
+          </p:cNvSpPr>
           <p:nvPr>
-            <p:ph idx="2" type="sldImg"/>
+            <p:ph type="sldImg" idx="2"/>
           </p:nvPr>
         </p:nvSpPr>
         <p:spPr>
@@ -604,8 +731,13 @@
             <a:ext cx="6096000" cy="3429000"/>
           </a:xfrm>
           <a:custGeom>
+            <a:avLst/>
+            <a:gdLst/>
+            <a:ahLst/>
+            <a:cxnLst/>
+            <a:rect l="0" t="0" r="0" b="0"/>
             <a:pathLst>
-              <a:path extrusionOk="0" h="120000" w="120000">
+              <a:path w="120000" h="120000" extrusionOk="0">
                 <a:moveTo>
                   <a:pt x="0" y="0"/>
                 </a:moveTo>
@@ -627,9 +759,11 @@
       <p:sp>
         <p:nvSpPr>
           <p:cNvPr id="121" name="Shape 121"/>
-          <p:cNvSpPr txBox="1"/>
+          <p:cNvSpPr txBox="1">
+            <a:spLocks noGrp="1"/>
+          </p:cNvSpPr>
           <p:nvPr>
-            <p:ph idx="1" type="body"/>
+            <p:ph type="body" idx="1"/>
           </p:nvPr>
         </p:nvSpPr>
         <p:spPr>
@@ -642,7 +776,7 @@
           </a:prstGeom>
         </p:spPr>
         <p:txBody>
-          <a:bodyPr anchorCtr="0" anchor="t" bIns="91425" lIns="91425" rIns="91425" tIns="91425">
+          <a:bodyPr lIns="91425" tIns="91425" rIns="91425" bIns="91425" anchor="t" anchorCtr="0">
             <a:noAutofit/>
           </a:bodyPr>
           <a:lstStyle/>
@@ -653,9 +787,6 @@
               </a:spcBef>
               <a:buNone/>
             </a:pPr>
-            <a:r>
-              <a:t/>
-            </a:r>
             <a:endParaRPr/>
           </a:p>
         </p:txBody>
@@ -669,11 +800,11 @@
 </file>
 
 <file path=ppt/notesSlides/notesSlide12.xml><?xml version="1.0" encoding="utf-8"?>
-<p:notes xmlns:a="http://schemas.openxmlformats.org/drawingml/2006/main" xmlns:r="http://schemas.openxmlformats.org/officeDocument/2006/relationships" xmlns:mc="http://schemas.openxmlformats.org/markup-compatibility/2006" xmlns:mv="urn:schemas-microsoft-com:mac:vml" xmlns:p="http://schemas.openxmlformats.org/presentationml/2006/main" xmlns:c="http://schemas.openxmlformats.org/drawingml/2006/chart" xmlns:dgm="http://schemas.openxmlformats.org/drawingml/2006/diagram" xmlns:o="urn:schemas-microsoft-com:office:office" xmlns:v="urn:schemas-microsoft-com:vml" xmlns:pvml="urn:schemas-microsoft-com:office:powerpoint" xmlns:com="http://schemas.openxmlformats.org/drawingml/2006/compatibility" xmlns:p14="http://schemas.microsoft.com/office/powerpoint/2010/main" showMasterPhAnim="0" showMasterSp="0">
+<p:notes xmlns:a="http://schemas.openxmlformats.org/drawingml/2006/main" xmlns:r="http://schemas.openxmlformats.org/officeDocument/2006/relationships" xmlns:p="http://schemas.openxmlformats.org/presentationml/2006/main" showMasterSp="0" showMasterPhAnim="0">
   <p:cSld>
     <p:spTree>
       <p:nvGrpSpPr>
-        <p:cNvPr id="124" name="Shape 124"/>
+        <p:cNvPr id="1" name="Shape 124"/>
         <p:cNvGrpSpPr/>
         <p:nvPr/>
       </p:nvGrpSpPr>
@@ -688,9 +819,11 @@
       <p:sp>
         <p:nvSpPr>
           <p:cNvPr id="125" name="Shape 125"/>
-          <p:cNvSpPr/>
+          <p:cNvSpPr>
+            <a:spLocks noGrp="1" noRot="1" noChangeAspect="1"/>
+          </p:cNvSpPr>
           <p:nvPr>
-            <p:ph idx="2" type="sldImg"/>
+            <p:ph type="sldImg" idx="2"/>
           </p:nvPr>
         </p:nvSpPr>
         <p:spPr>
@@ -699,8 +832,13 @@
             <a:ext cx="6096000" cy="3429000"/>
           </a:xfrm>
           <a:custGeom>
+            <a:avLst/>
+            <a:gdLst/>
+            <a:ahLst/>
+            <a:cxnLst/>
+            <a:rect l="0" t="0" r="0" b="0"/>
             <a:pathLst>
-              <a:path extrusionOk="0" h="120000" w="120000">
+              <a:path w="120000" h="120000" extrusionOk="0">
                 <a:moveTo>
                   <a:pt x="0" y="0"/>
                 </a:moveTo>
@@ -722,9 +860,11 @@
       <p:sp>
         <p:nvSpPr>
           <p:cNvPr id="126" name="Shape 126"/>
-          <p:cNvSpPr txBox="1"/>
+          <p:cNvSpPr txBox="1">
+            <a:spLocks noGrp="1"/>
+          </p:cNvSpPr>
           <p:nvPr>
-            <p:ph idx="1" type="body"/>
+            <p:ph type="body" idx="1"/>
           </p:nvPr>
         </p:nvSpPr>
         <p:spPr>
@@ -737,7 +877,7 @@
           </a:prstGeom>
         </p:spPr>
         <p:txBody>
-          <a:bodyPr anchorCtr="0" anchor="t" bIns="91425" lIns="91425" rIns="91425" tIns="91425">
+          <a:bodyPr lIns="91425" tIns="91425" rIns="91425" bIns="91425" anchor="t" anchorCtr="0">
             <a:noAutofit/>
           </a:bodyPr>
           <a:lstStyle/>
@@ -748,9 +888,6 @@
               </a:spcBef>
               <a:buNone/>
             </a:pPr>
-            <a:r>
-              <a:t/>
-            </a:r>
             <a:endParaRPr/>
           </a:p>
         </p:txBody>
@@ -764,11 +901,11 @@
 </file>
 
 <file path=ppt/notesSlides/notesSlide13.xml><?xml version="1.0" encoding="utf-8"?>
-<p:notes xmlns:a="http://schemas.openxmlformats.org/drawingml/2006/main" xmlns:r="http://schemas.openxmlformats.org/officeDocument/2006/relationships" xmlns:mc="http://schemas.openxmlformats.org/markup-compatibility/2006" xmlns:mv="urn:schemas-microsoft-com:mac:vml" xmlns:p="http://schemas.openxmlformats.org/presentationml/2006/main" xmlns:c="http://schemas.openxmlformats.org/drawingml/2006/chart" xmlns:dgm="http://schemas.openxmlformats.org/drawingml/2006/diagram" xmlns:o="urn:schemas-microsoft-com:office:office" xmlns:v="urn:schemas-microsoft-com:vml" xmlns:pvml="urn:schemas-microsoft-com:office:powerpoint" xmlns:com="http://schemas.openxmlformats.org/drawingml/2006/compatibility" xmlns:p14="http://schemas.microsoft.com/office/powerpoint/2010/main" showMasterPhAnim="0" showMasterSp="0">
+<p:notes xmlns:a="http://schemas.openxmlformats.org/drawingml/2006/main" xmlns:r="http://schemas.openxmlformats.org/officeDocument/2006/relationships" xmlns:p="http://schemas.openxmlformats.org/presentationml/2006/main" showMasterSp="0" showMasterPhAnim="0">
   <p:cSld>
     <p:spTree>
       <p:nvGrpSpPr>
-        <p:cNvPr id="129" name="Shape 129"/>
+        <p:cNvPr id="1" name="Shape 129"/>
         <p:cNvGrpSpPr/>
         <p:nvPr/>
       </p:nvGrpSpPr>
@@ -783,9 +920,11 @@
       <p:sp>
         <p:nvSpPr>
           <p:cNvPr id="130" name="Shape 130"/>
-          <p:cNvSpPr/>
+          <p:cNvSpPr>
+            <a:spLocks noGrp="1" noRot="1" noChangeAspect="1"/>
+          </p:cNvSpPr>
           <p:nvPr>
-            <p:ph idx="2" type="sldImg"/>
+            <p:ph type="sldImg" idx="2"/>
           </p:nvPr>
         </p:nvSpPr>
         <p:spPr>
@@ -794,8 +933,13 @@
             <a:ext cx="6096000" cy="3429000"/>
           </a:xfrm>
           <a:custGeom>
+            <a:avLst/>
+            <a:gdLst/>
+            <a:ahLst/>
+            <a:cxnLst/>
+            <a:rect l="0" t="0" r="0" b="0"/>
             <a:pathLst>
-              <a:path extrusionOk="0" h="120000" w="120000">
+              <a:path w="120000" h="120000" extrusionOk="0">
                 <a:moveTo>
                   <a:pt x="0" y="0"/>
                 </a:moveTo>
@@ -817,9 +961,11 @@
       <p:sp>
         <p:nvSpPr>
           <p:cNvPr id="131" name="Shape 131"/>
-          <p:cNvSpPr txBox="1"/>
+          <p:cNvSpPr txBox="1">
+            <a:spLocks noGrp="1"/>
+          </p:cNvSpPr>
           <p:nvPr>
-            <p:ph idx="1" type="body"/>
+            <p:ph type="body" idx="1"/>
           </p:nvPr>
         </p:nvSpPr>
         <p:spPr>
@@ -832,7 +978,7 @@
           </a:prstGeom>
         </p:spPr>
         <p:txBody>
-          <a:bodyPr anchorCtr="0" anchor="t" bIns="91425" lIns="91425" rIns="91425" tIns="91425">
+          <a:bodyPr lIns="91425" tIns="91425" rIns="91425" bIns="91425" anchor="t" anchorCtr="0">
             <a:noAutofit/>
           </a:bodyPr>
           <a:lstStyle/>
@@ -843,9 +989,6 @@
               </a:spcBef>
               <a:buNone/>
             </a:pPr>
-            <a:r>
-              <a:t/>
-            </a:r>
             <a:endParaRPr/>
           </a:p>
         </p:txBody>
@@ -859,11 +1002,11 @@
 </file>
 
 <file path=ppt/notesSlides/notesSlide14.xml><?xml version="1.0" encoding="utf-8"?>
-<p:notes xmlns:a="http://schemas.openxmlformats.org/drawingml/2006/main" xmlns:r="http://schemas.openxmlformats.org/officeDocument/2006/relationships" xmlns:mc="http://schemas.openxmlformats.org/markup-compatibility/2006" xmlns:mv="urn:schemas-microsoft-com:mac:vml" xmlns:p="http://schemas.openxmlformats.org/presentationml/2006/main" xmlns:c="http://schemas.openxmlformats.org/drawingml/2006/chart" xmlns:dgm="http://schemas.openxmlformats.org/drawingml/2006/diagram" xmlns:o="urn:schemas-microsoft-com:office:office" xmlns:v="urn:schemas-microsoft-com:vml" xmlns:pvml="urn:schemas-microsoft-com:office:powerpoint" xmlns:com="http://schemas.openxmlformats.org/drawingml/2006/compatibility" xmlns:p14="http://schemas.microsoft.com/office/powerpoint/2010/main" showMasterPhAnim="0" showMasterSp="0">
+<p:notes xmlns:a="http://schemas.openxmlformats.org/drawingml/2006/main" xmlns:r="http://schemas.openxmlformats.org/officeDocument/2006/relationships" xmlns:p="http://schemas.openxmlformats.org/presentationml/2006/main" showMasterSp="0" showMasterPhAnim="0">
   <p:cSld>
     <p:spTree>
       <p:nvGrpSpPr>
-        <p:cNvPr id="136" name="Shape 136"/>
+        <p:cNvPr id="1" name="Shape 136"/>
         <p:cNvGrpSpPr/>
         <p:nvPr/>
       </p:nvGrpSpPr>
@@ -878,9 +1021,11 @@
       <p:sp>
         <p:nvSpPr>
           <p:cNvPr id="137" name="Shape 137"/>
-          <p:cNvSpPr/>
+          <p:cNvSpPr>
+            <a:spLocks noGrp="1" noRot="1" noChangeAspect="1"/>
+          </p:cNvSpPr>
           <p:nvPr>
-            <p:ph idx="2" type="sldImg"/>
+            <p:ph type="sldImg" idx="2"/>
           </p:nvPr>
         </p:nvSpPr>
         <p:spPr>
@@ -889,8 +1034,13 @@
             <a:ext cx="6096000" cy="3429000"/>
           </a:xfrm>
           <a:custGeom>
+            <a:avLst/>
+            <a:gdLst/>
+            <a:ahLst/>
+            <a:cxnLst/>
+            <a:rect l="0" t="0" r="0" b="0"/>
             <a:pathLst>
-              <a:path extrusionOk="0" h="120000" w="120000">
+              <a:path w="120000" h="120000" extrusionOk="0">
                 <a:moveTo>
                   <a:pt x="0" y="0"/>
                 </a:moveTo>
@@ -912,9 +1062,11 @@
       <p:sp>
         <p:nvSpPr>
           <p:cNvPr id="138" name="Shape 138"/>
-          <p:cNvSpPr txBox="1"/>
+          <p:cNvSpPr txBox="1">
+            <a:spLocks noGrp="1"/>
+          </p:cNvSpPr>
           <p:nvPr>
-            <p:ph idx="1" type="body"/>
+            <p:ph type="body" idx="1"/>
           </p:nvPr>
         </p:nvSpPr>
         <p:spPr>
@@ -927,7 +1079,7 @@
           </a:prstGeom>
         </p:spPr>
         <p:txBody>
-          <a:bodyPr anchorCtr="0" anchor="t" bIns="91425" lIns="91425" rIns="91425" tIns="91425">
+          <a:bodyPr lIns="91425" tIns="91425" rIns="91425" bIns="91425" anchor="t" anchorCtr="0">
             <a:noAutofit/>
           </a:bodyPr>
           <a:lstStyle/>
@@ -938,9 +1090,6 @@
               </a:spcBef>
               <a:buNone/>
             </a:pPr>
-            <a:r>
-              <a:t/>
-            </a:r>
             <a:endParaRPr/>
           </a:p>
         </p:txBody>
@@ -954,11 +1103,11 @@
 </file>
 
 <file path=ppt/notesSlides/notesSlide15.xml><?xml version="1.0" encoding="utf-8"?>
-<p:notes xmlns:a="http://schemas.openxmlformats.org/drawingml/2006/main" xmlns:r="http://schemas.openxmlformats.org/officeDocument/2006/relationships" xmlns:mc="http://schemas.openxmlformats.org/markup-compatibility/2006" xmlns:mv="urn:schemas-microsoft-com:mac:vml" xmlns:p="http://schemas.openxmlformats.org/presentationml/2006/main" xmlns:c="http://schemas.openxmlformats.org/drawingml/2006/chart" xmlns:dgm="http://schemas.openxmlformats.org/drawingml/2006/diagram" xmlns:o="urn:schemas-microsoft-com:office:office" xmlns:v="urn:schemas-microsoft-com:vml" xmlns:pvml="urn:schemas-microsoft-com:office:powerpoint" xmlns:com="http://schemas.openxmlformats.org/drawingml/2006/compatibility" xmlns:p14="http://schemas.microsoft.com/office/powerpoint/2010/main" showMasterPhAnim="0" showMasterSp="0">
+<p:notes xmlns:a="http://schemas.openxmlformats.org/drawingml/2006/main" xmlns:r="http://schemas.openxmlformats.org/officeDocument/2006/relationships" xmlns:p="http://schemas.openxmlformats.org/presentationml/2006/main" showMasterSp="0" showMasterPhAnim="0">
   <p:cSld>
     <p:spTree>
       <p:nvGrpSpPr>
-        <p:cNvPr id="142" name="Shape 142"/>
+        <p:cNvPr id="1" name="Shape 142"/>
         <p:cNvGrpSpPr/>
         <p:nvPr/>
       </p:nvGrpSpPr>
@@ -973,9 +1122,11 @@
       <p:sp>
         <p:nvSpPr>
           <p:cNvPr id="143" name="Shape 143"/>
-          <p:cNvSpPr/>
+          <p:cNvSpPr>
+            <a:spLocks noGrp="1" noRot="1" noChangeAspect="1"/>
+          </p:cNvSpPr>
           <p:nvPr>
-            <p:ph idx="2" type="sldImg"/>
+            <p:ph type="sldImg" idx="2"/>
           </p:nvPr>
         </p:nvSpPr>
         <p:spPr>
@@ -984,8 +1135,13 @@
             <a:ext cx="6096000" cy="3429000"/>
           </a:xfrm>
           <a:custGeom>
+            <a:avLst/>
+            <a:gdLst/>
+            <a:ahLst/>
+            <a:cxnLst/>
+            <a:rect l="0" t="0" r="0" b="0"/>
             <a:pathLst>
-              <a:path extrusionOk="0" h="120000" w="120000">
+              <a:path w="120000" h="120000" extrusionOk="0">
                 <a:moveTo>
                   <a:pt x="0" y="0"/>
                 </a:moveTo>
@@ -1007,9 +1163,11 @@
       <p:sp>
         <p:nvSpPr>
           <p:cNvPr id="144" name="Shape 144"/>
-          <p:cNvSpPr txBox="1"/>
+          <p:cNvSpPr txBox="1">
+            <a:spLocks noGrp="1"/>
+          </p:cNvSpPr>
           <p:nvPr>
-            <p:ph idx="1" type="body"/>
+            <p:ph type="body" idx="1"/>
           </p:nvPr>
         </p:nvSpPr>
         <p:spPr>
@@ -1022,7 +1180,7 @@
           </a:prstGeom>
         </p:spPr>
         <p:txBody>
-          <a:bodyPr anchorCtr="0" anchor="t" bIns="91425" lIns="91425" rIns="91425" tIns="91425">
+          <a:bodyPr lIns="91425" tIns="91425" rIns="91425" bIns="91425" anchor="t" anchorCtr="0">
             <a:noAutofit/>
           </a:bodyPr>
           <a:lstStyle/>
@@ -1033,9 +1191,6 @@
               </a:spcBef>
               <a:buNone/>
             </a:pPr>
-            <a:r>
-              <a:t/>
-            </a:r>
             <a:endParaRPr/>
           </a:p>
         </p:txBody>
@@ -1049,11 +1204,11 @@
 </file>
 
 <file path=ppt/notesSlides/notesSlide16.xml><?xml version="1.0" encoding="utf-8"?>
-<p:notes xmlns:a="http://schemas.openxmlformats.org/drawingml/2006/main" xmlns:r="http://schemas.openxmlformats.org/officeDocument/2006/relationships" xmlns:mc="http://schemas.openxmlformats.org/markup-compatibility/2006" xmlns:mv="urn:schemas-microsoft-com:mac:vml" xmlns:p="http://schemas.openxmlformats.org/presentationml/2006/main" xmlns:c="http://schemas.openxmlformats.org/drawingml/2006/chart" xmlns:dgm="http://schemas.openxmlformats.org/drawingml/2006/diagram" xmlns:o="urn:schemas-microsoft-com:office:office" xmlns:v="urn:schemas-microsoft-com:vml" xmlns:pvml="urn:schemas-microsoft-com:office:powerpoint" xmlns:com="http://schemas.openxmlformats.org/drawingml/2006/compatibility" xmlns:p14="http://schemas.microsoft.com/office/powerpoint/2010/main" showMasterPhAnim="0" showMasterSp="0">
+<p:notes xmlns:a="http://schemas.openxmlformats.org/drawingml/2006/main" xmlns:r="http://schemas.openxmlformats.org/officeDocument/2006/relationships" xmlns:p="http://schemas.openxmlformats.org/presentationml/2006/main" showMasterSp="0" showMasterPhAnim="0">
   <p:cSld>
     <p:spTree>
       <p:nvGrpSpPr>
-        <p:cNvPr id="150" name="Shape 150"/>
+        <p:cNvPr id="1" name="Shape 150"/>
         <p:cNvGrpSpPr/>
         <p:nvPr/>
       </p:nvGrpSpPr>
@@ -1068,9 +1223,11 @@
       <p:sp>
         <p:nvSpPr>
           <p:cNvPr id="151" name="Shape 151"/>
-          <p:cNvSpPr/>
+          <p:cNvSpPr>
+            <a:spLocks noGrp="1" noRot="1" noChangeAspect="1"/>
+          </p:cNvSpPr>
           <p:nvPr>
-            <p:ph idx="2" type="sldImg"/>
+            <p:ph type="sldImg" idx="2"/>
           </p:nvPr>
         </p:nvSpPr>
         <p:spPr>
@@ -1079,8 +1236,13 @@
             <a:ext cx="6096000" cy="3429000"/>
           </a:xfrm>
           <a:custGeom>
+            <a:avLst/>
+            <a:gdLst/>
+            <a:ahLst/>
+            <a:cxnLst/>
+            <a:rect l="0" t="0" r="0" b="0"/>
             <a:pathLst>
-              <a:path extrusionOk="0" h="120000" w="120000">
+              <a:path w="120000" h="120000" extrusionOk="0">
                 <a:moveTo>
                   <a:pt x="0" y="0"/>
                 </a:moveTo>
@@ -1102,9 +1264,11 @@
       <p:sp>
         <p:nvSpPr>
           <p:cNvPr id="152" name="Shape 152"/>
-          <p:cNvSpPr txBox="1"/>
+          <p:cNvSpPr txBox="1">
+            <a:spLocks noGrp="1"/>
+          </p:cNvSpPr>
           <p:nvPr>
-            <p:ph idx="1" type="body"/>
+            <p:ph type="body" idx="1"/>
           </p:nvPr>
         </p:nvSpPr>
         <p:spPr>
@@ -1117,7 +1281,7 @@
           </a:prstGeom>
         </p:spPr>
         <p:txBody>
-          <a:bodyPr anchorCtr="0" anchor="t" bIns="91425" lIns="91425" rIns="91425" tIns="91425">
+          <a:bodyPr lIns="91425" tIns="91425" rIns="91425" bIns="91425" anchor="t" anchorCtr="0">
             <a:noAutofit/>
           </a:bodyPr>
           <a:lstStyle/>
@@ -1128,9 +1292,6 @@
               </a:spcBef>
               <a:buNone/>
             </a:pPr>
-            <a:r>
-              <a:t/>
-            </a:r>
             <a:endParaRPr/>
           </a:p>
         </p:txBody>
@@ -1144,11 +1305,11 @@
 </file>
 
 <file path=ppt/notesSlides/notesSlide17.xml><?xml version="1.0" encoding="utf-8"?>
-<p:notes xmlns:a="http://schemas.openxmlformats.org/drawingml/2006/main" xmlns:r="http://schemas.openxmlformats.org/officeDocument/2006/relationships" xmlns:mc="http://schemas.openxmlformats.org/markup-compatibility/2006" xmlns:mv="urn:schemas-microsoft-com:mac:vml" xmlns:p="http://schemas.openxmlformats.org/presentationml/2006/main" xmlns:c="http://schemas.openxmlformats.org/drawingml/2006/chart" xmlns:dgm="http://schemas.openxmlformats.org/drawingml/2006/diagram" xmlns:o="urn:schemas-microsoft-com:office:office" xmlns:v="urn:schemas-microsoft-com:vml" xmlns:pvml="urn:schemas-microsoft-com:office:powerpoint" xmlns:com="http://schemas.openxmlformats.org/drawingml/2006/compatibility" xmlns:p14="http://schemas.microsoft.com/office/powerpoint/2010/main" showMasterPhAnim="0" showMasterSp="0">
+<p:notes xmlns:a="http://schemas.openxmlformats.org/drawingml/2006/main" xmlns:r="http://schemas.openxmlformats.org/officeDocument/2006/relationships" xmlns:p="http://schemas.openxmlformats.org/presentationml/2006/main" showMasterSp="0" showMasterPhAnim="0">
   <p:cSld>
     <p:spTree>
       <p:nvGrpSpPr>
-        <p:cNvPr id="155" name="Shape 155"/>
+        <p:cNvPr id="1" name="Shape 155"/>
         <p:cNvGrpSpPr/>
         <p:nvPr/>
       </p:nvGrpSpPr>
@@ -1163,19 +1324,26 @@
       <p:sp>
         <p:nvSpPr>
           <p:cNvPr id="156" name="Shape 156"/>
-          <p:cNvSpPr/>
+          <p:cNvSpPr>
+            <a:spLocks noGrp="1" noRot="1" noChangeAspect="1"/>
+          </p:cNvSpPr>
           <p:nvPr>
-            <p:ph idx="2" type="sldImg"/>
+            <p:ph type="sldImg" idx="2"/>
           </p:nvPr>
         </p:nvSpPr>
         <p:spPr>
           <a:xfrm>
-            <a:off x="381300" y="685800"/>
+            <a:off x="381000" y="685800"/>
             <a:ext cx="6096000" cy="3429000"/>
           </a:xfrm>
           <a:custGeom>
+            <a:avLst/>
+            <a:gdLst/>
+            <a:ahLst/>
+            <a:cxnLst/>
+            <a:rect l="0" t="0" r="0" b="0"/>
             <a:pathLst>
-              <a:path extrusionOk="0" h="120000" w="120000">
+              <a:path w="120000" h="120000" extrusionOk="0">
                 <a:moveTo>
                   <a:pt x="0" y="0"/>
                 </a:moveTo>
@@ -1197,9 +1365,11 @@
       <p:sp>
         <p:nvSpPr>
           <p:cNvPr id="157" name="Shape 157"/>
-          <p:cNvSpPr txBox="1"/>
+          <p:cNvSpPr txBox="1">
+            <a:spLocks noGrp="1"/>
+          </p:cNvSpPr>
           <p:nvPr>
-            <p:ph idx="1" type="body"/>
+            <p:ph type="body" idx="1"/>
           </p:nvPr>
         </p:nvSpPr>
         <p:spPr>
@@ -1212,7 +1382,7 @@
           </a:prstGeom>
         </p:spPr>
         <p:txBody>
-          <a:bodyPr anchorCtr="0" anchor="t" bIns="91425" lIns="91425" rIns="91425" tIns="91425">
+          <a:bodyPr lIns="91425" tIns="91425" rIns="91425" bIns="91425" anchor="t" anchorCtr="0">
             <a:noAutofit/>
           </a:bodyPr>
           <a:lstStyle/>
@@ -1223,9 +1393,6 @@
               </a:spcBef>
               <a:buNone/>
             </a:pPr>
-            <a:r>
-              <a:t/>
-            </a:r>
             <a:endParaRPr/>
           </a:p>
         </p:txBody>
@@ -1239,11 +1406,11 @@
 </file>
 
 <file path=ppt/notesSlides/notesSlide18.xml><?xml version="1.0" encoding="utf-8"?>
-<p:notes xmlns:a="http://schemas.openxmlformats.org/drawingml/2006/main" xmlns:r="http://schemas.openxmlformats.org/officeDocument/2006/relationships" xmlns:mc="http://schemas.openxmlformats.org/markup-compatibility/2006" xmlns:mv="urn:schemas-microsoft-com:mac:vml" xmlns:p="http://schemas.openxmlformats.org/presentationml/2006/main" xmlns:c="http://schemas.openxmlformats.org/drawingml/2006/chart" xmlns:dgm="http://schemas.openxmlformats.org/drawingml/2006/diagram" xmlns:o="urn:schemas-microsoft-com:office:office" xmlns:v="urn:schemas-microsoft-com:vml" xmlns:pvml="urn:schemas-microsoft-com:office:powerpoint" xmlns:com="http://schemas.openxmlformats.org/drawingml/2006/compatibility" xmlns:p14="http://schemas.microsoft.com/office/powerpoint/2010/main" showMasterPhAnim="0" showMasterSp="0">
+<p:notes xmlns:a="http://schemas.openxmlformats.org/drawingml/2006/main" xmlns:r="http://schemas.openxmlformats.org/officeDocument/2006/relationships" xmlns:p="http://schemas.openxmlformats.org/presentationml/2006/main" showMasterSp="0" showMasterPhAnim="0">
   <p:cSld>
     <p:spTree>
       <p:nvGrpSpPr>
-        <p:cNvPr id="161" name="Shape 161"/>
+        <p:cNvPr id="1" name="Shape 161"/>
         <p:cNvGrpSpPr/>
         <p:nvPr/>
       </p:nvGrpSpPr>
@@ -1258,9 +1425,11 @@
       <p:sp>
         <p:nvSpPr>
           <p:cNvPr id="162" name="Shape 162"/>
-          <p:cNvSpPr/>
+          <p:cNvSpPr>
+            <a:spLocks noGrp="1" noRot="1" noChangeAspect="1"/>
+          </p:cNvSpPr>
           <p:nvPr>
-            <p:ph idx="2" type="sldImg"/>
+            <p:ph type="sldImg" idx="2"/>
           </p:nvPr>
         </p:nvSpPr>
         <p:spPr>
@@ -1269,8 +1438,13 @@
             <a:ext cx="6096000" cy="3429000"/>
           </a:xfrm>
           <a:custGeom>
+            <a:avLst/>
+            <a:gdLst/>
+            <a:ahLst/>
+            <a:cxnLst/>
+            <a:rect l="0" t="0" r="0" b="0"/>
             <a:pathLst>
-              <a:path extrusionOk="0" h="120000" w="120000">
+              <a:path w="120000" h="120000" extrusionOk="0">
                 <a:moveTo>
                   <a:pt x="0" y="0"/>
                 </a:moveTo>
@@ -1292,9 +1466,11 @@
       <p:sp>
         <p:nvSpPr>
           <p:cNvPr id="163" name="Shape 163"/>
-          <p:cNvSpPr txBox="1"/>
+          <p:cNvSpPr txBox="1">
+            <a:spLocks noGrp="1"/>
+          </p:cNvSpPr>
           <p:nvPr>
-            <p:ph idx="1" type="body"/>
+            <p:ph type="body" idx="1"/>
           </p:nvPr>
         </p:nvSpPr>
         <p:spPr>
@@ -1307,7 +1483,7 @@
           </a:prstGeom>
         </p:spPr>
         <p:txBody>
-          <a:bodyPr anchorCtr="0" anchor="t" bIns="91425" lIns="91425" rIns="91425" tIns="91425">
+          <a:bodyPr lIns="91425" tIns="91425" rIns="91425" bIns="91425" anchor="t" anchorCtr="0">
             <a:noAutofit/>
           </a:bodyPr>
           <a:lstStyle/>
@@ -1318,9 +1494,6 @@
               </a:spcBef>
               <a:buNone/>
             </a:pPr>
-            <a:r>
-              <a:t/>
-            </a:r>
             <a:endParaRPr/>
           </a:p>
         </p:txBody>
@@ -1334,11 +1507,11 @@
 </file>
 
 <file path=ppt/notesSlides/notesSlide2.xml><?xml version="1.0" encoding="utf-8"?>
-<p:notes xmlns:a="http://schemas.openxmlformats.org/drawingml/2006/main" xmlns:r="http://schemas.openxmlformats.org/officeDocument/2006/relationships" xmlns:mc="http://schemas.openxmlformats.org/markup-compatibility/2006" xmlns:mv="urn:schemas-microsoft-com:mac:vml" xmlns:p="http://schemas.openxmlformats.org/presentationml/2006/main" xmlns:c="http://schemas.openxmlformats.org/drawingml/2006/chart" xmlns:dgm="http://schemas.openxmlformats.org/drawingml/2006/diagram" xmlns:o="urn:schemas-microsoft-com:office:office" xmlns:v="urn:schemas-microsoft-com:vml" xmlns:pvml="urn:schemas-microsoft-com:office:powerpoint" xmlns:com="http://schemas.openxmlformats.org/drawingml/2006/compatibility" xmlns:p14="http://schemas.microsoft.com/office/powerpoint/2010/main" showMasterPhAnim="0" showMasterSp="0">
+<p:notes xmlns:a="http://schemas.openxmlformats.org/drawingml/2006/main" xmlns:r="http://schemas.openxmlformats.org/officeDocument/2006/relationships" xmlns:p="http://schemas.openxmlformats.org/presentationml/2006/main" showMasterSp="0" showMasterPhAnim="0">
   <p:cSld>
     <p:spTree>
       <p:nvGrpSpPr>
-        <p:cNvPr id="62" name="Shape 62"/>
+        <p:cNvPr id="1" name="Shape 62"/>
         <p:cNvGrpSpPr/>
         <p:nvPr/>
       </p:nvGrpSpPr>
@@ -1353,19 +1526,26 @@
       <p:sp>
         <p:nvSpPr>
           <p:cNvPr id="63" name="Shape 63"/>
-          <p:cNvSpPr/>
+          <p:cNvSpPr>
+            <a:spLocks noGrp="1" noRot="1" noChangeAspect="1"/>
+          </p:cNvSpPr>
           <p:nvPr>
-            <p:ph idx="2" type="sldImg"/>
+            <p:ph type="sldImg" idx="2"/>
           </p:nvPr>
         </p:nvSpPr>
         <p:spPr>
           <a:xfrm>
-            <a:off x="381300" y="685800"/>
+            <a:off x="381000" y="685800"/>
             <a:ext cx="6096000" cy="3429000"/>
           </a:xfrm>
           <a:custGeom>
+            <a:avLst/>
+            <a:gdLst/>
+            <a:ahLst/>
+            <a:cxnLst/>
+            <a:rect l="0" t="0" r="0" b="0"/>
             <a:pathLst>
-              <a:path extrusionOk="0" h="120000" w="120000">
+              <a:path w="120000" h="120000" extrusionOk="0">
                 <a:moveTo>
                   <a:pt x="0" y="0"/>
                 </a:moveTo>
@@ -1387,9 +1567,11 @@
       <p:sp>
         <p:nvSpPr>
           <p:cNvPr id="64" name="Shape 64"/>
-          <p:cNvSpPr txBox="1"/>
+          <p:cNvSpPr txBox="1">
+            <a:spLocks noGrp="1"/>
+          </p:cNvSpPr>
           <p:nvPr>
-            <p:ph idx="1" type="body"/>
+            <p:ph type="body" idx="1"/>
           </p:nvPr>
         </p:nvSpPr>
         <p:spPr>
@@ -1402,7 +1584,7 @@
           </a:prstGeom>
         </p:spPr>
         <p:txBody>
-          <a:bodyPr anchorCtr="0" anchor="t" bIns="91425" lIns="91425" rIns="91425" tIns="91425">
+          <a:bodyPr lIns="91425" tIns="91425" rIns="91425" bIns="91425" anchor="t" anchorCtr="0">
             <a:noAutofit/>
           </a:bodyPr>
           <a:lstStyle/>
@@ -1466,7 +1648,7 @@
               <a:t>(</a:t>
             </a:r>
             <a:r>
-              <a:rPr i="1" lang="en" sz="1200">
+              <a:rPr lang="en" sz="1200" i="1">
                 <a:solidFill>
                   <a:srgbClr val="222222"/>
                 </a:solidFill>
@@ -1488,7 +1670,7 @@
               <a:t> Def. 2 (2015). In </a:t>
             </a:r>
             <a:r>
-              <a:rPr i="1" lang="en" sz="1200">
+              <a:rPr lang="en" sz="1200" i="1">
                 <a:solidFill>
                   <a:srgbClr val="222222"/>
                 </a:solidFill>
@@ -1521,11 +1703,11 @@
 </file>
 
 <file path=ppt/notesSlides/notesSlide3.xml><?xml version="1.0" encoding="utf-8"?>
-<p:notes xmlns:a="http://schemas.openxmlformats.org/drawingml/2006/main" xmlns:r="http://schemas.openxmlformats.org/officeDocument/2006/relationships" xmlns:mc="http://schemas.openxmlformats.org/markup-compatibility/2006" xmlns:mv="urn:schemas-microsoft-com:mac:vml" xmlns:p="http://schemas.openxmlformats.org/presentationml/2006/main" xmlns:c="http://schemas.openxmlformats.org/drawingml/2006/chart" xmlns:dgm="http://schemas.openxmlformats.org/drawingml/2006/diagram" xmlns:o="urn:schemas-microsoft-com:office:office" xmlns:v="urn:schemas-microsoft-com:vml" xmlns:pvml="urn:schemas-microsoft-com:office:powerpoint" xmlns:com="http://schemas.openxmlformats.org/drawingml/2006/compatibility" xmlns:p14="http://schemas.microsoft.com/office/powerpoint/2010/main" showMasterPhAnim="0" showMasterSp="0">
+<p:notes xmlns:a="http://schemas.openxmlformats.org/drawingml/2006/main" xmlns:r="http://schemas.openxmlformats.org/officeDocument/2006/relationships" xmlns:p="http://schemas.openxmlformats.org/presentationml/2006/main" showMasterSp="0" showMasterPhAnim="0">
   <p:cSld>
     <p:spTree>
       <p:nvGrpSpPr>
-        <p:cNvPr id="68" name="Shape 68"/>
+        <p:cNvPr id="1" name="Shape 68"/>
         <p:cNvGrpSpPr/>
         <p:nvPr/>
       </p:nvGrpSpPr>
@@ -1540,19 +1722,26 @@
       <p:sp>
         <p:nvSpPr>
           <p:cNvPr id="69" name="Shape 69"/>
-          <p:cNvSpPr/>
+          <p:cNvSpPr>
+            <a:spLocks noGrp="1" noRot="1" noChangeAspect="1"/>
+          </p:cNvSpPr>
           <p:nvPr>
-            <p:ph idx="2" type="sldImg"/>
+            <p:ph type="sldImg" idx="2"/>
           </p:nvPr>
         </p:nvSpPr>
         <p:spPr>
           <a:xfrm>
-            <a:off x="381300" y="685800"/>
+            <a:off x="381000" y="685800"/>
             <a:ext cx="6096000" cy="3429000"/>
           </a:xfrm>
           <a:custGeom>
+            <a:avLst/>
+            <a:gdLst/>
+            <a:ahLst/>
+            <a:cxnLst/>
+            <a:rect l="0" t="0" r="0" b="0"/>
             <a:pathLst>
-              <a:path extrusionOk="0" h="120000" w="120000">
+              <a:path w="120000" h="120000" extrusionOk="0">
                 <a:moveTo>
                   <a:pt x="0" y="0"/>
                 </a:moveTo>
@@ -1574,9 +1763,11 @@
       <p:sp>
         <p:nvSpPr>
           <p:cNvPr id="70" name="Shape 70"/>
-          <p:cNvSpPr txBox="1"/>
+          <p:cNvSpPr txBox="1">
+            <a:spLocks noGrp="1"/>
+          </p:cNvSpPr>
           <p:nvPr>
-            <p:ph idx="1" type="body"/>
+            <p:ph type="body" idx="1"/>
           </p:nvPr>
         </p:nvSpPr>
         <p:spPr>
@@ -1589,7 +1780,7 @@
           </a:prstGeom>
         </p:spPr>
         <p:txBody>
-          <a:bodyPr anchorCtr="0" anchor="t" bIns="91425" lIns="91425" rIns="91425" tIns="91425">
+          <a:bodyPr lIns="91425" tIns="91425" rIns="91425" bIns="91425" anchor="t" anchorCtr="0">
             <a:noAutofit/>
           </a:bodyPr>
           <a:lstStyle/>
@@ -1600,9 +1791,6 @@
               </a:spcBef>
               <a:buNone/>
             </a:pPr>
-            <a:r>
-              <a:t/>
-            </a:r>
             <a:endParaRPr/>
           </a:p>
         </p:txBody>
@@ -1616,11 +1804,11 @@
 </file>
 
 <file path=ppt/notesSlides/notesSlide4.xml><?xml version="1.0" encoding="utf-8"?>
-<p:notes xmlns:a="http://schemas.openxmlformats.org/drawingml/2006/main" xmlns:r="http://schemas.openxmlformats.org/officeDocument/2006/relationships" xmlns:mc="http://schemas.openxmlformats.org/markup-compatibility/2006" xmlns:mv="urn:schemas-microsoft-com:mac:vml" xmlns:p="http://schemas.openxmlformats.org/presentationml/2006/main" xmlns:c="http://schemas.openxmlformats.org/drawingml/2006/chart" xmlns:dgm="http://schemas.openxmlformats.org/drawingml/2006/diagram" xmlns:o="urn:schemas-microsoft-com:office:office" xmlns:v="urn:schemas-microsoft-com:vml" xmlns:pvml="urn:schemas-microsoft-com:office:powerpoint" xmlns:com="http://schemas.openxmlformats.org/drawingml/2006/compatibility" xmlns:p14="http://schemas.microsoft.com/office/powerpoint/2010/main" showMasterPhAnim="0" showMasterSp="0">
+<p:notes xmlns:a="http://schemas.openxmlformats.org/drawingml/2006/main" xmlns:r="http://schemas.openxmlformats.org/officeDocument/2006/relationships" xmlns:p="http://schemas.openxmlformats.org/presentationml/2006/main" showMasterSp="0" showMasterPhAnim="0">
   <p:cSld>
     <p:spTree>
       <p:nvGrpSpPr>
-        <p:cNvPr id="74" name="Shape 74"/>
+        <p:cNvPr id="1" name="Shape 74"/>
         <p:cNvGrpSpPr/>
         <p:nvPr/>
       </p:nvGrpSpPr>
@@ -1635,9 +1823,11 @@
       <p:sp>
         <p:nvSpPr>
           <p:cNvPr id="75" name="Shape 75"/>
-          <p:cNvSpPr/>
+          <p:cNvSpPr>
+            <a:spLocks noGrp="1" noRot="1" noChangeAspect="1"/>
+          </p:cNvSpPr>
           <p:nvPr>
-            <p:ph idx="2" type="sldImg"/>
+            <p:ph type="sldImg" idx="2"/>
           </p:nvPr>
         </p:nvSpPr>
         <p:spPr>
@@ -1646,8 +1836,13 @@
             <a:ext cx="6096000" cy="3429000"/>
           </a:xfrm>
           <a:custGeom>
+            <a:avLst/>
+            <a:gdLst/>
+            <a:ahLst/>
+            <a:cxnLst/>
+            <a:rect l="0" t="0" r="0" b="0"/>
             <a:pathLst>
-              <a:path extrusionOk="0" h="120000" w="120000">
+              <a:path w="120000" h="120000" extrusionOk="0">
                 <a:moveTo>
                   <a:pt x="0" y="0"/>
                 </a:moveTo>
@@ -1669,9 +1864,11 @@
       <p:sp>
         <p:nvSpPr>
           <p:cNvPr id="76" name="Shape 76"/>
-          <p:cNvSpPr txBox="1"/>
+          <p:cNvSpPr txBox="1">
+            <a:spLocks noGrp="1"/>
+          </p:cNvSpPr>
           <p:nvPr>
-            <p:ph idx="1" type="body"/>
+            <p:ph type="body" idx="1"/>
           </p:nvPr>
         </p:nvSpPr>
         <p:spPr>
@@ -1684,7 +1881,7 @@
           </a:prstGeom>
         </p:spPr>
         <p:txBody>
-          <a:bodyPr anchorCtr="0" anchor="t" bIns="91425" lIns="91425" rIns="91425" tIns="91425">
+          <a:bodyPr lIns="91425" tIns="91425" rIns="91425" bIns="91425" anchor="t" anchorCtr="0">
             <a:noAutofit/>
           </a:bodyPr>
           <a:lstStyle/>
@@ -1695,9 +1892,6 @@
               </a:spcBef>
               <a:buNone/>
             </a:pPr>
-            <a:r>
-              <a:t/>
-            </a:r>
             <a:endParaRPr/>
           </a:p>
         </p:txBody>
@@ -1711,11 +1905,11 @@
 </file>
 
 <file path=ppt/notesSlides/notesSlide5.xml><?xml version="1.0" encoding="utf-8"?>
-<p:notes xmlns:a="http://schemas.openxmlformats.org/drawingml/2006/main" xmlns:r="http://schemas.openxmlformats.org/officeDocument/2006/relationships" xmlns:mc="http://schemas.openxmlformats.org/markup-compatibility/2006" xmlns:mv="urn:schemas-microsoft-com:mac:vml" xmlns:p="http://schemas.openxmlformats.org/presentationml/2006/main" xmlns:c="http://schemas.openxmlformats.org/drawingml/2006/chart" xmlns:dgm="http://schemas.openxmlformats.org/drawingml/2006/diagram" xmlns:o="urn:schemas-microsoft-com:office:office" xmlns:v="urn:schemas-microsoft-com:vml" xmlns:pvml="urn:schemas-microsoft-com:office:powerpoint" xmlns:com="http://schemas.openxmlformats.org/drawingml/2006/compatibility" xmlns:p14="http://schemas.microsoft.com/office/powerpoint/2010/main" showMasterPhAnim="0" showMasterSp="0">
+<p:notes xmlns:a="http://schemas.openxmlformats.org/drawingml/2006/main" xmlns:r="http://schemas.openxmlformats.org/officeDocument/2006/relationships" xmlns:p="http://schemas.openxmlformats.org/presentationml/2006/main" showMasterSp="0" showMasterPhAnim="0">
   <p:cSld>
     <p:spTree>
       <p:nvGrpSpPr>
-        <p:cNvPr id="79" name="Shape 79"/>
+        <p:cNvPr id="1" name="Shape 79"/>
         <p:cNvGrpSpPr/>
         <p:nvPr/>
       </p:nvGrpSpPr>
@@ -1730,19 +1924,26 @@
       <p:sp>
         <p:nvSpPr>
           <p:cNvPr id="80" name="Shape 80"/>
-          <p:cNvSpPr/>
+          <p:cNvSpPr>
+            <a:spLocks noGrp="1" noRot="1" noChangeAspect="1"/>
+          </p:cNvSpPr>
           <p:nvPr>
-            <p:ph idx="2" type="sldImg"/>
+            <p:ph type="sldImg" idx="2"/>
           </p:nvPr>
         </p:nvSpPr>
         <p:spPr>
           <a:xfrm>
-            <a:off x="381300" y="685800"/>
+            <a:off x="381000" y="685800"/>
             <a:ext cx="6096000" cy="3429000"/>
           </a:xfrm>
           <a:custGeom>
+            <a:avLst/>
+            <a:gdLst/>
+            <a:ahLst/>
+            <a:cxnLst/>
+            <a:rect l="0" t="0" r="0" b="0"/>
             <a:pathLst>
-              <a:path extrusionOk="0" h="120000" w="120000">
+              <a:path w="120000" h="120000" extrusionOk="0">
                 <a:moveTo>
                   <a:pt x="0" y="0"/>
                 </a:moveTo>
@@ -1764,9 +1965,11 @@
       <p:sp>
         <p:nvSpPr>
           <p:cNvPr id="81" name="Shape 81"/>
-          <p:cNvSpPr txBox="1"/>
+          <p:cNvSpPr txBox="1">
+            <a:spLocks noGrp="1"/>
+          </p:cNvSpPr>
           <p:nvPr>
-            <p:ph idx="1" type="body"/>
+            <p:ph type="body" idx="1"/>
           </p:nvPr>
         </p:nvSpPr>
         <p:spPr>
@@ -1779,7 +1982,7 @@
           </a:prstGeom>
         </p:spPr>
         <p:txBody>
-          <a:bodyPr anchorCtr="0" anchor="t" bIns="91425" lIns="91425" rIns="91425" tIns="91425">
+          <a:bodyPr lIns="91425" tIns="91425" rIns="91425" bIns="91425" anchor="t" anchorCtr="0">
             <a:noAutofit/>
           </a:bodyPr>
           <a:lstStyle/>
@@ -1790,9 +1993,6 @@
               </a:spcBef>
               <a:buNone/>
             </a:pPr>
-            <a:r>
-              <a:t/>
-            </a:r>
             <a:endParaRPr/>
           </a:p>
         </p:txBody>
@@ -1806,11 +2006,11 @@
 </file>
 
 <file path=ppt/notesSlides/notesSlide6.xml><?xml version="1.0" encoding="utf-8"?>
-<p:notes xmlns:a="http://schemas.openxmlformats.org/drawingml/2006/main" xmlns:r="http://schemas.openxmlformats.org/officeDocument/2006/relationships" xmlns:mc="http://schemas.openxmlformats.org/markup-compatibility/2006" xmlns:mv="urn:schemas-microsoft-com:mac:vml" xmlns:p="http://schemas.openxmlformats.org/presentationml/2006/main" xmlns:c="http://schemas.openxmlformats.org/drawingml/2006/chart" xmlns:dgm="http://schemas.openxmlformats.org/drawingml/2006/diagram" xmlns:o="urn:schemas-microsoft-com:office:office" xmlns:v="urn:schemas-microsoft-com:vml" xmlns:pvml="urn:schemas-microsoft-com:office:powerpoint" xmlns:com="http://schemas.openxmlformats.org/drawingml/2006/compatibility" xmlns:p14="http://schemas.microsoft.com/office/powerpoint/2010/main" showMasterPhAnim="0" showMasterSp="0">
+<p:notes xmlns:a="http://schemas.openxmlformats.org/drawingml/2006/main" xmlns:r="http://schemas.openxmlformats.org/officeDocument/2006/relationships" xmlns:p="http://schemas.openxmlformats.org/presentationml/2006/main" showMasterSp="0" showMasterPhAnim="0">
   <p:cSld>
     <p:spTree>
       <p:nvGrpSpPr>
-        <p:cNvPr id="85" name="Shape 85"/>
+        <p:cNvPr id="1" name="Shape 85"/>
         <p:cNvGrpSpPr/>
         <p:nvPr/>
       </p:nvGrpSpPr>
@@ -1825,9 +2025,11 @@
       <p:sp>
         <p:nvSpPr>
           <p:cNvPr id="86" name="Shape 86"/>
-          <p:cNvSpPr/>
+          <p:cNvSpPr>
+            <a:spLocks noGrp="1" noRot="1" noChangeAspect="1"/>
+          </p:cNvSpPr>
           <p:nvPr>
-            <p:ph idx="2" type="sldImg"/>
+            <p:ph type="sldImg" idx="2"/>
           </p:nvPr>
         </p:nvSpPr>
         <p:spPr>
@@ -1836,8 +2038,13 @@
             <a:ext cx="6096000" cy="3429000"/>
           </a:xfrm>
           <a:custGeom>
+            <a:avLst/>
+            <a:gdLst/>
+            <a:ahLst/>
+            <a:cxnLst/>
+            <a:rect l="0" t="0" r="0" b="0"/>
             <a:pathLst>
-              <a:path extrusionOk="0" h="120000" w="120000">
+              <a:path w="120000" h="120000" extrusionOk="0">
                 <a:moveTo>
                   <a:pt x="0" y="0"/>
                 </a:moveTo>
@@ -1859,9 +2066,11 @@
       <p:sp>
         <p:nvSpPr>
           <p:cNvPr id="87" name="Shape 87"/>
-          <p:cNvSpPr txBox="1"/>
+          <p:cNvSpPr txBox="1">
+            <a:spLocks noGrp="1"/>
+          </p:cNvSpPr>
           <p:nvPr>
-            <p:ph idx="1" type="body"/>
+            <p:ph type="body" idx="1"/>
           </p:nvPr>
         </p:nvSpPr>
         <p:spPr>
@@ -1874,7 +2083,7 @@
           </a:prstGeom>
         </p:spPr>
         <p:txBody>
-          <a:bodyPr anchorCtr="0" anchor="t" bIns="91425" lIns="91425" rIns="91425" tIns="91425">
+          <a:bodyPr lIns="91425" tIns="91425" rIns="91425" bIns="91425" anchor="t" anchorCtr="0">
             <a:noAutofit/>
           </a:bodyPr>
           <a:lstStyle/>
@@ -1885,9 +2094,6 @@
               </a:spcBef>
               <a:buNone/>
             </a:pPr>
-            <a:r>
-              <a:t/>
-            </a:r>
             <a:endParaRPr/>
           </a:p>
         </p:txBody>
@@ -1901,11 +2107,11 @@
 </file>
 
 <file path=ppt/notesSlides/notesSlide7.xml><?xml version="1.0" encoding="utf-8"?>
-<p:notes xmlns:a="http://schemas.openxmlformats.org/drawingml/2006/main" xmlns:r="http://schemas.openxmlformats.org/officeDocument/2006/relationships" xmlns:mc="http://schemas.openxmlformats.org/markup-compatibility/2006" xmlns:mv="urn:schemas-microsoft-com:mac:vml" xmlns:p="http://schemas.openxmlformats.org/presentationml/2006/main" xmlns:c="http://schemas.openxmlformats.org/drawingml/2006/chart" xmlns:dgm="http://schemas.openxmlformats.org/drawingml/2006/diagram" xmlns:o="urn:schemas-microsoft-com:office:office" xmlns:v="urn:schemas-microsoft-com:vml" xmlns:pvml="urn:schemas-microsoft-com:office:powerpoint" xmlns:com="http://schemas.openxmlformats.org/drawingml/2006/compatibility" xmlns:p14="http://schemas.microsoft.com/office/powerpoint/2010/main" showMasterPhAnim="0" showMasterSp="0">
+<p:notes xmlns:a="http://schemas.openxmlformats.org/drawingml/2006/main" xmlns:r="http://schemas.openxmlformats.org/officeDocument/2006/relationships" xmlns:p="http://schemas.openxmlformats.org/presentationml/2006/main" showMasterSp="0" showMasterPhAnim="0">
   <p:cSld>
     <p:spTree>
       <p:nvGrpSpPr>
-        <p:cNvPr id="91" name="Shape 91"/>
+        <p:cNvPr id="1" name="Shape 91"/>
         <p:cNvGrpSpPr/>
         <p:nvPr/>
       </p:nvGrpSpPr>
@@ -1920,9 +2126,11 @@
       <p:sp>
         <p:nvSpPr>
           <p:cNvPr id="92" name="Shape 92"/>
-          <p:cNvSpPr/>
+          <p:cNvSpPr>
+            <a:spLocks noGrp="1" noRot="1" noChangeAspect="1"/>
+          </p:cNvSpPr>
           <p:nvPr>
-            <p:ph idx="2" type="sldImg"/>
+            <p:ph type="sldImg" idx="2"/>
           </p:nvPr>
         </p:nvSpPr>
         <p:spPr>
@@ -1931,8 +2139,13 @@
             <a:ext cx="6096000" cy="3429000"/>
           </a:xfrm>
           <a:custGeom>
+            <a:avLst/>
+            <a:gdLst/>
+            <a:ahLst/>
+            <a:cxnLst/>
+            <a:rect l="0" t="0" r="0" b="0"/>
             <a:pathLst>
-              <a:path extrusionOk="0" h="120000" w="120000">
+              <a:path w="120000" h="120000" extrusionOk="0">
                 <a:moveTo>
                   <a:pt x="0" y="0"/>
                 </a:moveTo>
@@ -1954,9 +2167,11 @@
       <p:sp>
         <p:nvSpPr>
           <p:cNvPr id="93" name="Shape 93"/>
-          <p:cNvSpPr txBox="1"/>
+          <p:cNvSpPr txBox="1">
+            <a:spLocks noGrp="1"/>
+          </p:cNvSpPr>
           <p:nvPr>
-            <p:ph idx="1" type="body"/>
+            <p:ph type="body" idx="1"/>
           </p:nvPr>
         </p:nvSpPr>
         <p:spPr>
@@ -1969,7 +2184,7 @@
           </a:prstGeom>
         </p:spPr>
         <p:txBody>
-          <a:bodyPr anchorCtr="0" anchor="t" bIns="91425" lIns="91425" rIns="91425" tIns="91425">
+          <a:bodyPr lIns="91425" tIns="91425" rIns="91425" bIns="91425" anchor="t" anchorCtr="0">
             <a:noAutofit/>
           </a:bodyPr>
           <a:lstStyle/>
@@ -1980,9 +2195,6 @@
               </a:spcBef>
               <a:buNone/>
             </a:pPr>
-            <a:r>
-              <a:t/>
-            </a:r>
             <a:endParaRPr/>
           </a:p>
         </p:txBody>
@@ -1996,11 +2208,11 @@
 </file>
 
 <file path=ppt/notesSlides/notesSlide8.xml><?xml version="1.0" encoding="utf-8"?>
-<p:notes xmlns:a="http://schemas.openxmlformats.org/drawingml/2006/main" xmlns:r="http://schemas.openxmlformats.org/officeDocument/2006/relationships" xmlns:mc="http://schemas.openxmlformats.org/markup-compatibility/2006" xmlns:mv="urn:schemas-microsoft-com:mac:vml" xmlns:p="http://schemas.openxmlformats.org/presentationml/2006/main" xmlns:c="http://schemas.openxmlformats.org/drawingml/2006/chart" xmlns:dgm="http://schemas.openxmlformats.org/drawingml/2006/diagram" xmlns:o="urn:schemas-microsoft-com:office:office" xmlns:v="urn:schemas-microsoft-com:vml" xmlns:pvml="urn:schemas-microsoft-com:office:powerpoint" xmlns:com="http://schemas.openxmlformats.org/drawingml/2006/compatibility" xmlns:p14="http://schemas.microsoft.com/office/powerpoint/2010/main" showMasterPhAnim="0" showMasterSp="0">
+<p:notes xmlns:a="http://schemas.openxmlformats.org/drawingml/2006/main" xmlns:r="http://schemas.openxmlformats.org/officeDocument/2006/relationships" xmlns:p="http://schemas.openxmlformats.org/presentationml/2006/main" showMasterSp="0" showMasterPhAnim="0">
   <p:cSld>
     <p:spTree>
       <p:nvGrpSpPr>
-        <p:cNvPr id="97" name="Shape 97"/>
+        <p:cNvPr id="1" name="Shape 97"/>
         <p:cNvGrpSpPr/>
         <p:nvPr/>
       </p:nvGrpSpPr>
@@ -2015,9 +2227,11 @@
       <p:sp>
         <p:nvSpPr>
           <p:cNvPr id="98" name="Shape 98"/>
-          <p:cNvSpPr/>
+          <p:cNvSpPr>
+            <a:spLocks noGrp="1" noRot="1" noChangeAspect="1"/>
+          </p:cNvSpPr>
           <p:nvPr>
-            <p:ph idx="2" type="sldImg"/>
+            <p:ph type="sldImg" idx="2"/>
           </p:nvPr>
         </p:nvSpPr>
         <p:spPr>
@@ -2026,8 +2240,13 @@
             <a:ext cx="6096000" cy="3429000"/>
           </a:xfrm>
           <a:custGeom>
+            <a:avLst/>
+            <a:gdLst/>
+            <a:ahLst/>
+            <a:cxnLst/>
+            <a:rect l="0" t="0" r="0" b="0"/>
             <a:pathLst>
-              <a:path extrusionOk="0" h="120000" w="120000">
+              <a:path w="120000" h="120000" extrusionOk="0">
                 <a:moveTo>
                   <a:pt x="0" y="0"/>
                 </a:moveTo>
@@ -2049,9 +2268,11 @@
       <p:sp>
         <p:nvSpPr>
           <p:cNvPr id="99" name="Shape 99"/>
-          <p:cNvSpPr txBox="1"/>
+          <p:cNvSpPr txBox="1">
+            <a:spLocks noGrp="1"/>
+          </p:cNvSpPr>
           <p:nvPr>
-            <p:ph idx="1" type="body"/>
+            <p:ph type="body" idx="1"/>
           </p:nvPr>
         </p:nvSpPr>
         <p:spPr>
@@ -2064,7 +2285,7 @@
           </a:prstGeom>
         </p:spPr>
         <p:txBody>
-          <a:bodyPr anchorCtr="0" anchor="t" bIns="91425" lIns="91425" rIns="91425" tIns="91425">
+          <a:bodyPr lIns="91425" tIns="91425" rIns="91425" bIns="91425" anchor="t" anchorCtr="0">
             <a:noAutofit/>
           </a:bodyPr>
           <a:lstStyle/>
@@ -2075,9 +2296,6 @@
               </a:spcBef>
               <a:buNone/>
             </a:pPr>
-            <a:r>
-              <a:t/>
-            </a:r>
             <a:endParaRPr/>
           </a:p>
         </p:txBody>
@@ -2091,11 +2309,11 @@
 </file>
 
 <file path=ppt/notesSlides/notesSlide9.xml><?xml version="1.0" encoding="utf-8"?>
-<p:notes xmlns:a="http://schemas.openxmlformats.org/drawingml/2006/main" xmlns:r="http://schemas.openxmlformats.org/officeDocument/2006/relationships" xmlns:mc="http://schemas.openxmlformats.org/markup-compatibility/2006" xmlns:mv="urn:schemas-microsoft-com:mac:vml" xmlns:p="http://schemas.openxmlformats.org/presentationml/2006/main" xmlns:c="http://schemas.openxmlformats.org/drawingml/2006/chart" xmlns:dgm="http://schemas.openxmlformats.org/drawingml/2006/diagram" xmlns:o="urn:schemas-microsoft-com:office:office" xmlns:v="urn:schemas-microsoft-com:vml" xmlns:pvml="urn:schemas-microsoft-com:office:powerpoint" xmlns:com="http://schemas.openxmlformats.org/drawingml/2006/compatibility" xmlns:p14="http://schemas.microsoft.com/office/powerpoint/2010/main" showMasterPhAnim="0" showMasterSp="0">
+<p:notes xmlns:a="http://schemas.openxmlformats.org/drawingml/2006/main" xmlns:r="http://schemas.openxmlformats.org/officeDocument/2006/relationships" xmlns:p="http://schemas.openxmlformats.org/presentationml/2006/main" showMasterSp="0" showMasterPhAnim="0">
   <p:cSld>
     <p:spTree>
       <p:nvGrpSpPr>
-        <p:cNvPr id="102" name="Shape 102"/>
+        <p:cNvPr id="1" name="Shape 102"/>
         <p:cNvGrpSpPr/>
         <p:nvPr/>
       </p:nvGrpSpPr>
@@ -2110,9 +2328,11 @@
       <p:sp>
         <p:nvSpPr>
           <p:cNvPr id="103" name="Shape 103"/>
-          <p:cNvSpPr/>
+          <p:cNvSpPr>
+            <a:spLocks noGrp="1" noRot="1" noChangeAspect="1"/>
+          </p:cNvSpPr>
           <p:nvPr>
-            <p:ph idx="2" type="sldImg"/>
+            <p:ph type="sldImg" idx="2"/>
           </p:nvPr>
         </p:nvSpPr>
         <p:spPr>
@@ -2121,8 +2341,13 @@
             <a:ext cx="6096000" cy="3429000"/>
           </a:xfrm>
           <a:custGeom>
+            <a:avLst/>
+            <a:gdLst/>
+            <a:ahLst/>
+            <a:cxnLst/>
+            <a:rect l="0" t="0" r="0" b="0"/>
             <a:pathLst>
-              <a:path extrusionOk="0" h="120000" w="120000">
+              <a:path w="120000" h="120000" extrusionOk="0">
                 <a:moveTo>
                   <a:pt x="0" y="0"/>
                 </a:moveTo>
@@ -2144,9 +2369,11 @@
       <p:sp>
         <p:nvSpPr>
           <p:cNvPr id="104" name="Shape 104"/>
-          <p:cNvSpPr txBox="1"/>
+          <p:cNvSpPr txBox="1">
+            <a:spLocks noGrp="1"/>
+          </p:cNvSpPr>
           <p:nvPr>
-            <p:ph idx="1" type="body"/>
+            <p:ph type="body" idx="1"/>
           </p:nvPr>
         </p:nvSpPr>
         <p:spPr>
@@ -2159,7 +2386,7 @@
           </a:prstGeom>
         </p:spPr>
         <p:txBody>
-          <a:bodyPr anchorCtr="0" anchor="t" bIns="91425" lIns="91425" rIns="91425" tIns="91425">
+          <a:bodyPr lIns="91425" tIns="91425" rIns="91425" bIns="91425" anchor="t" anchorCtr="0">
             <a:noAutofit/>
           </a:bodyPr>
           <a:lstStyle/>
@@ -2170,9 +2397,6 @@
               </a:spcBef>
               <a:buNone/>
             </a:pPr>
-            <a:r>
-              <a:t/>
-            </a:r>
             <a:endParaRPr/>
           </a:p>
         </p:txBody>
@@ -2186,11 +2410,11 @@
 </file>
 
 <file path=ppt/slideLayouts/slideLayout1.xml><?xml version="1.0" encoding="utf-8"?>
-<p:sldLayout xmlns:a="http://schemas.openxmlformats.org/drawingml/2006/main" xmlns:r="http://schemas.openxmlformats.org/officeDocument/2006/relationships" xmlns:mc="http://schemas.openxmlformats.org/markup-compatibility/2006" xmlns:mv="urn:schemas-microsoft-com:mac:vml" xmlns:p="http://schemas.openxmlformats.org/presentationml/2006/main" xmlns:c="http://schemas.openxmlformats.org/drawingml/2006/chart" xmlns:dgm="http://schemas.openxmlformats.org/drawingml/2006/diagram" xmlns:o="urn:schemas-microsoft-com:office:office" xmlns:v="urn:schemas-microsoft-com:vml" xmlns:pvml="urn:schemas-microsoft-com:office:powerpoint" xmlns:com="http://schemas.openxmlformats.org/drawingml/2006/compatibility" xmlns:p14="http://schemas.microsoft.com/office/powerpoint/2010/main" type="title">
+<p:sldLayout xmlns:a="http://schemas.openxmlformats.org/drawingml/2006/main" xmlns:r="http://schemas.openxmlformats.org/officeDocument/2006/relationships" xmlns:p="http://schemas.openxmlformats.org/presentationml/2006/main" type="title">
   <p:cSld name="Title slide">
     <p:spTree>
       <p:nvGrpSpPr>
-        <p:cNvPr id="9" name="Shape 9"/>
+        <p:cNvPr id="1" name="Shape 9"/>
         <p:cNvGrpSpPr/>
         <p:nvPr/>
       </p:nvGrpSpPr>
@@ -2205,7 +2429,9 @@
       <p:sp>
         <p:nvSpPr>
           <p:cNvPr id="10" name="Shape 10"/>
-          <p:cNvSpPr txBox="1"/>
+          <p:cNvSpPr txBox="1">
+            <a:spLocks noGrp="1"/>
+          </p:cNvSpPr>
           <p:nvPr>
             <p:ph type="ctrTitle"/>
           </p:nvPr>
@@ -2220,7 +2446,7 @@
           </a:prstGeom>
         </p:spPr>
         <p:txBody>
-          <a:bodyPr anchorCtr="0" anchor="b" bIns="91425" lIns="91425" rIns="91425" tIns="91425"/>
+          <a:bodyPr lIns="91425" tIns="91425" rIns="91425" bIns="91425" anchor="b" anchorCtr="0"/>
           <a:lstStyle>
             <a:lvl1pPr lvl="0" algn="ctr">
               <a:spcBef>
@@ -2286,15 +2512,19 @@
               <a:defRPr sz="5200"/>
             </a:lvl9pPr>
           </a:lstStyle>
-          <a:p/>
+          <a:p>
+            <a:endParaRPr/>
+          </a:p>
         </p:txBody>
       </p:sp>
       <p:sp>
         <p:nvSpPr>
           <p:cNvPr id="11" name="Shape 11"/>
-          <p:cNvSpPr txBox="1"/>
+          <p:cNvSpPr txBox="1">
+            <a:spLocks noGrp="1"/>
+          </p:cNvSpPr>
           <p:nvPr>
-            <p:ph idx="1" type="subTitle"/>
+            <p:ph type="subTitle" idx="1"/>
           </p:nvPr>
         </p:nvSpPr>
         <p:spPr>
@@ -2307,7 +2537,7 @@
           </a:prstGeom>
         </p:spPr>
         <p:txBody>
-          <a:bodyPr anchorCtr="0" anchor="t" bIns="91425" lIns="91425" rIns="91425" tIns="91425"/>
+          <a:bodyPr lIns="91425" tIns="91425" rIns="91425" bIns="91425" anchor="t" anchorCtr="0"/>
           <a:lstStyle>
             <a:lvl1pPr lvl="0" algn="ctr">
               <a:lnSpc>
@@ -2436,15 +2666,19 @@
               <a:defRPr sz="2800"/>
             </a:lvl9pPr>
           </a:lstStyle>
-          <a:p/>
+          <a:p>
+            <a:endParaRPr/>
+          </a:p>
         </p:txBody>
       </p:sp>
       <p:sp>
         <p:nvSpPr>
           <p:cNvPr id="12" name="Shape 12"/>
-          <p:cNvSpPr txBox="1"/>
+          <p:cNvSpPr txBox="1">
+            <a:spLocks noGrp="1"/>
+          </p:cNvSpPr>
           <p:nvPr>
-            <p:ph idx="12" type="sldNum"/>
+            <p:ph type="sldNum" idx="12"/>
           </p:nvPr>
         </p:nvSpPr>
         <p:spPr>
@@ -2457,7 +2691,7 @@
           </a:prstGeom>
         </p:spPr>
         <p:txBody>
-          <a:bodyPr anchorCtr="0" anchor="ctr" bIns="91425" lIns="91425" rIns="91425" tIns="91425">
+          <a:bodyPr lIns="91425" tIns="91425" rIns="91425" bIns="91425" anchor="ctr" anchorCtr="0">
             <a:noAutofit/>
           </a:bodyPr>
           <a:lstStyle/>
@@ -2472,6 +2706,7 @@
               <a:rPr lang="en"/>
               <a:t>‹#›</a:t>
             </a:fld>
+            <a:endParaRPr lang="en"/>
           </a:p>
         </p:txBody>
       </p:sp>
@@ -2484,11 +2719,11 @@
 </file>
 
 <file path=ppt/slideLayouts/slideLayout10.xml><?xml version="1.0" encoding="utf-8"?>
-<p:sldLayout xmlns:a="http://schemas.openxmlformats.org/drawingml/2006/main" xmlns:r="http://schemas.openxmlformats.org/officeDocument/2006/relationships" xmlns:mc="http://schemas.openxmlformats.org/markup-compatibility/2006" xmlns:mv="urn:schemas-microsoft-com:mac:vml" xmlns:p="http://schemas.openxmlformats.org/presentationml/2006/main" xmlns:c="http://schemas.openxmlformats.org/drawingml/2006/chart" xmlns:dgm="http://schemas.openxmlformats.org/drawingml/2006/diagram" xmlns:o="urn:schemas-microsoft-com:office:office" xmlns:v="urn:schemas-microsoft-com:vml" xmlns:pvml="urn:schemas-microsoft-com:office:powerpoint" xmlns:com="http://schemas.openxmlformats.org/drawingml/2006/compatibility" xmlns:p14="http://schemas.microsoft.com/office/powerpoint/2010/main">
+<p:sldLayout xmlns:a="http://schemas.openxmlformats.org/drawingml/2006/main" xmlns:r="http://schemas.openxmlformats.org/officeDocument/2006/relationships" xmlns:p="http://schemas.openxmlformats.org/presentationml/2006/main">
   <p:cSld name="Big number">
     <p:spTree>
       <p:nvGrpSpPr>
-        <p:cNvPr id="44" name="Shape 44"/>
+        <p:cNvPr id="1" name="Shape 44"/>
         <p:cNvGrpSpPr/>
         <p:nvPr/>
       </p:nvGrpSpPr>
@@ -2503,7 +2738,9 @@
       <p:sp>
         <p:nvSpPr>
           <p:cNvPr id="45" name="Shape 45"/>
-          <p:cNvSpPr txBox="1"/>
+          <p:cNvSpPr txBox="1">
+            <a:spLocks noGrp="1"/>
+          </p:cNvSpPr>
           <p:nvPr>
             <p:ph type="title"/>
           </p:nvPr>
@@ -2518,7 +2755,7 @@
           </a:prstGeom>
         </p:spPr>
         <p:txBody>
-          <a:bodyPr anchorCtr="0" anchor="b" bIns="91425" lIns="91425" rIns="91425" tIns="91425"/>
+          <a:bodyPr lIns="91425" tIns="91425" rIns="91425" bIns="91425" anchor="b" anchorCtr="0"/>
           <a:lstStyle>
             <a:lvl1pPr lvl="0" algn="ctr">
               <a:spcBef>
@@ -2584,15 +2821,19 @@
               <a:defRPr sz="12000"/>
             </a:lvl9pPr>
           </a:lstStyle>
-          <a:p/>
+          <a:p>
+            <a:endParaRPr/>
+          </a:p>
         </p:txBody>
       </p:sp>
       <p:sp>
         <p:nvSpPr>
           <p:cNvPr id="46" name="Shape 46"/>
-          <p:cNvSpPr txBox="1"/>
+          <p:cNvSpPr txBox="1">
+            <a:spLocks noGrp="1"/>
+          </p:cNvSpPr>
           <p:nvPr>
-            <p:ph idx="1" type="body"/>
+            <p:ph type="body" idx="1"/>
           </p:nvPr>
         </p:nvSpPr>
         <p:spPr>
@@ -2605,7 +2846,7 @@
           </a:prstGeom>
         </p:spPr>
         <p:txBody>
-          <a:bodyPr anchorCtr="0" anchor="t" bIns="91425" lIns="91425" rIns="91425" tIns="91425"/>
+          <a:bodyPr lIns="91425" tIns="91425" rIns="91425" bIns="91425" anchor="t" anchorCtr="0"/>
           <a:lstStyle>
             <a:lvl1pPr lvl="0" algn="ctr">
               <a:spcBef>
@@ -2662,15 +2903,19 @@
               <a:defRPr/>
             </a:lvl9pPr>
           </a:lstStyle>
-          <a:p/>
+          <a:p>
+            <a:endParaRPr/>
+          </a:p>
         </p:txBody>
       </p:sp>
       <p:sp>
         <p:nvSpPr>
           <p:cNvPr id="47" name="Shape 47"/>
-          <p:cNvSpPr txBox="1"/>
+          <p:cNvSpPr txBox="1">
+            <a:spLocks noGrp="1"/>
+          </p:cNvSpPr>
           <p:nvPr>
-            <p:ph idx="12" type="sldNum"/>
+            <p:ph type="sldNum" idx="12"/>
           </p:nvPr>
         </p:nvSpPr>
         <p:spPr>
@@ -2683,7 +2928,7 @@
           </a:prstGeom>
         </p:spPr>
         <p:txBody>
-          <a:bodyPr anchorCtr="0" anchor="ctr" bIns="91425" lIns="91425" rIns="91425" tIns="91425">
+          <a:bodyPr lIns="91425" tIns="91425" rIns="91425" bIns="91425" anchor="ctr" anchorCtr="0">
             <a:noAutofit/>
           </a:bodyPr>
           <a:lstStyle/>
@@ -2698,6 +2943,7 @@
               <a:rPr lang="en"/>
               <a:t>‹#›</a:t>
             </a:fld>
+            <a:endParaRPr lang="en"/>
           </a:p>
         </p:txBody>
       </p:sp>
@@ -2710,11 +2956,11 @@
 </file>
 
 <file path=ppt/slideLayouts/slideLayout11.xml><?xml version="1.0" encoding="utf-8"?>
-<p:sldLayout xmlns:a="http://schemas.openxmlformats.org/drawingml/2006/main" xmlns:r="http://schemas.openxmlformats.org/officeDocument/2006/relationships" xmlns:mc="http://schemas.openxmlformats.org/markup-compatibility/2006" xmlns:mv="urn:schemas-microsoft-com:mac:vml" xmlns:p="http://schemas.openxmlformats.org/presentationml/2006/main" xmlns:c="http://schemas.openxmlformats.org/drawingml/2006/chart" xmlns:dgm="http://schemas.openxmlformats.org/drawingml/2006/diagram" xmlns:o="urn:schemas-microsoft-com:office:office" xmlns:v="urn:schemas-microsoft-com:vml" xmlns:pvml="urn:schemas-microsoft-com:office:powerpoint" xmlns:com="http://schemas.openxmlformats.org/drawingml/2006/compatibility" xmlns:p14="http://schemas.microsoft.com/office/powerpoint/2010/main" type="blank">
+<p:sldLayout xmlns:a="http://schemas.openxmlformats.org/drawingml/2006/main" xmlns:r="http://schemas.openxmlformats.org/officeDocument/2006/relationships" xmlns:p="http://schemas.openxmlformats.org/presentationml/2006/main" type="blank">
   <p:cSld name="Blank">
     <p:spTree>
       <p:nvGrpSpPr>
-        <p:cNvPr id="48" name="Shape 48"/>
+        <p:cNvPr id="1" name="Shape 48"/>
         <p:cNvGrpSpPr/>
         <p:nvPr/>
       </p:nvGrpSpPr>
@@ -2729,9 +2975,11 @@
       <p:sp>
         <p:nvSpPr>
           <p:cNvPr id="49" name="Shape 49"/>
-          <p:cNvSpPr txBox="1"/>
+          <p:cNvSpPr txBox="1">
+            <a:spLocks noGrp="1"/>
+          </p:cNvSpPr>
           <p:nvPr>
-            <p:ph idx="12" type="sldNum"/>
+            <p:ph type="sldNum" idx="12"/>
           </p:nvPr>
         </p:nvSpPr>
         <p:spPr>
@@ -2744,7 +2992,7 @@
           </a:prstGeom>
         </p:spPr>
         <p:txBody>
-          <a:bodyPr anchorCtr="0" anchor="ctr" bIns="91425" lIns="91425" rIns="91425" tIns="91425">
+          <a:bodyPr lIns="91425" tIns="91425" rIns="91425" bIns="91425" anchor="ctr" anchorCtr="0">
             <a:noAutofit/>
           </a:bodyPr>
           <a:lstStyle/>
@@ -2759,6 +3007,7 @@
               <a:rPr lang="en"/>
               <a:t>‹#›</a:t>
             </a:fld>
+            <a:endParaRPr lang="en"/>
           </a:p>
         </p:txBody>
       </p:sp>
@@ -2771,11 +3020,11 @@
 </file>
 
 <file path=ppt/slideLayouts/slideLayout2.xml><?xml version="1.0" encoding="utf-8"?>
-<p:sldLayout xmlns:a="http://schemas.openxmlformats.org/drawingml/2006/main" xmlns:r="http://schemas.openxmlformats.org/officeDocument/2006/relationships" xmlns:mc="http://schemas.openxmlformats.org/markup-compatibility/2006" xmlns:mv="urn:schemas-microsoft-com:mac:vml" xmlns:p="http://schemas.openxmlformats.org/presentationml/2006/main" xmlns:c="http://schemas.openxmlformats.org/drawingml/2006/chart" xmlns:dgm="http://schemas.openxmlformats.org/drawingml/2006/diagram" xmlns:o="urn:schemas-microsoft-com:office:office" xmlns:v="urn:schemas-microsoft-com:vml" xmlns:pvml="urn:schemas-microsoft-com:office:powerpoint" xmlns:com="http://schemas.openxmlformats.org/drawingml/2006/compatibility" xmlns:p14="http://schemas.microsoft.com/office/powerpoint/2010/main" type="secHead">
+<p:sldLayout xmlns:a="http://schemas.openxmlformats.org/drawingml/2006/main" xmlns:r="http://schemas.openxmlformats.org/officeDocument/2006/relationships" xmlns:p="http://schemas.openxmlformats.org/presentationml/2006/main" type="secHead">
   <p:cSld name="Section header">
     <p:spTree>
       <p:nvGrpSpPr>
-        <p:cNvPr id="13" name="Shape 13"/>
+        <p:cNvPr id="1" name="Shape 13"/>
         <p:cNvGrpSpPr/>
         <p:nvPr/>
       </p:nvGrpSpPr>
@@ -2790,7 +3039,9 @@
       <p:sp>
         <p:nvSpPr>
           <p:cNvPr id="14" name="Shape 14"/>
-          <p:cNvSpPr txBox="1"/>
+          <p:cNvSpPr txBox="1">
+            <a:spLocks noGrp="1"/>
+          </p:cNvSpPr>
           <p:nvPr>
             <p:ph type="title"/>
           </p:nvPr>
@@ -2805,7 +3056,7 @@
           </a:prstGeom>
         </p:spPr>
         <p:txBody>
-          <a:bodyPr anchorCtr="0" anchor="ctr" bIns="91425" lIns="91425" rIns="91425" tIns="91425"/>
+          <a:bodyPr lIns="91425" tIns="91425" rIns="91425" bIns="91425" anchor="ctr" anchorCtr="0"/>
           <a:lstStyle>
             <a:lvl1pPr lvl="0" algn="ctr">
               <a:spcBef>
@@ -2871,15 +3122,19 @@
               <a:defRPr sz="3600"/>
             </a:lvl9pPr>
           </a:lstStyle>
-          <a:p/>
+          <a:p>
+            <a:endParaRPr/>
+          </a:p>
         </p:txBody>
       </p:sp>
       <p:sp>
         <p:nvSpPr>
           <p:cNvPr id="15" name="Shape 15"/>
-          <p:cNvSpPr txBox="1"/>
+          <p:cNvSpPr txBox="1">
+            <a:spLocks noGrp="1"/>
+          </p:cNvSpPr>
           <p:nvPr>
-            <p:ph idx="12" type="sldNum"/>
+            <p:ph type="sldNum" idx="12"/>
           </p:nvPr>
         </p:nvSpPr>
         <p:spPr>
@@ -2892,7 +3147,7 @@
           </a:prstGeom>
         </p:spPr>
         <p:txBody>
-          <a:bodyPr anchorCtr="0" anchor="ctr" bIns="91425" lIns="91425" rIns="91425" tIns="91425">
+          <a:bodyPr lIns="91425" tIns="91425" rIns="91425" bIns="91425" anchor="ctr" anchorCtr="0">
             <a:noAutofit/>
           </a:bodyPr>
           <a:lstStyle/>
@@ -2907,6 +3162,7 @@
               <a:rPr lang="en"/>
               <a:t>‹#›</a:t>
             </a:fld>
+            <a:endParaRPr lang="en"/>
           </a:p>
         </p:txBody>
       </p:sp>
@@ -2919,11 +3175,11 @@
 </file>
 
 <file path=ppt/slideLayouts/slideLayout3.xml><?xml version="1.0" encoding="utf-8"?>
-<p:sldLayout xmlns:a="http://schemas.openxmlformats.org/drawingml/2006/main" xmlns:r="http://schemas.openxmlformats.org/officeDocument/2006/relationships" xmlns:mc="http://schemas.openxmlformats.org/markup-compatibility/2006" xmlns:mv="urn:schemas-microsoft-com:mac:vml" xmlns:p="http://schemas.openxmlformats.org/presentationml/2006/main" xmlns:c="http://schemas.openxmlformats.org/drawingml/2006/chart" xmlns:dgm="http://schemas.openxmlformats.org/drawingml/2006/diagram" xmlns:o="urn:schemas-microsoft-com:office:office" xmlns:v="urn:schemas-microsoft-com:vml" xmlns:pvml="urn:schemas-microsoft-com:office:powerpoint" xmlns:com="http://schemas.openxmlformats.org/drawingml/2006/compatibility" xmlns:p14="http://schemas.microsoft.com/office/powerpoint/2010/main" type="tx">
+<p:sldLayout xmlns:a="http://schemas.openxmlformats.org/drawingml/2006/main" xmlns:r="http://schemas.openxmlformats.org/officeDocument/2006/relationships" xmlns:p="http://schemas.openxmlformats.org/presentationml/2006/main" type="tx">
   <p:cSld name="Title and body">
     <p:spTree>
       <p:nvGrpSpPr>
-        <p:cNvPr id="16" name="Shape 16"/>
+        <p:cNvPr id="1" name="Shape 16"/>
         <p:cNvGrpSpPr/>
         <p:nvPr/>
       </p:nvGrpSpPr>
@@ -2938,7 +3194,9 @@
       <p:sp>
         <p:nvSpPr>
           <p:cNvPr id="17" name="Shape 17"/>
-          <p:cNvSpPr txBox="1"/>
+          <p:cNvSpPr txBox="1">
+            <a:spLocks noGrp="1"/>
+          </p:cNvSpPr>
           <p:nvPr>
             <p:ph type="title"/>
           </p:nvPr>
@@ -2953,7 +3211,7 @@
           </a:prstGeom>
         </p:spPr>
         <p:txBody>
-          <a:bodyPr anchorCtr="0" anchor="t" bIns="91425" lIns="91425" rIns="91425" tIns="91425"/>
+          <a:bodyPr lIns="91425" tIns="91425" rIns="91425" bIns="91425" anchor="t" anchorCtr="0"/>
           <a:lstStyle>
             <a:lvl1pPr lvl="0">
               <a:spcBef>
@@ -3010,15 +3268,19 @@
               <a:defRPr/>
             </a:lvl9pPr>
           </a:lstStyle>
-          <a:p/>
+          <a:p>
+            <a:endParaRPr/>
+          </a:p>
         </p:txBody>
       </p:sp>
       <p:sp>
         <p:nvSpPr>
           <p:cNvPr id="18" name="Shape 18"/>
-          <p:cNvSpPr txBox="1"/>
+          <p:cNvSpPr txBox="1">
+            <a:spLocks noGrp="1"/>
+          </p:cNvSpPr>
           <p:nvPr>
-            <p:ph idx="1" type="body"/>
+            <p:ph type="body" idx="1"/>
           </p:nvPr>
         </p:nvSpPr>
         <p:spPr>
@@ -3031,7 +3293,7 @@
           </a:prstGeom>
         </p:spPr>
         <p:txBody>
-          <a:bodyPr anchorCtr="0" anchor="t" bIns="91425" lIns="91425" rIns="91425" tIns="91425"/>
+          <a:bodyPr lIns="91425" tIns="91425" rIns="91425" bIns="91425" anchor="t" anchorCtr="0"/>
           <a:lstStyle>
             <a:lvl1pPr lvl="0">
               <a:spcBef>
@@ -3088,15 +3350,19 @@
               <a:defRPr/>
             </a:lvl9pPr>
           </a:lstStyle>
-          <a:p/>
+          <a:p>
+            <a:endParaRPr/>
+          </a:p>
         </p:txBody>
       </p:sp>
       <p:sp>
         <p:nvSpPr>
           <p:cNvPr id="19" name="Shape 19"/>
-          <p:cNvSpPr txBox="1"/>
+          <p:cNvSpPr txBox="1">
+            <a:spLocks noGrp="1"/>
+          </p:cNvSpPr>
           <p:nvPr>
-            <p:ph idx="12" type="sldNum"/>
+            <p:ph type="sldNum" idx="12"/>
           </p:nvPr>
         </p:nvSpPr>
         <p:spPr>
@@ -3109,7 +3375,7 @@
           </a:prstGeom>
         </p:spPr>
         <p:txBody>
-          <a:bodyPr anchorCtr="0" anchor="ctr" bIns="91425" lIns="91425" rIns="91425" tIns="91425">
+          <a:bodyPr lIns="91425" tIns="91425" rIns="91425" bIns="91425" anchor="ctr" anchorCtr="0">
             <a:noAutofit/>
           </a:bodyPr>
           <a:lstStyle/>
@@ -3124,6 +3390,7 @@
               <a:rPr lang="en"/>
               <a:t>‹#›</a:t>
             </a:fld>
+            <a:endParaRPr lang="en"/>
           </a:p>
         </p:txBody>
       </p:sp>
@@ -3136,11 +3403,11 @@
 </file>
 
 <file path=ppt/slideLayouts/slideLayout4.xml><?xml version="1.0" encoding="utf-8"?>
-<p:sldLayout xmlns:a="http://schemas.openxmlformats.org/drawingml/2006/main" xmlns:r="http://schemas.openxmlformats.org/officeDocument/2006/relationships" xmlns:mc="http://schemas.openxmlformats.org/markup-compatibility/2006" xmlns:mv="urn:schemas-microsoft-com:mac:vml" xmlns:p="http://schemas.openxmlformats.org/presentationml/2006/main" xmlns:c="http://schemas.openxmlformats.org/drawingml/2006/chart" xmlns:dgm="http://schemas.openxmlformats.org/drawingml/2006/diagram" xmlns:o="urn:schemas-microsoft-com:office:office" xmlns:v="urn:schemas-microsoft-com:vml" xmlns:pvml="urn:schemas-microsoft-com:office:powerpoint" xmlns:com="http://schemas.openxmlformats.org/drawingml/2006/compatibility" xmlns:p14="http://schemas.microsoft.com/office/powerpoint/2010/main" type="twoColTx">
+<p:sldLayout xmlns:a="http://schemas.openxmlformats.org/drawingml/2006/main" xmlns:r="http://schemas.openxmlformats.org/officeDocument/2006/relationships" xmlns:p="http://schemas.openxmlformats.org/presentationml/2006/main" type="twoColTx">
   <p:cSld name="Title and two columns">
     <p:spTree>
       <p:nvGrpSpPr>
-        <p:cNvPr id="20" name="Shape 20"/>
+        <p:cNvPr id="1" name="Shape 20"/>
         <p:cNvGrpSpPr/>
         <p:nvPr/>
       </p:nvGrpSpPr>
@@ -3155,7 +3422,9 @@
       <p:sp>
         <p:nvSpPr>
           <p:cNvPr id="21" name="Shape 21"/>
-          <p:cNvSpPr txBox="1"/>
+          <p:cNvSpPr txBox="1">
+            <a:spLocks noGrp="1"/>
+          </p:cNvSpPr>
           <p:nvPr>
             <p:ph type="title"/>
           </p:nvPr>
@@ -3170,7 +3439,7 @@
           </a:prstGeom>
         </p:spPr>
         <p:txBody>
-          <a:bodyPr anchorCtr="0" anchor="t" bIns="91425" lIns="91425" rIns="91425" tIns="91425"/>
+          <a:bodyPr lIns="91425" tIns="91425" rIns="91425" bIns="91425" anchor="t" anchorCtr="0"/>
           <a:lstStyle>
             <a:lvl1pPr lvl="0">
               <a:spcBef>
@@ -3227,15 +3496,19 @@
               <a:defRPr/>
             </a:lvl9pPr>
           </a:lstStyle>
-          <a:p/>
+          <a:p>
+            <a:endParaRPr/>
+          </a:p>
         </p:txBody>
       </p:sp>
       <p:sp>
         <p:nvSpPr>
           <p:cNvPr id="22" name="Shape 22"/>
-          <p:cNvSpPr txBox="1"/>
+          <p:cNvSpPr txBox="1">
+            <a:spLocks noGrp="1"/>
+          </p:cNvSpPr>
           <p:nvPr>
-            <p:ph idx="1" type="body"/>
+            <p:ph type="body" idx="1"/>
           </p:nvPr>
         </p:nvSpPr>
         <p:spPr>
@@ -3248,7 +3521,7 @@
           </a:prstGeom>
         </p:spPr>
         <p:txBody>
-          <a:bodyPr anchorCtr="0" anchor="t" bIns="91425" lIns="91425" rIns="91425" tIns="91425"/>
+          <a:bodyPr lIns="91425" tIns="91425" rIns="91425" bIns="91425" anchor="t" anchorCtr="0"/>
           <a:lstStyle>
             <a:lvl1pPr lvl="0">
               <a:spcBef>
@@ -3314,15 +3587,19 @@
               <a:defRPr sz="1200"/>
             </a:lvl9pPr>
           </a:lstStyle>
-          <a:p/>
+          <a:p>
+            <a:endParaRPr/>
+          </a:p>
         </p:txBody>
       </p:sp>
       <p:sp>
         <p:nvSpPr>
           <p:cNvPr id="23" name="Shape 23"/>
-          <p:cNvSpPr txBox="1"/>
+          <p:cNvSpPr txBox="1">
+            <a:spLocks noGrp="1"/>
+          </p:cNvSpPr>
           <p:nvPr>
-            <p:ph idx="2" type="body"/>
+            <p:ph type="body" idx="2"/>
           </p:nvPr>
         </p:nvSpPr>
         <p:spPr>
@@ -3335,7 +3612,7 @@
           </a:prstGeom>
         </p:spPr>
         <p:txBody>
-          <a:bodyPr anchorCtr="0" anchor="t" bIns="91425" lIns="91425" rIns="91425" tIns="91425"/>
+          <a:bodyPr lIns="91425" tIns="91425" rIns="91425" bIns="91425" anchor="t" anchorCtr="0"/>
           <a:lstStyle>
             <a:lvl1pPr lvl="0">
               <a:spcBef>
@@ -3401,15 +3678,19 @@
               <a:defRPr sz="1200"/>
             </a:lvl9pPr>
           </a:lstStyle>
-          <a:p/>
+          <a:p>
+            <a:endParaRPr/>
+          </a:p>
         </p:txBody>
       </p:sp>
       <p:sp>
         <p:nvSpPr>
           <p:cNvPr id="24" name="Shape 24"/>
-          <p:cNvSpPr txBox="1"/>
+          <p:cNvSpPr txBox="1">
+            <a:spLocks noGrp="1"/>
+          </p:cNvSpPr>
           <p:nvPr>
-            <p:ph idx="12" type="sldNum"/>
+            <p:ph type="sldNum" idx="12"/>
           </p:nvPr>
         </p:nvSpPr>
         <p:spPr>
@@ -3422,7 +3703,7 @@
           </a:prstGeom>
         </p:spPr>
         <p:txBody>
-          <a:bodyPr anchorCtr="0" anchor="ctr" bIns="91425" lIns="91425" rIns="91425" tIns="91425">
+          <a:bodyPr lIns="91425" tIns="91425" rIns="91425" bIns="91425" anchor="ctr" anchorCtr="0">
             <a:noAutofit/>
           </a:bodyPr>
           <a:lstStyle/>
@@ -3437,6 +3718,7 @@
               <a:rPr lang="en"/>
               <a:t>‹#›</a:t>
             </a:fld>
+            <a:endParaRPr lang="en"/>
           </a:p>
         </p:txBody>
       </p:sp>
@@ -3449,11 +3731,11 @@
 </file>
 
 <file path=ppt/slideLayouts/slideLayout5.xml><?xml version="1.0" encoding="utf-8"?>
-<p:sldLayout xmlns:a="http://schemas.openxmlformats.org/drawingml/2006/main" xmlns:r="http://schemas.openxmlformats.org/officeDocument/2006/relationships" xmlns:mc="http://schemas.openxmlformats.org/markup-compatibility/2006" xmlns:mv="urn:schemas-microsoft-com:mac:vml" xmlns:p="http://schemas.openxmlformats.org/presentationml/2006/main" xmlns:c="http://schemas.openxmlformats.org/drawingml/2006/chart" xmlns:dgm="http://schemas.openxmlformats.org/drawingml/2006/diagram" xmlns:o="urn:schemas-microsoft-com:office:office" xmlns:v="urn:schemas-microsoft-com:vml" xmlns:pvml="urn:schemas-microsoft-com:office:powerpoint" xmlns:com="http://schemas.openxmlformats.org/drawingml/2006/compatibility" xmlns:p14="http://schemas.microsoft.com/office/powerpoint/2010/main" type="titleOnly">
+<p:sldLayout xmlns:a="http://schemas.openxmlformats.org/drawingml/2006/main" xmlns:r="http://schemas.openxmlformats.org/officeDocument/2006/relationships" xmlns:p="http://schemas.openxmlformats.org/presentationml/2006/main" type="titleOnly">
   <p:cSld name="Title only">
     <p:spTree>
       <p:nvGrpSpPr>
-        <p:cNvPr id="25" name="Shape 25"/>
+        <p:cNvPr id="1" name="Shape 25"/>
         <p:cNvGrpSpPr/>
         <p:nvPr/>
       </p:nvGrpSpPr>
@@ -3468,7 +3750,9 @@
       <p:sp>
         <p:nvSpPr>
           <p:cNvPr id="26" name="Shape 26"/>
-          <p:cNvSpPr txBox="1"/>
+          <p:cNvSpPr txBox="1">
+            <a:spLocks noGrp="1"/>
+          </p:cNvSpPr>
           <p:nvPr>
             <p:ph type="title"/>
           </p:nvPr>
@@ -3483,7 +3767,7 @@
           </a:prstGeom>
         </p:spPr>
         <p:txBody>
-          <a:bodyPr anchorCtr="0" anchor="t" bIns="91425" lIns="91425" rIns="91425" tIns="91425"/>
+          <a:bodyPr lIns="91425" tIns="91425" rIns="91425" bIns="91425" anchor="t" anchorCtr="0"/>
           <a:lstStyle>
             <a:lvl1pPr lvl="0">
               <a:spcBef>
@@ -3540,15 +3824,19 @@
               <a:defRPr/>
             </a:lvl9pPr>
           </a:lstStyle>
-          <a:p/>
+          <a:p>
+            <a:endParaRPr/>
+          </a:p>
         </p:txBody>
       </p:sp>
       <p:sp>
         <p:nvSpPr>
           <p:cNvPr id="27" name="Shape 27"/>
-          <p:cNvSpPr txBox="1"/>
+          <p:cNvSpPr txBox="1">
+            <a:spLocks noGrp="1"/>
+          </p:cNvSpPr>
           <p:nvPr>
-            <p:ph idx="12" type="sldNum"/>
+            <p:ph type="sldNum" idx="12"/>
           </p:nvPr>
         </p:nvSpPr>
         <p:spPr>
@@ -3561,7 +3849,7 @@
           </a:prstGeom>
         </p:spPr>
         <p:txBody>
-          <a:bodyPr anchorCtr="0" anchor="ctr" bIns="91425" lIns="91425" rIns="91425" tIns="91425">
+          <a:bodyPr lIns="91425" tIns="91425" rIns="91425" bIns="91425" anchor="ctr" anchorCtr="0">
             <a:noAutofit/>
           </a:bodyPr>
           <a:lstStyle/>
@@ -3576,6 +3864,7 @@
               <a:rPr lang="en"/>
               <a:t>‹#›</a:t>
             </a:fld>
+            <a:endParaRPr lang="en"/>
           </a:p>
         </p:txBody>
       </p:sp>
@@ -3588,11 +3877,11 @@
 </file>
 
 <file path=ppt/slideLayouts/slideLayout6.xml><?xml version="1.0" encoding="utf-8"?>
-<p:sldLayout xmlns:a="http://schemas.openxmlformats.org/drawingml/2006/main" xmlns:r="http://schemas.openxmlformats.org/officeDocument/2006/relationships" xmlns:mc="http://schemas.openxmlformats.org/markup-compatibility/2006" xmlns:mv="urn:schemas-microsoft-com:mac:vml" xmlns:p="http://schemas.openxmlformats.org/presentationml/2006/main" xmlns:c="http://schemas.openxmlformats.org/drawingml/2006/chart" xmlns:dgm="http://schemas.openxmlformats.org/drawingml/2006/diagram" xmlns:o="urn:schemas-microsoft-com:office:office" xmlns:v="urn:schemas-microsoft-com:vml" xmlns:pvml="urn:schemas-microsoft-com:office:powerpoint" xmlns:com="http://schemas.openxmlformats.org/drawingml/2006/compatibility" xmlns:p14="http://schemas.microsoft.com/office/powerpoint/2010/main">
+<p:sldLayout xmlns:a="http://schemas.openxmlformats.org/drawingml/2006/main" xmlns:r="http://schemas.openxmlformats.org/officeDocument/2006/relationships" xmlns:p="http://schemas.openxmlformats.org/presentationml/2006/main">
   <p:cSld name="One column text">
     <p:spTree>
       <p:nvGrpSpPr>
-        <p:cNvPr id="28" name="Shape 28"/>
+        <p:cNvPr id="1" name="Shape 28"/>
         <p:cNvGrpSpPr/>
         <p:nvPr/>
       </p:nvGrpSpPr>
@@ -3607,7 +3896,9 @@
       <p:sp>
         <p:nvSpPr>
           <p:cNvPr id="29" name="Shape 29"/>
-          <p:cNvSpPr txBox="1"/>
+          <p:cNvSpPr txBox="1">
+            <a:spLocks noGrp="1"/>
+          </p:cNvSpPr>
           <p:nvPr>
             <p:ph type="title"/>
           </p:nvPr>
@@ -3622,7 +3913,7 @@
           </a:prstGeom>
         </p:spPr>
         <p:txBody>
-          <a:bodyPr anchorCtr="0" anchor="b" bIns="91425" lIns="91425" rIns="91425" tIns="91425"/>
+          <a:bodyPr lIns="91425" tIns="91425" rIns="91425" bIns="91425" anchor="b" anchorCtr="0"/>
           <a:lstStyle>
             <a:lvl1pPr lvl="0">
               <a:spcBef>
@@ -3688,15 +3979,19 @@
               <a:defRPr sz="2400"/>
             </a:lvl9pPr>
           </a:lstStyle>
-          <a:p/>
+          <a:p>
+            <a:endParaRPr/>
+          </a:p>
         </p:txBody>
       </p:sp>
       <p:sp>
         <p:nvSpPr>
           <p:cNvPr id="30" name="Shape 30"/>
-          <p:cNvSpPr txBox="1"/>
+          <p:cNvSpPr txBox="1">
+            <a:spLocks noGrp="1"/>
+          </p:cNvSpPr>
           <p:nvPr>
-            <p:ph idx="1" type="body"/>
+            <p:ph type="body" idx="1"/>
           </p:nvPr>
         </p:nvSpPr>
         <p:spPr>
@@ -3709,7 +4004,7 @@
           </a:prstGeom>
         </p:spPr>
         <p:txBody>
-          <a:bodyPr anchorCtr="0" anchor="t" bIns="91425" lIns="91425" rIns="91425" tIns="91425"/>
+          <a:bodyPr lIns="91425" tIns="91425" rIns="91425" bIns="91425" anchor="t" anchorCtr="0"/>
           <a:lstStyle>
             <a:lvl1pPr lvl="0">
               <a:spcBef>
@@ -3775,15 +4070,19 @@
               <a:defRPr sz="1200"/>
             </a:lvl9pPr>
           </a:lstStyle>
-          <a:p/>
+          <a:p>
+            <a:endParaRPr/>
+          </a:p>
         </p:txBody>
       </p:sp>
       <p:sp>
         <p:nvSpPr>
           <p:cNvPr id="31" name="Shape 31"/>
-          <p:cNvSpPr txBox="1"/>
+          <p:cNvSpPr txBox="1">
+            <a:spLocks noGrp="1"/>
+          </p:cNvSpPr>
           <p:nvPr>
-            <p:ph idx="12" type="sldNum"/>
+            <p:ph type="sldNum" idx="12"/>
           </p:nvPr>
         </p:nvSpPr>
         <p:spPr>
@@ -3796,7 +4095,7 @@
           </a:prstGeom>
         </p:spPr>
         <p:txBody>
-          <a:bodyPr anchorCtr="0" anchor="ctr" bIns="91425" lIns="91425" rIns="91425" tIns="91425">
+          <a:bodyPr lIns="91425" tIns="91425" rIns="91425" bIns="91425" anchor="ctr" anchorCtr="0">
             <a:noAutofit/>
           </a:bodyPr>
           <a:lstStyle/>
@@ -3811,6 +4110,7 @@
               <a:rPr lang="en"/>
               <a:t>‹#›</a:t>
             </a:fld>
+            <a:endParaRPr lang="en"/>
           </a:p>
         </p:txBody>
       </p:sp>
@@ -3823,11 +4123,11 @@
 </file>
 
 <file path=ppt/slideLayouts/slideLayout7.xml><?xml version="1.0" encoding="utf-8"?>
-<p:sldLayout xmlns:a="http://schemas.openxmlformats.org/drawingml/2006/main" xmlns:r="http://schemas.openxmlformats.org/officeDocument/2006/relationships" xmlns:mc="http://schemas.openxmlformats.org/markup-compatibility/2006" xmlns:mv="urn:schemas-microsoft-com:mac:vml" xmlns:p="http://schemas.openxmlformats.org/presentationml/2006/main" xmlns:c="http://schemas.openxmlformats.org/drawingml/2006/chart" xmlns:dgm="http://schemas.openxmlformats.org/drawingml/2006/diagram" xmlns:o="urn:schemas-microsoft-com:office:office" xmlns:v="urn:schemas-microsoft-com:vml" xmlns:pvml="urn:schemas-microsoft-com:office:powerpoint" xmlns:com="http://schemas.openxmlformats.org/drawingml/2006/compatibility" xmlns:p14="http://schemas.microsoft.com/office/powerpoint/2010/main">
+<p:sldLayout xmlns:a="http://schemas.openxmlformats.org/drawingml/2006/main" xmlns:r="http://schemas.openxmlformats.org/officeDocument/2006/relationships" xmlns:p="http://schemas.openxmlformats.org/presentationml/2006/main">
   <p:cSld name="Main point">
     <p:spTree>
       <p:nvGrpSpPr>
-        <p:cNvPr id="32" name="Shape 32"/>
+        <p:cNvPr id="1" name="Shape 32"/>
         <p:cNvGrpSpPr/>
         <p:nvPr/>
       </p:nvGrpSpPr>
@@ -3842,7 +4142,9 @@
       <p:sp>
         <p:nvSpPr>
           <p:cNvPr id="33" name="Shape 33"/>
-          <p:cNvSpPr txBox="1"/>
+          <p:cNvSpPr txBox="1">
+            <a:spLocks noGrp="1"/>
+          </p:cNvSpPr>
           <p:nvPr>
             <p:ph type="title"/>
           </p:nvPr>
@@ -3857,7 +4159,7 @@
           </a:prstGeom>
         </p:spPr>
         <p:txBody>
-          <a:bodyPr anchorCtr="0" anchor="ctr" bIns="91425" lIns="91425" rIns="91425" tIns="91425"/>
+          <a:bodyPr lIns="91425" tIns="91425" rIns="91425" bIns="91425" anchor="ctr" anchorCtr="0"/>
           <a:lstStyle>
             <a:lvl1pPr lvl="0">
               <a:spcBef>
@@ -3923,15 +4225,19 @@
               <a:defRPr sz="4800"/>
             </a:lvl9pPr>
           </a:lstStyle>
-          <a:p/>
+          <a:p>
+            <a:endParaRPr/>
+          </a:p>
         </p:txBody>
       </p:sp>
       <p:sp>
         <p:nvSpPr>
           <p:cNvPr id="34" name="Shape 34"/>
-          <p:cNvSpPr txBox="1"/>
+          <p:cNvSpPr txBox="1">
+            <a:spLocks noGrp="1"/>
+          </p:cNvSpPr>
           <p:nvPr>
-            <p:ph idx="12" type="sldNum"/>
+            <p:ph type="sldNum" idx="12"/>
           </p:nvPr>
         </p:nvSpPr>
         <p:spPr>
@@ -3944,7 +4250,7 @@
           </a:prstGeom>
         </p:spPr>
         <p:txBody>
-          <a:bodyPr anchorCtr="0" anchor="ctr" bIns="91425" lIns="91425" rIns="91425" tIns="91425">
+          <a:bodyPr lIns="91425" tIns="91425" rIns="91425" bIns="91425" anchor="ctr" anchorCtr="0">
             <a:noAutofit/>
           </a:bodyPr>
           <a:lstStyle/>
@@ -3959,6 +4265,7 @@
               <a:rPr lang="en"/>
               <a:t>‹#›</a:t>
             </a:fld>
+            <a:endParaRPr lang="en"/>
           </a:p>
         </p:txBody>
       </p:sp>
@@ -3971,11 +4278,11 @@
 </file>
 
 <file path=ppt/slideLayouts/slideLayout8.xml><?xml version="1.0" encoding="utf-8"?>
-<p:sldLayout xmlns:a="http://schemas.openxmlformats.org/drawingml/2006/main" xmlns:r="http://schemas.openxmlformats.org/officeDocument/2006/relationships" xmlns:mc="http://schemas.openxmlformats.org/markup-compatibility/2006" xmlns:mv="urn:schemas-microsoft-com:mac:vml" xmlns:p="http://schemas.openxmlformats.org/presentationml/2006/main" xmlns:c="http://schemas.openxmlformats.org/drawingml/2006/chart" xmlns:dgm="http://schemas.openxmlformats.org/drawingml/2006/diagram" xmlns:o="urn:schemas-microsoft-com:office:office" xmlns:v="urn:schemas-microsoft-com:vml" xmlns:pvml="urn:schemas-microsoft-com:office:powerpoint" xmlns:com="http://schemas.openxmlformats.org/drawingml/2006/compatibility" xmlns:p14="http://schemas.microsoft.com/office/powerpoint/2010/main">
+<p:sldLayout xmlns:a="http://schemas.openxmlformats.org/drawingml/2006/main" xmlns:r="http://schemas.openxmlformats.org/officeDocument/2006/relationships" xmlns:p="http://schemas.openxmlformats.org/presentationml/2006/main">
   <p:cSld name="Section title and description">
     <p:spTree>
       <p:nvGrpSpPr>
-        <p:cNvPr id="35" name="Shape 35"/>
+        <p:cNvPr id="1" name="Shape 35"/>
         <p:cNvGrpSpPr/>
         <p:nvPr/>
       </p:nvGrpSpPr>
@@ -4009,7 +4316,7 @@
           </a:ln>
         </p:spPr>
         <p:txBody>
-          <a:bodyPr anchorCtr="0" anchor="ctr" bIns="91425" lIns="91425" rIns="91425" tIns="91425">
+          <a:bodyPr lIns="91425" tIns="91425" rIns="91425" bIns="91425" anchor="ctr" anchorCtr="0">
             <a:noAutofit/>
           </a:bodyPr>
           <a:lstStyle/>
@@ -4020,9 +4327,6 @@
               </a:spcBef>
               <a:buNone/>
             </a:pPr>
-            <a:r>
-              <a:t/>
-            </a:r>
             <a:endParaRPr/>
           </a:p>
         </p:txBody>
@@ -4030,7 +4334,9 @@
       <p:sp>
         <p:nvSpPr>
           <p:cNvPr id="37" name="Shape 37"/>
-          <p:cNvSpPr txBox="1"/>
+          <p:cNvSpPr txBox="1">
+            <a:spLocks noGrp="1"/>
+          </p:cNvSpPr>
           <p:nvPr>
             <p:ph type="title"/>
           </p:nvPr>
@@ -4045,7 +4351,7 @@
           </a:prstGeom>
         </p:spPr>
         <p:txBody>
-          <a:bodyPr anchorCtr="0" anchor="b" bIns="91425" lIns="91425" rIns="91425" tIns="91425"/>
+          <a:bodyPr lIns="91425" tIns="91425" rIns="91425" bIns="91425" anchor="b" anchorCtr="0"/>
           <a:lstStyle>
             <a:lvl1pPr lvl="0" algn="ctr">
               <a:spcBef>
@@ -4111,15 +4417,19 @@
               <a:defRPr sz="4200"/>
             </a:lvl9pPr>
           </a:lstStyle>
-          <a:p/>
+          <a:p>
+            <a:endParaRPr/>
+          </a:p>
         </p:txBody>
       </p:sp>
       <p:sp>
         <p:nvSpPr>
           <p:cNvPr id="38" name="Shape 38"/>
-          <p:cNvSpPr txBox="1"/>
+          <p:cNvSpPr txBox="1">
+            <a:spLocks noGrp="1"/>
+          </p:cNvSpPr>
           <p:nvPr>
-            <p:ph idx="1" type="subTitle"/>
+            <p:ph type="subTitle" idx="1"/>
           </p:nvPr>
         </p:nvSpPr>
         <p:spPr>
@@ -4132,7 +4442,7 @@
           </a:prstGeom>
         </p:spPr>
         <p:txBody>
-          <a:bodyPr anchorCtr="0" anchor="t" bIns="91425" lIns="91425" rIns="91425" tIns="91425"/>
+          <a:bodyPr lIns="91425" tIns="91425" rIns="91425" bIns="91425" anchor="t" anchorCtr="0"/>
           <a:lstStyle>
             <a:lvl1pPr lvl="0" algn="ctr">
               <a:lnSpc>
@@ -4261,15 +4571,19 @@
               <a:defRPr sz="2100"/>
             </a:lvl9pPr>
           </a:lstStyle>
-          <a:p/>
+          <a:p>
+            <a:endParaRPr/>
+          </a:p>
         </p:txBody>
       </p:sp>
       <p:sp>
         <p:nvSpPr>
           <p:cNvPr id="39" name="Shape 39"/>
-          <p:cNvSpPr txBox="1"/>
+          <p:cNvSpPr txBox="1">
+            <a:spLocks noGrp="1"/>
+          </p:cNvSpPr>
           <p:nvPr>
-            <p:ph idx="2" type="body"/>
+            <p:ph type="body" idx="2"/>
           </p:nvPr>
         </p:nvSpPr>
         <p:spPr>
@@ -4282,7 +4596,7 @@
           </a:prstGeom>
         </p:spPr>
         <p:txBody>
-          <a:bodyPr anchorCtr="0" anchor="ctr" bIns="91425" lIns="91425" rIns="91425" tIns="91425"/>
+          <a:bodyPr lIns="91425" tIns="91425" rIns="91425" bIns="91425" anchor="ctr" anchorCtr="0"/>
           <a:lstStyle>
             <a:lvl1pPr lvl="0">
               <a:spcBef>
@@ -4339,15 +4653,19 @@
               <a:defRPr/>
             </a:lvl9pPr>
           </a:lstStyle>
-          <a:p/>
+          <a:p>
+            <a:endParaRPr/>
+          </a:p>
         </p:txBody>
       </p:sp>
       <p:sp>
         <p:nvSpPr>
           <p:cNvPr id="40" name="Shape 40"/>
-          <p:cNvSpPr txBox="1"/>
+          <p:cNvSpPr txBox="1">
+            <a:spLocks noGrp="1"/>
+          </p:cNvSpPr>
           <p:nvPr>
-            <p:ph idx="12" type="sldNum"/>
+            <p:ph type="sldNum" idx="12"/>
           </p:nvPr>
         </p:nvSpPr>
         <p:spPr>
@@ -4360,7 +4678,7 @@
           </a:prstGeom>
         </p:spPr>
         <p:txBody>
-          <a:bodyPr anchorCtr="0" anchor="ctr" bIns="91425" lIns="91425" rIns="91425" tIns="91425">
+          <a:bodyPr lIns="91425" tIns="91425" rIns="91425" bIns="91425" anchor="ctr" anchorCtr="0">
             <a:noAutofit/>
           </a:bodyPr>
           <a:lstStyle/>
@@ -4375,6 +4693,7 @@
               <a:rPr lang="en"/>
               <a:t>‹#›</a:t>
             </a:fld>
+            <a:endParaRPr lang="en"/>
           </a:p>
         </p:txBody>
       </p:sp>
@@ -4387,11 +4706,11 @@
 </file>
 
 <file path=ppt/slideLayouts/slideLayout9.xml><?xml version="1.0" encoding="utf-8"?>
-<p:sldLayout xmlns:a="http://schemas.openxmlformats.org/drawingml/2006/main" xmlns:r="http://schemas.openxmlformats.org/officeDocument/2006/relationships" xmlns:mc="http://schemas.openxmlformats.org/markup-compatibility/2006" xmlns:mv="urn:schemas-microsoft-com:mac:vml" xmlns:p="http://schemas.openxmlformats.org/presentationml/2006/main" xmlns:c="http://schemas.openxmlformats.org/drawingml/2006/chart" xmlns:dgm="http://schemas.openxmlformats.org/drawingml/2006/diagram" xmlns:o="urn:schemas-microsoft-com:office:office" xmlns:v="urn:schemas-microsoft-com:vml" xmlns:pvml="urn:schemas-microsoft-com:office:powerpoint" xmlns:com="http://schemas.openxmlformats.org/drawingml/2006/compatibility" xmlns:p14="http://schemas.microsoft.com/office/powerpoint/2010/main">
+<p:sldLayout xmlns:a="http://schemas.openxmlformats.org/drawingml/2006/main" xmlns:r="http://schemas.openxmlformats.org/officeDocument/2006/relationships" xmlns:p="http://schemas.openxmlformats.org/presentationml/2006/main">
   <p:cSld name="Caption">
     <p:spTree>
       <p:nvGrpSpPr>
-        <p:cNvPr id="41" name="Shape 41"/>
+        <p:cNvPr id="1" name="Shape 41"/>
         <p:cNvGrpSpPr/>
         <p:nvPr/>
       </p:nvGrpSpPr>
@@ -4406,9 +4725,11 @@
       <p:sp>
         <p:nvSpPr>
           <p:cNvPr id="42" name="Shape 42"/>
-          <p:cNvSpPr txBox="1"/>
+          <p:cNvSpPr txBox="1">
+            <a:spLocks noGrp="1"/>
+          </p:cNvSpPr>
           <p:nvPr>
-            <p:ph idx="1" type="body"/>
+            <p:ph type="body" idx="1"/>
           </p:nvPr>
         </p:nvSpPr>
         <p:spPr>
@@ -4421,7 +4742,7 @@
           </a:prstGeom>
         </p:spPr>
         <p:txBody>
-          <a:bodyPr anchorCtr="0" anchor="ctr" bIns="91425" lIns="91425" rIns="91425" tIns="91425"/>
+          <a:bodyPr lIns="91425" tIns="91425" rIns="91425" bIns="91425" anchor="ctr" anchorCtr="0"/>
           <a:lstStyle>
             <a:lvl1pPr lvl="0">
               <a:lnSpc>
@@ -4437,15 +4758,19 @@
               <a:defRPr/>
             </a:lvl1pPr>
           </a:lstStyle>
-          <a:p/>
+          <a:p>
+            <a:endParaRPr/>
+          </a:p>
         </p:txBody>
       </p:sp>
       <p:sp>
         <p:nvSpPr>
           <p:cNvPr id="43" name="Shape 43"/>
-          <p:cNvSpPr txBox="1"/>
+          <p:cNvSpPr txBox="1">
+            <a:spLocks noGrp="1"/>
+          </p:cNvSpPr>
           <p:nvPr>
-            <p:ph idx="12" type="sldNum"/>
+            <p:ph type="sldNum" idx="12"/>
           </p:nvPr>
         </p:nvSpPr>
         <p:spPr>
@@ -4458,7 +4783,7 @@
           </a:prstGeom>
         </p:spPr>
         <p:txBody>
-          <a:bodyPr anchorCtr="0" anchor="ctr" bIns="91425" lIns="91425" rIns="91425" tIns="91425">
+          <a:bodyPr lIns="91425" tIns="91425" rIns="91425" bIns="91425" anchor="ctr" anchorCtr="0">
             <a:noAutofit/>
           </a:bodyPr>
           <a:lstStyle/>
@@ -4473,6 +4798,7 @@
               <a:rPr lang="en"/>
               <a:t>‹#›</a:t>
             </a:fld>
+            <a:endParaRPr lang="en"/>
           </a:p>
         </p:txBody>
       </p:sp>
@@ -4485,18 +4811,19 @@
 </file>
 
 <file path=ppt/slideMasters/slideMaster1.xml><?xml version="1.0" encoding="utf-8"?>
-<p:sldMaster xmlns:a="http://schemas.openxmlformats.org/drawingml/2006/main" xmlns:r="http://schemas.openxmlformats.org/officeDocument/2006/relationships" xmlns:mc="http://schemas.openxmlformats.org/markup-compatibility/2006" xmlns:mv="urn:schemas-microsoft-com:mac:vml" xmlns:p="http://schemas.openxmlformats.org/presentationml/2006/main" xmlns:c="http://schemas.openxmlformats.org/drawingml/2006/chart" xmlns:dgm="http://schemas.openxmlformats.org/drawingml/2006/diagram" xmlns:o="urn:schemas-microsoft-com:office:office" xmlns:v="urn:schemas-microsoft-com:vml" xmlns:pvml="urn:schemas-microsoft-com:office:powerpoint" xmlns:com="http://schemas.openxmlformats.org/drawingml/2006/compatibility" xmlns:p14="http://schemas.microsoft.com/office/powerpoint/2010/main">
+<p:sldMaster xmlns:a="http://schemas.openxmlformats.org/drawingml/2006/main" xmlns:r="http://schemas.openxmlformats.org/officeDocument/2006/relationships" xmlns:p="http://schemas.openxmlformats.org/presentationml/2006/main">
   <p:cSld>
     <p:bg>
       <p:bgPr>
         <a:solidFill>
           <a:schemeClr val="lt1"/>
         </a:solidFill>
+        <a:effectLst/>
       </p:bgPr>
     </p:bg>
     <p:spTree>
       <p:nvGrpSpPr>
-        <p:cNvPr id="5" name="Shape 5"/>
+        <p:cNvPr id="1" name="Shape 5"/>
         <p:cNvGrpSpPr/>
         <p:nvPr/>
       </p:nvGrpSpPr>
@@ -4511,7 +4838,9 @@
       <p:sp>
         <p:nvSpPr>
           <p:cNvPr id="6" name="Shape 6"/>
-          <p:cNvSpPr txBox="1"/>
+          <p:cNvSpPr txBox="1">
+            <a:spLocks noGrp="1"/>
+          </p:cNvSpPr>
           <p:nvPr>
             <p:ph type="title"/>
           </p:nvPr>
@@ -4530,7 +4859,7 @@
           </a:ln>
         </p:spPr>
         <p:txBody>
-          <a:bodyPr anchorCtr="0" anchor="t" bIns="91425" lIns="91425" rIns="91425" tIns="91425"/>
+          <a:bodyPr lIns="91425" tIns="91425" rIns="91425" bIns="91425" anchor="t" anchorCtr="0"/>
           <a:lstStyle>
             <a:lvl1pPr lvl="0">
               <a:spcBef>
@@ -4668,15 +4997,19 @@
               </a:defRPr>
             </a:lvl9pPr>
           </a:lstStyle>
-          <a:p/>
+          <a:p>
+            <a:endParaRPr/>
+          </a:p>
         </p:txBody>
       </p:sp>
       <p:sp>
         <p:nvSpPr>
           <p:cNvPr id="7" name="Shape 7"/>
-          <p:cNvSpPr txBox="1"/>
+          <p:cNvSpPr txBox="1">
+            <a:spLocks noGrp="1"/>
+          </p:cNvSpPr>
           <p:nvPr>
-            <p:ph idx="1" type="body"/>
+            <p:ph type="body" idx="1"/>
           </p:nvPr>
         </p:nvSpPr>
         <p:spPr>
@@ -4693,7 +5026,7 @@
           </a:ln>
         </p:spPr>
         <p:txBody>
-          <a:bodyPr anchorCtr="0" anchor="t" bIns="91425" lIns="91425" rIns="91425" tIns="91425"/>
+          <a:bodyPr lIns="91425" tIns="91425" rIns="91425" bIns="91425" anchor="t" anchorCtr="0"/>
           <a:lstStyle>
             <a:lvl1pPr lvl="0">
               <a:lnSpc>
@@ -4868,15 +5201,19 @@
               </a:defRPr>
             </a:lvl9pPr>
           </a:lstStyle>
-          <a:p/>
+          <a:p>
+            <a:endParaRPr/>
+          </a:p>
         </p:txBody>
       </p:sp>
       <p:sp>
         <p:nvSpPr>
           <p:cNvPr id="8" name="Shape 8"/>
-          <p:cNvSpPr txBox="1"/>
+          <p:cNvSpPr txBox="1">
+            <a:spLocks noGrp="1"/>
+          </p:cNvSpPr>
           <p:nvPr>
-            <p:ph idx="12" type="sldNum"/>
+            <p:ph type="sldNum" idx="12"/>
           </p:nvPr>
         </p:nvSpPr>
         <p:spPr>
@@ -4893,7 +5230,7 @@
           </a:ln>
         </p:spPr>
         <p:txBody>
-          <a:bodyPr anchorCtr="0" anchor="ctr" bIns="91425" lIns="91425" rIns="91425" tIns="91425">
+          <a:bodyPr lIns="91425" tIns="91425" rIns="91425" bIns="91425" anchor="ctr" anchorCtr="0">
             <a:noAutofit/>
           </a:bodyPr>
           <a:lstStyle/>
@@ -4912,12 +5249,17 @@
               </a:rPr>
               <a:t>‹#›</a:t>
             </a:fld>
+            <a:endParaRPr lang="en" sz="1000">
+              <a:solidFill>
+                <a:schemeClr val="dk2"/>
+              </a:solidFill>
+            </a:endParaRPr>
           </a:p>
         </p:txBody>
       </p:sp>
     </p:spTree>
   </p:cSld>
-  <p:clrMap accent1="accent1" accent2="accent2" accent3="accent3" accent4="accent4" accent5="accent5" accent6="accent6" bg1="lt1" bg2="dk2" tx1="dk1" tx2="lt2" folHlink="folHlink" hlink="hlink"/>
+  <p:clrMap bg1="lt1" tx1="dk1" bg2="dk2" tx2="lt2" accent1="accent1" accent2="accent2" accent3="accent3" accent4="accent4" accent5="accent5" accent6="accent6" hlink="hlink" folHlink="folHlink"/>
   <p:sldLayoutIdLst>
     <p:sldLayoutId id="2147483648" r:id="rId1"/>
     <p:sldLayoutId id="2147483649" r:id="rId2"/>
@@ -4931,10 +5273,10 @@
     <p:sldLayoutId id="2147483657" r:id="rId10"/>
     <p:sldLayoutId id="2147483658" r:id="rId11"/>
   </p:sldLayoutIdLst>
-  <p:hf dt="0" ftr="0" hdr="0" sldNum="0"/>
+  <p:hf sldNum="0" hdr="0" ftr="0" dt="0"/>
   <p:txStyles>
     <p:titleStyle>
-      <a:defPPr lvl="0" marR="0" rtl="0" algn="l">
+      <a:defPPr marR="0" lvl="0" algn="l" rtl="0">
         <a:lnSpc>
           <a:spcPct val="100000"/>
         </a:lnSpc>
@@ -4945,7 +5287,7 @@
           <a:spcPts val="0"/>
         </a:spcAft>
       </a:defPPr>
-      <a:lvl1pPr lvl="0" marR="0" rtl="0" algn="l">
+      <a:lvl1pPr marR="0" lvl="0" algn="l" rtl="0">
         <a:lnSpc>
           <a:spcPct val="100000"/>
         </a:lnSpc>
@@ -4956,7 +5298,7 @@
           <a:spcPts val="0"/>
         </a:spcAft>
         <a:buNone/>
-        <a:defRPr b="0" i="0" sz="1400" u="none" cap="none" strike="noStrike">
+        <a:defRPr sz="1400" b="0" i="0" u="none" strike="noStrike" cap="none">
           <a:solidFill>
             <a:srgbClr val="000000"/>
           </a:solidFill>
@@ -4968,7 +5310,7 @@
       </a:lvl1pPr>
     </p:titleStyle>
     <p:bodyStyle>
-      <a:defPPr lvl="0" marR="0" rtl="0" algn="l">
+      <a:defPPr marR="0" lvl="0" algn="l" rtl="0">
         <a:lnSpc>
           <a:spcPct val="100000"/>
         </a:lnSpc>
@@ -4979,7 +5321,7 @@
           <a:spcPts val="0"/>
         </a:spcAft>
       </a:defPPr>
-      <a:lvl1pPr lvl="0" marR="0" rtl="0" algn="l">
+      <a:lvl1pPr marR="0" lvl="0" algn="l" rtl="0">
         <a:lnSpc>
           <a:spcPct val="100000"/>
         </a:lnSpc>
@@ -4990,7 +5332,7 @@
           <a:spcPts val="0"/>
         </a:spcAft>
         <a:buNone/>
-        <a:defRPr b="0" i="0" sz="1400" u="none" cap="none" strike="noStrike">
+        <a:defRPr sz="1400" b="0" i="0" u="none" strike="noStrike" cap="none">
           <a:solidFill>
             <a:srgbClr val="000000"/>
           </a:solidFill>
@@ -5000,7 +5342,7 @@
           <a:sym typeface="Arial"/>
         </a:defRPr>
       </a:lvl1pPr>
-      <a:lvl2pPr lvl="1" marR="0" rtl="0" algn="l">
+      <a:lvl2pPr marR="0" lvl="1" algn="l" rtl="0">
         <a:lnSpc>
           <a:spcPct val="100000"/>
         </a:lnSpc>
@@ -5011,7 +5353,7 @@
           <a:spcPts val="0"/>
         </a:spcAft>
         <a:buNone/>
-        <a:defRPr b="0" i="0" sz="1400" u="none" cap="none" strike="noStrike">
+        <a:defRPr sz="1400" b="0" i="0" u="none" strike="noStrike" cap="none">
           <a:solidFill>
             <a:srgbClr val="000000"/>
           </a:solidFill>
@@ -5021,7 +5363,7 @@
           <a:sym typeface="Arial"/>
         </a:defRPr>
       </a:lvl2pPr>
-      <a:lvl3pPr lvl="2" marR="0" rtl="0" algn="l">
+      <a:lvl3pPr marR="0" lvl="2" algn="l" rtl="0">
         <a:lnSpc>
           <a:spcPct val="100000"/>
         </a:lnSpc>
@@ -5032,7 +5374,7 @@
           <a:spcPts val="0"/>
         </a:spcAft>
         <a:buNone/>
-        <a:defRPr b="0" i="0" sz="1400" u="none" cap="none" strike="noStrike">
+        <a:defRPr sz="1400" b="0" i="0" u="none" strike="noStrike" cap="none">
           <a:solidFill>
             <a:srgbClr val="000000"/>
           </a:solidFill>
@@ -5042,7 +5384,7 @@
           <a:sym typeface="Arial"/>
         </a:defRPr>
       </a:lvl3pPr>
-      <a:lvl4pPr lvl="3" marR="0" rtl="0" algn="l">
+      <a:lvl4pPr marR="0" lvl="3" algn="l" rtl="0">
         <a:lnSpc>
           <a:spcPct val="100000"/>
         </a:lnSpc>
@@ -5053,7 +5395,7 @@
           <a:spcPts val="0"/>
         </a:spcAft>
         <a:buNone/>
-        <a:defRPr b="0" i="0" sz="1400" u="none" cap="none" strike="noStrike">
+        <a:defRPr sz="1400" b="0" i="0" u="none" strike="noStrike" cap="none">
           <a:solidFill>
             <a:srgbClr val="000000"/>
           </a:solidFill>
@@ -5063,7 +5405,7 @@
           <a:sym typeface="Arial"/>
         </a:defRPr>
       </a:lvl4pPr>
-      <a:lvl5pPr lvl="4" marR="0" rtl="0" algn="l">
+      <a:lvl5pPr marR="0" lvl="4" algn="l" rtl="0">
         <a:lnSpc>
           <a:spcPct val="100000"/>
         </a:lnSpc>
@@ -5074,7 +5416,7 @@
           <a:spcPts val="0"/>
         </a:spcAft>
         <a:buNone/>
-        <a:defRPr b="0" i="0" sz="1400" u="none" cap="none" strike="noStrike">
+        <a:defRPr sz="1400" b="0" i="0" u="none" strike="noStrike" cap="none">
           <a:solidFill>
             <a:srgbClr val="000000"/>
           </a:solidFill>
@@ -5084,7 +5426,7 @@
           <a:sym typeface="Arial"/>
         </a:defRPr>
       </a:lvl5pPr>
-      <a:lvl6pPr lvl="5" marR="0" rtl="0" algn="l">
+      <a:lvl6pPr marR="0" lvl="5" algn="l" rtl="0">
         <a:lnSpc>
           <a:spcPct val="100000"/>
         </a:lnSpc>
@@ -5095,7 +5437,7 @@
           <a:spcPts val="0"/>
         </a:spcAft>
         <a:buNone/>
-        <a:defRPr b="0" i="0" sz="1400" u="none" cap="none" strike="noStrike">
+        <a:defRPr sz="1400" b="0" i="0" u="none" strike="noStrike" cap="none">
           <a:solidFill>
             <a:srgbClr val="000000"/>
           </a:solidFill>
@@ -5105,7 +5447,7 @@
           <a:sym typeface="Arial"/>
         </a:defRPr>
       </a:lvl6pPr>
-      <a:lvl7pPr lvl="6" marR="0" rtl="0" algn="l">
+      <a:lvl7pPr marR="0" lvl="6" algn="l" rtl="0">
         <a:lnSpc>
           <a:spcPct val="100000"/>
         </a:lnSpc>
@@ -5116,7 +5458,7 @@
           <a:spcPts val="0"/>
         </a:spcAft>
         <a:buNone/>
-        <a:defRPr b="0" i="0" sz="1400" u="none" cap="none" strike="noStrike">
+        <a:defRPr sz="1400" b="0" i="0" u="none" strike="noStrike" cap="none">
           <a:solidFill>
             <a:srgbClr val="000000"/>
           </a:solidFill>
@@ -5126,7 +5468,7 @@
           <a:sym typeface="Arial"/>
         </a:defRPr>
       </a:lvl7pPr>
-      <a:lvl8pPr lvl="7" marR="0" rtl="0" algn="l">
+      <a:lvl8pPr marR="0" lvl="7" algn="l" rtl="0">
         <a:lnSpc>
           <a:spcPct val="100000"/>
         </a:lnSpc>
@@ -5137,7 +5479,7 @@
           <a:spcPts val="0"/>
         </a:spcAft>
         <a:buNone/>
-        <a:defRPr b="0" i="0" sz="1400" u="none" cap="none" strike="noStrike">
+        <a:defRPr sz="1400" b="0" i="0" u="none" strike="noStrike" cap="none">
           <a:solidFill>
             <a:srgbClr val="000000"/>
           </a:solidFill>
@@ -5147,7 +5489,7 @@
           <a:sym typeface="Arial"/>
         </a:defRPr>
       </a:lvl8pPr>
-      <a:lvl9pPr lvl="8" marR="0" rtl="0" algn="l">
+      <a:lvl9pPr marR="0" lvl="8" algn="l" rtl="0">
         <a:lnSpc>
           <a:spcPct val="100000"/>
         </a:lnSpc>
@@ -5158,7 +5500,7 @@
           <a:spcPts val="0"/>
         </a:spcAft>
         <a:buNone/>
-        <a:defRPr b="0" i="0" sz="1400" u="none" cap="none" strike="noStrike">
+        <a:defRPr sz="1400" b="0" i="0" u="none" strike="noStrike" cap="none">
           <a:solidFill>
             <a:srgbClr val="000000"/>
           </a:solidFill>
@@ -5170,7 +5512,7 @@
       </a:lvl9pPr>
     </p:bodyStyle>
     <p:otherStyle>
-      <a:defPPr lvl="0" marR="0" rtl="0" algn="l">
+      <a:defPPr marR="0" lvl="0" algn="l" rtl="0">
         <a:lnSpc>
           <a:spcPct val="100000"/>
         </a:lnSpc>
@@ -5181,7 +5523,7 @@
           <a:spcPts val="0"/>
         </a:spcAft>
       </a:defPPr>
-      <a:lvl1pPr lvl="0" marR="0" rtl="0" algn="l">
+      <a:lvl1pPr marR="0" lvl="0" algn="l" rtl="0">
         <a:lnSpc>
           <a:spcPct val="100000"/>
         </a:lnSpc>
@@ -5192,7 +5534,7 @@
           <a:spcPts val="0"/>
         </a:spcAft>
         <a:buNone/>
-        <a:defRPr b="0" i="0" sz="1400" u="none" cap="none" strike="noStrike">
+        <a:defRPr sz="1400" b="0" i="0" u="none" strike="noStrike" cap="none">
           <a:solidFill>
             <a:srgbClr val="000000"/>
           </a:solidFill>
@@ -5202,7 +5544,7 @@
           <a:sym typeface="Arial"/>
         </a:defRPr>
       </a:lvl1pPr>
-      <a:lvl2pPr lvl="1" marR="0" rtl="0" algn="l">
+      <a:lvl2pPr marR="0" lvl="1" algn="l" rtl="0">
         <a:lnSpc>
           <a:spcPct val="100000"/>
         </a:lnSpc>
@@ -5213,7 +5555,7 @@
           <a:spcPts val="0"/>
         </a:spcAft>
         <a:buNone/>
-        <a:defRPr b="0" i="0" sz="1400" u="none" cap="none" strike="noStrike">
+        <a:defRPr sz="1400" b="0" i="0" u="none" strike="noStrike" cap="none">
           <a:solidFill>
             <a:srgbClr val="000000"/>
           </a:solidFill>
@@ -5223,7 +5565,7 @@
           <a:sym typeface="Arial"/>
         </a:defRPr>
       </a:lvl2pPr>
-      <a:lvl3pPr lvl="2" marR="0" rtl="0" algn="l">
+      <a:lvl3pPr marR="0" lvl="2" algn="l" rtl="0">
         <a:lnSpc>
           <a:spcPct val="100000"/>
         </a:lnSpc>
@@ -5234,7 +5576,7 @@
           <a:spcPts val="0"/>
         </a:spcAft>
         <a:buNone/>
-        <a:defRPr b="0" i="0" sz="1400" u="none" cap="none" strike="noStrike">
+        <a:defRPr sz="1400" b="0" i="0" u="none" strike="noStrike" cap="none">
           <a:solidFill>
             <a:srgbClr val="000000"/>
           </a:solidFill>
@@ -5244,7 +5586,7 @@
           <a:sym typeface="Arial"/>
         </a:defRPr>
       </a:lvl3pPr>
-      <a:lvl4pPr lvl="3" marR="0" rtl="0" algn="l">
+      <a:lvl4pPr marR="0" lvl="3" algn="l" rtl="0">
         <a:lnSpc>
           <a:spcPct val="100000"/>
         </a:lnSpc>
@@ -5255,7 +5597,7 @@
           <a:spcPts val="0"/>
         </a:spcAft>
         <a:buNone/>
-        <a:defRPr b="0" i="0" sz="1400" u="none" cap="none" strike="noStrike">
+        <a:defRPr sz="1400" b="0" i="0" u="none" strike="noStrike" cap="none">
           <a:solidFill>
             <a:srgbClr val="000000"/>
           </a:solidFill>
@@ -5265,7 +5607,7 @@
           <a:sym typeface="Arial"/>
         </a:defRPr>
       </a:lvl4pPr>
-      <a:lvl5pPr lvl="4" marR="0" rtl="0" algn="l">
+      <a:lvl5pPr marR="0" lvl="4" algn="l" rtl="0">
         <a:lnSpc>
           <a:spcPct val="100000"/>
         </a:lnSpc>
@@ -5276,7 +5618,7 @@
           <a:spcPts val="0"/>
         </a:spcAft>
         <a:buNone/>
-        <a:defRPr b="0" i="0" sz="1400" u="none" cap="none" strike="noStrike">
+        <a:defRPr sz="1400" b="0" i="0" u="none" strike="noStrike" cap="none">
           <a:solidFill>
             <a:srgbClr val="000000"/>
           </a:solidFill>
@@ -5286,7 +5628,7 @@
           <a:sym typeface="Arial"/>
         </a:defRPr>
       </a:lvl5pPr>
-      <a:lvl6pPr lvl="5" marR="0" rtl="0" algn="l">
+      <a:lvl6pPr marR="0" lvl="5" algn="l" rtl="0">
         <a:lnSpc>
           <a:spcPct val="100000"/>
         </a:lnSpc>
@@ -5297,7 +5639,7 @@
           <a:spcPts val="0"/>
         </a:spcAft>
         <a:buNone/>
-        <a:defRPr b="0" i="0" sz="1400" u="none" cap="none" strike="noStrike">
+        <a:defRPr sz="1400" b="0" i="0" u="none" strike="noStrike" cap="none">
           <a:solidFill>
             <a:srgbClr val="000000"/>
           </a:solidFill>
@@ -5307,7 +5649,7 @@
           <a:sym typeface="Arial"/>
         </a:defRPr>
       </a:lvl6pPr>
-      <a:lvl7pPr lvl="6" marR="0" rtl="0" algn="l">
+      <a:lvl7pPr marR="0" lvl="6" algn="l" rtl="0">
         <a:lnSpc>
           <a:spcPct val="100000"/>
         </a:lnSpc>
@@ -5318,7 +5660,7 @@
           <a:spcPts val="0"/>
         </a:spcAft>
         <a:buNone/>
-        <a:defRPr b="0" i="0" sz="1400" u="none" cap="none" strike="noStrike">
+        <a:defRPr sz="1400" b="0" i="0" u="none" strike="noStrike" cap="none">
           <a:solidFill>
             <a:srgbClr val="000000"/>
           </a:solidFill>
@@ -5328,7 +5670,7 @@
           <a:sym typeface="Arial"/>
         </a:defRPr>
       </a:lvl7pPr>
-      <a:lvl8pPr lvl="7" marR="0" rtl="0" algn="l">
+      <a:lvl8pPr marR="0" lvl="7" algn="l" rtl="0">
         <a:lnSpc>
           <a:spcPct val="100000"/>
         </a:lnSpc>
@@ -5339,7 +5681,7 @@
           <a:spcPts val="0"/>
         </a:spcAft>
         <a:buNone/>
-        <a:defRPr b="0" i="0" sz="1400" u="none" cap="none" strike="noStrike">
+        <a:defRPr sz="1400" b="0" i="0" u="none" strike="noStrike" cap="none">
           <a:solidFill>
             <a:srgbClr val="000000"/>
           </a:solidFill>
@@ -5349,7 +5691,7 @@
           <a:sym typeface="Arial"/>
         </a:defRPr>
       </a:lvl8pPr>
-      <a:lvl9pPr lvl="8" marR="0" rtl="0" algn="l">
+      <a:lvl9pPr marR="0" lvl="8" algn="l" rtl="0">
         <a:lnSpc>
           <a:spcPct val="100000"/>
         </a:lnSpc>
@@ -5360,7 +5702,7 @@
           <a:spcPts val="0"/>
         </a:spcAft>
         <a:buNone/>
-        <a:defRPr b="0" i="0" sz="1400" u="none" cap="none" strike="noStrike">
+        <a:defRPr sz="1400" b="0" i="0" u="none" strike="noStrike" cap="none">
           <a:solidFill>
             <a:srgbClr val="000000"/>
           </a:solidFill>
@@ -5376,11 +5718,11 @@
 </file>
 
 <file path=ppt/slides/slide1.xml><?xml version="1.0" encoding="utf-8"?>
-<p:sld xmlns:a="http://schemas.openxmlformats.org/drawingml/2006/main" xmlns:r="http://schemas.openxmlformats.org/officeDocument/2006/relationships" xmlns:mc="http://schemas.openxmlformats.org/markup-compatibility/2006" xmlns:mv="urn:schemas-microsoft-com:mac:vml" xmlns:p="http://schemas.openxmlformats.org/presentationml/2006/main" xmlns:c="http://schemas.openxmlformats.org/drawingml/2006/chart" xmlns:dgm="http://schemas.openxmlformats.org/drawingml/2006/diagram" xmlns:o="urn:schemas-microsoft-com:office:office" xmlns:v="urn:schemas-microsoft-com:vml" xmlns:pvml="urn:schemas-microsoft-com:office:powerpoint" xmlns:com="http://schemas.openxmlformats.org/drawingml/2006/compatibility" xmlns:p14="http://schemas.microsoft.com/office/powerpoint/2010/main">
+<p:sld xmlns:a="http://schemas.openxmlformats.org/drawingml/2006/main" xmlns:r="http://schemas.openxmlformats.org/officeDocument/2006/relationships" xmlns:p="http://schemas.openxmlformats.org/presentationml/2006/main">
   <p:cSld>
     <p:spTree>
       <p:nvGrpSpPr>
-        <p:cNvPr id="53" name="Shape 53"/>
+        <p:cNvPr id="1" name="Shape 53"/>
         <p:cNvGrpSpPr/>
         <p:nvPr/>
       </p:nvGrpSpPr>
@@ -5394,7 +5736,7 @@
       </p:grpSpPr>
       <p:pic>
         <p:nvPicPr>
-          <p:cNvPr descr="baby_2464393b.jpg" id="54" name="Shape 54"/>
+          <p:cNvPr id="54" name="Shape 54" descr="baby_2464393b.jpg"/>
           <p:cNvPicPr preferRelativeResize="0"/>
           <p:nvPr/>
         </p:nvPicPr>
@@ -5423,7 +5765,9 @@
       <p:sp>
         <p:nvSpPr>
           <p:cNvPr id="55" name="Shape 55"/>
-          <p:cNvSpPr txBox="1"/>
+          <p:cNvSpPr txBox="1">
+            <a:spLocks noGrp="1"/>
+          </p:cNvSpPr>
           <p:nvPr>
             <p:ph type="ctrTitle"/>
           </p:nvPr>
@@ -5438,7 +5782,7 @@
           </a:prstGeom>
         </p:spPr>
         <p:txBody>
-          <a:bodyPr anchorCtr="0" anchor="b" bIns="91425" lIns="91425" rIns="91425" tIns="91425">
+          <a:bodyPr lIns="91425" tIns="91425" rIns="91425" bIns="91425" anchor="b" anchorCtr="0">
             <a:noAutofit/>
           </a:bodyPr>
           <a:lstStyle/>
@@ -5459,9 +5803,11 @@
       <p:sp>
         <p:nvSpPr>
           <p:cNvPr id="56" name="Shape 56"/>
-          <p:cNvSpPr txBox="1"/>
+          <p:cNvSpPr txBox="1">
+            <a:spLocks noGrp="1"/>
+          </p:cNvSpPr>
           <p:nvPr>
-            <p:ph idx="1" type="subTitle"/>
+            <p:ph type="subTitle" idx="1"/>
           </p:nvPr>
         </p:nvSpPr>
         <p:spPr>
@@ -5474,7 +5820,7 @@
           </a:prstGeom>
         </p:spPr>
         <p:txBody>
-          <a:bodyPr anchorCtr="0" anchor="t" bIns="91425" lIns="91425" rIns="91425" tIns="91425">
+          <a:bodyPr lIns="91425" tIns="91425" rIns="91425" bIns="91425" anchor="t" anchorCtr="0">
             <a:noAutofit/>
           </a:bodyPr>
           <a:lstStyle/>
@@ -5512,7 +5858,7 @@
           </a:ln>
         </p:spPr>
         <p:txBody>
-          <a:bodyPr anchorCtr="0" anchor="t" bIns="91425" lIns="91425" rIns="91425" tIns="91425">
+          <a:bodyPr lIns="91425" tIns="91425" rIns="91425" bIns="91425" anchor="t" anchorCtr="0">
             <a:noAutofit/>
           </a:bodyPr>
           <a:lstStyle/>
@@ -5524,7 +5870,7 @@
               <a:buNone/>
             </a:pPr>
             <a:r>
-              <a:rPr i="1" lang="en" sz="700"/>
+              <a:rPr lang="en" sz="700" i="1"/>
               <a:t>Figure 1:</a:t>
             </a:r>
             <a:r>
@@ -5532,7 +5878,7 @@
               <a:t> [Baby face] Getty Images. Retrived from </a:t>
             </a:r>
             <a:r>
-              <a:rPr i="1" lang="en" sz="700" u="sng">
+              <a:rPr lang="en" sz="700" i="1" u="sng">
                 <a:solidFill>
                   <a:schemeClr val="hlink"/>
                 </a:solidFill>
@@ -5545,7 +5891,7 @@
       </p:sp>
       <p:pic>
         <p:nvPicPr>
-          <p:cNvPr descr="narcissism.jpg" id="58" name="Shape 58"/>
+          <p:cNvPr id="58" name="Shape 58" descr="narcissism.jpg"/>
           <p:cNvPicPr preferRelativeResize="0"/>
           <p:nvPr/>
         </p:nvPicPr>
@@ -5578,7 +5924,7 @@
           <p:nvPr/>
         </p:nvCxnSpPr>
         <p:spPr>
-          <a:xfrm flipH="1" rot="10800000">
+          <a:xfrm rot="10800000" flipH="1">
             <a:off x="3622550" y="3168500"/>
             <a:ext cx="2102700" cy="9900"/>
           </a:xfrm>
@@ -5586,14 +5932,14 @@
             <a:avLst/>
           </a:prstGeom>
           <a:noFill/>
-          <a:ln cap="flat" cmpd="sng" w="9525">
+          <a:ln w="9525" cap="flat" cmpd="sng">
             <a:solidFill>
               <a:schemeClr val="dk2"/>
             </a:solidFill>
             <a:prstDash val="solid"/>
             <a:round/>
-            <a:headEnd len="lg" w="lg" type="none"/>
-            <a:tailEnd len="lg" w="lg" type="triangle"/>
+            <a:headEnd type="none" w="lg" len="lg"/>
+            <a:tailEnd type="triangle" w="lg" len="lg"/>
           </a:ln>
         </p:spPr>
       </p:cxnSp>
@@ -5617,7 +5963,7 @@
           </a:ln>
         </p:spPr>
         <p:txBody>
-          <a:bodyPr anchorCtr="0" anchor="t" bIns="91425" lIns="91425" rIns="91425" tIns="91425">
+          <a:bodyPr lIns="91425" tIns="91425" rIns="91425" bIns="91425" anchor="t" anchorCtr="0">
             <a:noAutofit/>
           </a:bodyPr>
           <a:lstStyle/>
@@ -5655,7 +6001,7 @@
           </a:ln>
         </p:spPr>
         <p:txBody>
-          <a:bodyPr anchorCtr="0" anchor="t" bIns="91425" lIns="91425" rIns="91425" tIns="91425">
+          <a:bodyPr lIns="91425" tIns="91425" rIns="91425" bIns="91425" anchor="t" anchorCtr="0">
             <a:noAutofit/>
           </a:bodyPr>
           <a:lstStyle/>
@@ -5667,7 +6013,7 @@
               <a:buNone/>
             </a:pPr>
             <a:r>
-              <a:rPr i="1" lang="en" sz="700"/>
+              <a:rPr lang="en" sz="700" i="1"/>
               <a:t>Figure 2:</a:t>
             </a:r>
             <a:r>
@@ -5675,7 +6021,7 @@
               <a:t> Retrived from </a:t>
             </a:r>
             <a:r>
-              <a:rPr i="1" lang="en" sz="700" u="sng">
+              <a:rPr lang="en" sz="700" i="1" u="sng">
                 <a:solidFill>
                   <a:schemeClr val="hlink"/>
                 </a:solidFill>
@@ -5695,11 +6041,11 @@
 </file>
 
 <file path=ppt/slides/slide10.xml><?xml version="1.0" encoding="utf-8"?>
-<p:sld xmlns:a="http://schemas.openxmlformats.org/drawingml/2006/main" xmlns:r="http://schemas.openxmlformats.org/officeDocument/2006/relationships" xmlns:mc="http://schemas.openxmlformats.org/markup-compatibility/2006" xmlns:mv="urn:schemas-microsoft-com:mac:vml" xmlns:p="http://schemas.openxmlformats.org/presentationml/2006/main" xmlns:c="http://schemas.openxmlformats.org/drawingml/2006/chart" xmlns:dgm="http://schemas.openxmlformats.org/drawingml/2006/diagram" xmlns:o="urn:schemas-microsoft-com:office:office" xmlns:v="urn:schemas-microsoft-com:vml" xmlns:pvml="urn:schemas-microsoft-com:office:powerpoint" xmlns:com="http://schemas.openxmlformats.org/drawingml/2006/compatibility" xmlns:p14="http://schemas.microsoft.com/office/powerpoint/2010/main">
+<p:sld xmlns:a="http://schemas.openxmlformats.org/drawingml/2006/main" xmlns:r="http://schemas.openxmlformats.org/officeDocument/2006/relationships" xmlns:p="http://schemas.openxmlformats.org/presentationml/2006/main">
   <p:cSld>
     <p:spTree>
       <p:nvGrpSpPr>
-        <p:cNvPr id="110" name="Shape 110"/>
+        <p:cNvPr id="1" name="Shape 110"/>
         <p:cNvGrpSpPr/>
         <p:nvPr/>
       </p:nvGrpSpPr>
@@ -5713,7 +6059,7 @@
       </p:grpSpPr>
       <p:pic>
         <p:nvPicPr>
-          <p:cNvPr descr="population_per_name.png" id="111" name="Shape 111"/>
+          <p:cNvPr id="111" name="Shape 111" descr="population_per_name.png"/>
           <p:cNvPicPr preferRelativeResize="0"/>
           <p:nvPr/>
         </p:nvPicPr>
@@ -5754,18 +6100,18 @@
             <a:avLst/>
           </a:prstGeom>
           <a:noFill/>
-          <a:ln cap="flat" cmpd="sng" w="19050">
+          <a:ln w="19050" cap="flat" cmpd="sng">
             <a:solidFill>
               <a:srgbClr val="FF0000"/>
             </a:solidFill>
             <a:prstDash val="solid"/>
             <a:round/>
-            <a:headEnd len="med" w="med" type="none"/>
-            <a:tailEnd len="med" w="med" type="none"/>
+            <a:headEnd type="none" w="med" len="med"/>
+            <a:tailEnd type="none" w="med" len="med"/>
           </a:ln>
         </p:spPr>
         <p:txBody>
-          <a:bodyPr anchorCtr="0" anchor="ctr" bIns="91425" lIns="91425" rIns="91425" tIns="91425">
+          <a:bodyPr lIns="91425" tIns="91425" rIns="91425" bIns="91425" anchor="ctr" anchorCtr="0">
             <a:noAutofit/>
           </a:bodyPr>
           <a:lstStyle/>
@@ -5776,9 +6122,6 @@
               </a:spcBef>
               <a:buNone/>
             </a:pPr>
-            <a:r>
-              <a:t/>
-            </a:r>
             <a:endParaRPr/>
           </a:p>
         </p:txBody>
@@ -5798,18 +6141,18 @@
             <a:avLst/>
           </a:prstGeom>
           <a:noFill/>
-          <a:ln cap="flat" cmpd="sng" w="19050">
+          <a:ln w="19050" cap="flat" cmpd="sng">
             <a:solidFill>
               <a:srgbClr val="FF0000"/>
             </a:solidFill>
             <a:prstDash val="solid"/>
             <a:round/>
-            <a:headEnd len="med" w="med" type="none"/>
-            <a:tailEnd len="med" w="med" type="none"/>
+            <a:headEnd type="none" w="med" len="med"/>
+            <a:tailEnd type="none" w="med" len="med"/>
           </a:ln>
         </p:spPr>
         <p:txBody>
-          <a:bodyPr anchorCtr="0" anchor="ctr" bIns="91425" lIns="91425" rIns="91425" tIns="91425">
+          <a:bodyPr lIns="91425" tIns="91425" rIns="91425" bIns="91425" anchor="ctr" anchorCtr="0">
             <a:noAutofit/>
           </a:bodyPr>
           <a:lstStyle/>
@@ -5820,9 +6163,6 @@
               </a:spcBef>
               <a:buNone/>
             </a:pPr>
-            <a:r>
-              <a:t/>
-            </a:r>
             <a:endParaRPr/>
           </a:p>
         </p:txBody>
@@ -5842,14 +6182,14 @@
             <a:avLst/>
           </a:prstGeom>
           <a:noFill/>
-          <a:ln cap="flat" cmpd="sng" w="9525">
+          <a:ln w="9525" cap="flat" cmpd="sng">
             <a:solidFill>
               <a:srgbClr val="FF0000"/>
             </a:solidFill>
             <a:prstDash val="solid"/>
             <a:round/>
-            <a:headEnd len="lg" w="lg" type="none"/>
-            <a:tailEnd len="lg" w="lg" type="none"/>
+            <a:headEnd type="none" w="lg" len="lg"/>
+            <a:tailEnd type="none" w="lg" len="lg"/>
           </a:ln>
         </p:spPr>
       </p:cxnSp>
@@ -5870,14 +6210,14 @@
             <a:avLst/>
           </a:prstGeom>
           <a:noFill/>
-          <a:ln cap="flat" cmpd="sng" w="9525">
+          <a:ln w="9525" cap="flat" cmpd="sng">
             <a:solidFill>
               <a:srgbClr val="FF0000"/>
             </a:solidFill>
             <a:prstDash val="solid"/>
             <a:round/>
-            <a:headEnd len="lg" w="lg" type="none"/>
-            <a:tailEnd len="lg" w="lg" type="none"/>
+            <a:headEnd type="none" w="lg" len="lg"/>
+            <a:tailEnd type="none" w="lg" len="lg"/>
           </a:ln>
         </p:spPr>
       </p:cxnSp>
@@ -5890,7 +6230,7 @@
           <p:nvPr/>
         </p:nvCxnSpPr>
         <p:spPr>
-          <a:xfrm flipH="1" rot="10800000">
+          <a:xfrm rot="10800000" flipH="1">
             <a:off x="8033925" y="1310700"/>
             <a:ext cx="4800" cy="457200"/>
           </a:xfrm>
@@ -5898,14 +6238,14 @@
             <a:avLst/>
           </a:prstGeom>
           <a:noFill/>
-          <a:ln cap="flat" cmpd="sng" w="9525">
+          <a:ln w="9525" cap="flat" cmpd="sng">
             <a:solidFill>
               <a:srgbClr val="FF0000"/>
             </a:solidFill>
             <a:prstDash val="solid"/>
             <a:round/>
-            <a:headEnd len="lg" w="lg" type="none"/>
-            <a:tailEnd len="lg" w="lg" type="triangle"/>
+            <a:headEnd type="none" w="lg" len="lg"/>
+            <a:tailEnd type="triangle" w="lg" len="lg"/>
           </a:ln>
         </p:spPr>
       </p:cxnSp>
@@ -5926,14 +6266,14 @@
             <a:avLst/>
           </a:prstGeom>
           <a:noFill/>
-          <a:ln cap="flat" cmpd="sng" w="9525">
+          <a:ln w="9525" cap="flat" cmpd="sng">
             <a:solidFill>
               <a:srgbClr val="FF0000"/>
             </a:solidFill>
             <a:prstDash val="solid"/>
             <a:round/>
-            <a:headEnd len="lg" w="lg" type="none"/>
-            <a:tailEnd len="lg" w="lg" type="stealth"/>
+            <a:headEnd type="none" w="lg" len="lg"/>
+            <a:tailEnd type="stealth" w="lg" len="lg"/>
           </a:ln>
         </p:spPr>
       </p:cxnSp>
@@ -5957,7 +6297,7 @@
           </a:ln>
         </p:spPr>
         <p:txBody>
-          <a:bodyPr anchorCtr="0" anchor="t" bIns="91425" lIns="91425" rIns="91425" tIns="91425">
+          <a:bodyPr lIns="91425" tIns="91425" rIns="91425" bIns="91425" anchor="t" anchorCtr="0">
             <a:noAutofit/>
           </a:bodyPr>
           <a:lstStyle/>
@@ -5987,13 +6327,13 @@
   <p:timing>
     <p:tnLst>
       <p:par>
-        <p:cTn dur="indefinite" nodeType="tmRoot" restart="never">
+        <p:cTn xmlns:p14="http://schemas.microsoft.com/office/powerpoint/2010/main" id="1" dur="indefinite" restart="never" nodeType="tmRoot">
           <p:childTnLst>
             <p:seq concurrent="1" nextAc="seek">
-              <p:cTn dur="indefinite" id="2" nodeType="mainSeq">
+              <p:cTn id="2" dur="indefinite" nodeType="mainSeq">
                 <p:childTnLst>
                   <p:par>
-                    <p:cTn fill="hold">
+                    <p:cTn id="3" fill="hold">
                       <p:stCondLst>
                         <p:cond delay="indefinite"/>
                         <p:cond evt="onBegin" delay="0">
@@ -6002,20 +6342,20 @@
                       </p:stCondLst>
                       <p:childTnLst>
                         <p:par>
-                          <p:cTn fill="hold">
+                          <p:cTn id="4" fill="hold">
                             <p:stCondLst>
                               <p:cond delay="0"/>
                             </p:stCondLst>
                             <p:childTnLst>
                               <p:par>
-                                <p:cTn fill="hold" nodeType="withEffect" presetClass="entr" presetID="10" presetSubtype="0">
+                                <p:cTn id="5" presetID="10" presetClass="entr" presetSubtype="0" fill="hold" nodeType="withEffect">
                                   <p:stCondLst>
                                     <p:cond delay="0"/>
                                   </p:stCondLst>
                                   <p:childTnLst>
                                     <p:set>
                                       <p:cBhvr>
-                                        <p:cTn dur="1" fill="hold">
+                                        <p:cTn id="6" dur="1" fill="hold">
                                           <p:stCondLst>
                                             <p:cond delay="0"/>
                                           </p:stCondLst>
@@ -6031,9 +6371,9 @@
                                         <p:strVal val="visible"/>
                                       </p:to>
                                     </p:set>
-                                    <p:animEffect filter="fade" transition="in">
+                                    <p:animEffect transition="in" filter="fade">
                                       <p:cBhvr>
-                                        <p:cTn dur="1000"/>
+                                        <p:cTn id="7" dur="1000"/>
                                         <p:tgtEl>
                                           <p:spTgt spid="112"/>
                                         </p:tgtEl>
@@ -6043,14 +6383,14 @@
                                 </p:cTn>
                               </p:par>
                               <p:par>
-                                <p:cTn fill="hold" nodeType="withEffect" presetClass="entr" presetID="10" presetSubtype="0">
+                                <p:cTn id="8" presetID="10" presetClass="entr" presetSubtype="0" fill="hold" nodeType="withEffect">
                                   <p:stCondLst>
                                     <p:cond delay="0"/>
                                   </p:stCondLst>
                                   <p:childTnLst>
                                     <p:set>
                                       <p:cBhvr>
-                                        <p:cTn dur="1" fill="hold">
+                                        <p:cTn id="9" dur="1" fill="hold">
                                           <p:stCondLst>
                                             <p:cond delay="0"/>
                                           </p:stCondLst>
@@ -6066,9 +6406,9 @@
                                         <p:strVal val="visible"/>
                                       </p:to>
                                     </p:set>
-                                    <p:animEffect filter="fade" transition="in">
+                                    <p:animEffect transition="in" filter="fade">
                                       <p:cBhvr>
-                                        <p:cTn dur="1000"/>
+                                        <p:cTn id="10" dur="1000"/>
                                         <p:tgtEl>
                                           <p:spTgt spid="113"/>
                                         </p:tgtEl>
@@ -6078,14 +6418,14 @@
                                 </p:cTn>
                               </p:par>
                               <p:par>
-                                <p:cTn fill="hold" nodeType="withEffect" presetClass="entr" presetID="10" presetSubtype="0">
+                                <p:cTn id="11" presetID="10" presetClass="entr" presetSubtype="0" fill="hold" nodeType="withEffect">
                                   <p:stCondLst>
                                     <p:cond delay="0"/>
                                   </p:stCondLst>
                                   <p:childTnLst>
                                     <p:set>
                                       <p:cBhvr>
-                                        <p:cTn dur="1" fill="hold">
+                                        <p:cTn id="12" dur="1" fill="hold">
                                           <p:stCondLst>
                                             <p:cond delay="0"/>
                                           </p:stCondLst>
@@ -6101,9 +6441,9 @@
                                         <p:strVal val="visible"/>
                                       </p:to>
                                     </p:set>
-                                    <p:animEffect filter="fade" transition="in">
+                                    <p:animEffect transition="in" filter="fade">
                                       <p:cBhvr>
-                                        <p:cTn dur="1000"/>
+                                        <p:cTn id="13" dur="1000"/>
                                         <p:tgtEl>
                                           <p:spTgt spid="114"/>
                                         </p:tgtEl>
@@ -6113,14 +6453,14 @@
                                 </p:cTn>
                               </p:par>
                               <p:par>
-                                <p:cTn fill="hold" nodeType="withEffect" presetClass="entr" presetID="10" presetSubtype="0">
+                                <p:cTn id="14" presetID="10" presetClass="entr" presetSubtype="0" fill="hold" nodeType="withEffect">
                                   <p:stCondLst>
                                     <p:cond delay="0"/>
                                   </p:stCondLst>
                                   <p:childTnLst>
                                     <p:set>
                                       <p:cBhvr>
-                                        <p:cTn dur="1" fill="hold">
+                                        <p:cTn id="15" dur="1" fill="hold">
                                           <p:stCondLst>
                                             <p:cond delay="0"/>
                                           </p:stCondLst>
@@ -6136,9 +6476,9 @@
                                         <p:strVal val="visible"/>
                                       </p:to>
                                     </p:set>
-                                    <p:animEffect filter="fade" transition="in">
+                                    <p:animEffect transition="in" filter="fade">
                                       <p:cBhvr>
-                                        <p:cTn dur="1000"/>
+                                        <p:cTn id="16" dur="1000"/>
                                         <p:tgtEl>
                                           <p:spTgt spid="115"/>
                                         </p:tgtEl>
@@ -6148,14 +6488,14 @@
                                 </p:cTn>
                               </p:par>
                               <p:par>
-                                <p:cTn fill="hold" nodeType="withEffect" presetClass="entr" presetID="10" presetSubtype="0">
+                                <p:cTn id="17" presetID="10" presetClass="entr" presetSubtype="0" fill="hold" nodeType="withEffect">
                                   <p:stCondLst>
                                     <p:cond delay="0"/>
                                   </p:stCondLst>
                                   <p:childTnLst>
                                     <p:set>
                                       <p:cBhvr>
-                                        <p:cTn dur="1" fill="hold">
+                                        <p:cTn id="18" dur="1" fill="hold">
                                           <p:stCondLst>
                                             <p:cond delay="0"/>
                                           </p:stCondLst>
@@ -6171,9 +6511,9 @@
                                         <p:strVal val="visible"/>
                                       </p:to>
                                     </p:set>
-                                    <p:animEffect filter="fade" transition="in">
+                                    <p:animEffect transition="in" filter="fade">
                                       <p:cBhvr>
-                                        <p:cTn dur="1000"/>
+                                        <p:cTn id="19" dur="1000"/>
                                         <p:tgtEl>
                                           <p:spTgt spid="116"/>
                                         </p:tgtEl>
@@ -6183,14 +6523,14 @@
                                 </p:cTn>
                               </p:par>
                               <p:par>
-                                <p:cTn fill="hold" nodeType="withEffect" presetClass="entr" presetID="10" presetSubtype="0">
+                                <p:cTn id="20" presetID="10" presetClass="entr" presetSubtype="0" fill="hold" nodeType="withEffect">
                                   <p:stCondLst>
                                     <p:cond delay="0"/>
                                   </p:stCondLst>
                                   <p:childTnLst>
                                     <p:set>
                                       <p:cBhvr>
-                                        <p:cTn dur="1" fill="hold">
+                                        <p:cTn id="21" dur="1" fill="hold">
                                           <p:stCondLst>
                                             <p:cond delay="0"/>
                                           </p:stCondLst>
@@ -6206,9 +6546,9 @@
                                         <p:strVal val="visible"/>
                                       </p:to>
                                     </p:set>
-                                    <p:animEffect filter="fade" transition="in">
+                                    <p:animEffect transition="in" filter="fade">
                                       <p:cBhvr>
-                                        <p:cTn dur="1000"/>
+                                        <p:cTn id="22" dur="1000"/>
                                         <p:tgtEl>
                                           <p:spTgt spid="118"/>
                                         </p:tgtEl>
@@ -6218,14 +6558,14 @@
                                 </p:cTn>
                               </p:par>
                               <p:par>
-                                <p:cTn fill="hold" nodeType="withEffect" presetClass="entr" presetID="10" presetSubtype="0">
+                                <p:cTn id="23" presetID="10" presetClass="entr" presetSubtype="0" fill="hold" nodeType="withEffect">
                                   <p:stCondLst>
                                     <p:cond delay="0"/>
                                   </p:stCondLst>
                                   <p:childTnLst>
                                     <p:set>
                                       <p:cBhvr>
-                                        <p:cTn dur="1" fill="hold">
+                                        <p:cTn id="24" dur="1" fill="hold">
                                           <p:stCondLst>
                                             <p:cond delay="0"/>
                                           </p:stCondLst>
@@ -6241,9 +6581,9 @@
                                         <p:strVal val="visible"/>
                                       </p:to>
                                     </p:set>
-                                    <p:animEffect filter="fade" transition="in">
+                                    <p:animEffect transition="in" filter="fade">
                                       <p:cBhvr>
-                                        <p:cTn dur="1000"/>
+                                        <p:cTn id="25" dur="1000"/>
                                         <p:tgtEl>
                                           <p:spTgt spid="117"/>
                                         </p:tgtEl>
@@ -6261,14 +6601,14 @@
                 </p:childTnLst>
               </p:cTn>
               <p:prevCondLst>
-                <p:cond evt="onPrev">
+                <p:cond evt="onPrev" delay="0">
                   <p:tgtEl>
                     <p:sldTgt/>
                   </p:tgtEl>
                 </p:cond>
               </p:prevCondLst>
               <p:nextCondLst>
-                <p:cond evt="onNext">
+                <p:cond evt="onNext" delay="0">
                   <p:tgtEl>
                     <p:sldTgt/>
                   </p:tgtEl>
@@ -6284,11 +6624,11 @@
 </file>
 
 <file path=ppt/slides/slide11.xml><?xml version="1.0" encoding="utf-8"?>
-<p:sld xmlns:a="http://schemas.openxmlformats.org/drawingml/2006/main" xmlns:r="http://schemas.openxmlformats.org/officeDocument/2006/relationships" xmlns:mc="http://schemas.openxmlformats.org/markup-compatibility/2006" xmlns:mv="urn:schemas-microsoft-com:mac:vml" xmlns:p="http://schemas.openxmlformats.org/presentationml/2006/main" xmlns:c="http://schemas.openxmlformats.org/drawingml/2006/chart" xmlns:dgm="http://schemas.openxmlformats.org/drawingml/2006/diagram" xmlns:o="urn:schemas-microsoft-com:office:office" xmlns:v="urn:schemas-microsoft-com:vml" xmlns:pvml="urn:schemas-microsoft-com:office:powerpoint" xmlns:com="http://schemas.openxmlformats.org/drawingml/2006/compatibility" xmlns:p14="http://schemas.microsoft.com/office/powerpoint/2010/main">
+<p:sld xmlns:a="http://schemas.openxmlformats.org/drawingml/2006/main" xmlns:r="http://schemas.openxmlformats.org/officeDocument/2006/relationships" xmlns:p="http://schemas.openxmlformats.org/presentationml/2006/main">
   <p:cSld>
     <p:spTree>
       <p:nvGrpSpPr>
-        <p:cNvPr id="122" name="Shape 122"/>
+        <p:cNvPr id="1" name="Shape 122"/>
         <p:cNvGrpSpPr/>
         <p:nvPr/>
       </p:nvGrpSpPr>
@@ -6302,7 +6642,7 @@
       </p:grpSpPr>
       <p:pic>
         <p:nvPicPr>
-          <p:cNvPr descr="infrequent_name.png" id="123" name="Shape 123"/>
+          <p:cNvPr id="123" name="Shape 123" descr="infrequent_name.png"/>
           <p:cNvPicPr preferRelativeResize="0"/>
           <p:nvPr/>
         </p:nvPicPr>
@@ -6333,15 +6673,22 @@
   <p:clrMapOvr>
     <a:masterClrMapping/>
   </p:clrMapOvr>
+  <p:timing>
+    <p:tnLst>
+      <p:par>
+        <p:cTn xmlns:p14="http://schemas.microsoft.com/office/powerpoint/2010/main" id="1" dur="indefinite" restart="never" nodeType="tmRoot"/>
+      </p:par>
+    </p:tnLst>
+  </p:timing>
 </p:sld>
 </file>
 
 <file path=ppt/slides/slide12.xml><?xml version="1.0" encoding="utf-8"?>
-<p:sld xmlns:a="http://schemas.openxmlformats.org/drawingml/2006/main" xmlns:r="http://schemas.openxmlformats.org/officeDocument/2006/relationships" xmlns:mc="http://schemas.openxmlformats.org/markup-compatibility/2006" xmlns:mv="urn:schemas-microsoft-com:mac:vml" xmlns:p="http://schemas.openxmlformats.org/presentationml/2006/main" xmlns:c="http://schemas.openxmlformats.org/drawingml/2006/chart" xmlns:dgm="http://schemas.openxmlformats.org/drawingml/2006/diagram" xmlns:o="urn:schemas-microsoft-com:office:office" xmlns:v="urn:schemas-microsoft-com:vml" xmlns:pvml="urn:schemas-microsoft-com:office:powerpoint" xmlns:com="http://schemas.openxmlformats.org/drawingml/2006/compatibility" xmlns:p14="http://schemas.microsoft.com/office/powerpoint/2010/main">
+<p:sld xmlns:a="http://schemas.openxmlformats.org/drawingml/2006/main" xmlns:r="http://schemas.openxmlformats.org/officeDocument/2006/relationships" xmlns:p="http://schemas.openxmlformats.org/presentationml/2006/main">
   <p:cSld>
     <p:spTree>
       <p:nvGrpSpPr>
-        <p:cNvPr id="127" name="Shape 127"/>
+        <p:cNvPr id="1" name="Shape 127"/>
         <p:cNvGrpSpPr/>
         <p:nvPr/>
       </p:nvGrpSpPr>
@@ -6361,7 +6708,7 @@
         </p:nvGraphicFramePr>
         <p:xfrm>
           <a:off x="952500" y="866450"/>
-          <a:ext cx="3000000" cy="3000000"/>
+          <a:ext cx="7239000" cy="3730639"/>
         </p:xfrm>
         <a:graphic>
           <a:graphicData uri="http://schemas.openxmlformats.org/drawingml/2006/table">
@@ -6377,20 +6724,15 @@
               <a:tr h="705650">
                 <a:tc gridSpan="2">
                   <a:txBody>
-                    <a:bodyPr>
-                      <a:noAutofit/>
-                    </a:bodyPr>
+                    <a:bodyPr/>
                     <a:lstStyle/>
                     <a:p>
-                      <a:pPr lvl="0" rtl="0" algn="ctr">
+                      <a:pPr lvl="0" algn="ctr" rtl="0">
                         <a:spcBef>
                           <a:spcPts val="0"/>
                         </a:spcBef>
                         <a:buNone/>
                       </a:pPr>
-                      <a:r>
-                        <a:t/>
-                      </a:r>
                       <a:endParaRPr/>
                     </a:p>
                     <a:p>
@@ -6402,24 +6744,27 @@
                       </a:pPr>
                       <a:r>
                         <a:rPr lang="en" sz="1800"/>
-                        <a:t>Examples of Rare</a:t>
-                      </a:r>
-                      <a:r>
-                        <a:rPr lang="en" sz="1800"/>
-                        <a:t> Names</a:t>
+                        <a:t>Examples of Rare Names</a:t>
                       </a:r>
                     </a:p>
                   </a:txBody>
-                  <a:tcPr marT="91425" marB="91425" marR="91425" marL="91425"/>
+                  <a:tcPr marL="91425" marR="91425" marT="91425" marB="91425"/>
                 </a:tc>
-                <a:tc hMerge="1"/>
+                <a:tc hMerge="1">
+                  <a:txBody>
+                    <a:bodyPr/>
+                    <a:lstStyle/>
+                    <a:p>
+                      <a:endParaRPr lang="en-US"/>
+                    </a:p>
+                  </a:txBody>
+                  <a:tcPr/>
+                </a:tc>
               </a:tr>
               <a:tr h="601950">
                 <a:tc>
                   <a:txBody>
-                    <a:bodyPr>
-                      <a:noAutofit/>
-                    </a:bodyPr>
+                    <a:bodyPr/>
                     <a:lstStyle/>
                     <a:p>
                       <a:pPr lvl="0" algn="ctr">
@@ -6445,22 +6790,17 @@
                         </a:spcBef>
                         <a:buNone/>
                       </a:pPr>
-                      <a:r>
-                        <a:t/>
-                      </a:r>
                       <a:endParaRPr/>
                     </a:p>
                   </a:txBody>
-                  <a:tcPr marT="91425" marB="91425" marR="91425" marL="91425"/>
+                  <a:tcPr marL="91425" marR="91425" marT="91425" marB="91425"/>
                 </a:tc>
                 <a:tc>
                   <a:txBody>
-                    <a:bodyPr>
-                      <a:noAutofit/>
-                    </a:bodyPr>
+                    <a:bodyPr/>
                     <a:lstStyle/>
                     <a:p>
-                      <a:pPr lvl="0" rtl="0" algn="ctr">
+                      <a:pPr lvl="0" algn="ctr" rtl="0">
                         <a:spcBef>
                           <a:spcPts val="0"/>
                         </a:spcBef>
@@ -6481,18 +6821,16 @@
                       </a:r>
                     </a:p>
                   </a:txBody>
-                  <a:tcPr marT="91425" marB="91425" marR="91425" marL="91425"/>
+                  <a:tcPr marL="91425" marR="91425" marT="91425" marB="91425"/>
                 </a:tc>
               </a:tr>
               <a:tr h="601950">
                 <a:tc>
                   <a:txBody>
-                    <a:bodyPr>
-                      <a:noAutofit/>
-                    </a:bodyPr>
+                    <a:bodyPr/>
                     <a:lstStyle/>
                     <a:p>
-                      <a:pPr lvl="0" rtl="0" algn="ctr">
+                      <a:pPr lvl="0" algn="ctr" rtl="0">
                         <a:spcBef>
                           <a:spcPts val="0"/>
                         </a:spcBef>
@@ -6513,16 +6851,14 @@
                       </a:r>
                     </a:p>
                   </a:txBody>
-                  <a:tcPr marT="91425" marB="91425" marR="91425" marL="91425"/>
+                  <a:tcPr marL="91425" marR="91425" marT="91425" marB="91425"/>
                 </a:tc>
                 <a:tc>
                   <a:txBody>
-                    <a:bodyPr>
-                      <a:noAutofit/>
-                    </a:bodyPr>
+                    <a:bodyPr/>
                     <a:lstStyle/>
                     <a:p>
-                      <a:pPr lvl="0" rtl="0" algn="ctr">
+                      <a:pPr lvl="0" algn="ctr" rtl="0">
                         <a:spcBef>
                           <a:spcPts val="0"/>
                         </a:spcBef>
@@ -6543,18 +6879,16 @@
                       </a:r>
                     </a:p>
                   </a:txBody>
-                  <a:tcPr marT="91425" marB="91425" marR="91425" marL="91425"/>
+                  <a:tcPr marL="91425" marR="91425" marT="91425" marB="91425"/>
                 </a:tc>
               </a:tr>
               <a:tr h="601950">
                 <a:tc>
                   <a:txBody>
-                    <a:bodyPr>
-                      <a:noAutofit/>
-                    </a:bodyPr>
+                    <a:bodyPr/>
                     <a:lstStyle/>
                     <a:p>
-                      <a:pPr lvl="0" rtl="0" algn="ctr">
+                      <a:pPr lvl="0" algn="ctr" rtl="0">
                         <a:spcBef>
                           <a:spcPts val="0"/>
                         </a:spcBef>
@@ -6575,16 +6909,14 @@
                       </a:r>
                     </a:p>
                   </a:txBody>
-                  <a:tcPr marT="91425" marB="91425" marR="91425" marL="91425"/>
+                  <a:tcPr marL="91425" marR="91425" marT="91425" marB="91425"/>
                 </a:tc>
                 <a:tc>
                   <a:txBody>
-                    <a:bodyPr>
-                      <a:noAutofit/>
-                    </a:bodyPr>
+                    <a:bodyPr/>
                     <a:lstStyle/>
                     <a:p>
-                      <a:pPr lvl="0" rtl="0" algn="ctr">
+                      <a:pPr lvl="0" algn="ctr" rtl="0">
                         <a:spcBef>
                           <a:spcPts val="0"/>
                         </a:spcBef>
@@ -6605,18 +6937,16 @@
                       </a:r>
                     </a:p>
                   </a:txBody>
-                  <a:tcPr marT="91425" marB="91425" marR="91425" marL="91425"/>
+                  <a:tcPr marL="91425" marR="91425" marT="91425" marB="91425"/>
                 </a:tc>
               </a:tr>
               <a:tr h="601950">
                 <a:tc>
                   <a:txBody>
-                    <a:bodyPr>
-                      <a:noAutofit/>
-                    </a:bodyPr>
+                    <a:bodyPr/>
                     <a:lstStyle/>
                     <a:p>
-                      <a:pPr lvl="0" rtl="0" algn="ctr">
+                      <a:pPr lvl="0" algn="ctr" rtl="0">
                         <a:spcBef>
                           <a:spcPts val="0"/>
                         </a:spcBef>
@@ -6637,16 +6967,14 @@
                       </a:r>
                     </a:p>
                   </a:txBody>
-                  <a:tcPr marT="91425" marB="91425" marR="91425" marL="91425"/>
+                  <a:tcPr marL="91425" marR="91425" marT="91425" marB="91425"/>
                 </a:tc>
                 <a:tc>
                   <a:txBody>
-                    <a:bodyPr>
-                      <a:noAutofit/>
-                    </a:bodyPr>
+                    <a:bodyPr/>
                     <a:lstStyle/>
                     <a:p>
-                      <a:pPr lvl="0" rtl="0" algn="ctr">
+                      <a:pPr lvl="0" algn="ctr" rtl="0">
                         <a:spcBef>
                           <a:spcPts val="0"/>
                         </a:spcBef>
@@ -6667,7 +6995,7 @@
                       </a:r>
                     </a:p>
                     <a:p>
-                      <a:pPr lvl="0" rtl="0" algn="ctr">
+                      <a:pPr lvl="0" algn="ctr" rtl="0">
                         <a:spcBef>
                           <a:spcPts val="0"/>
                         </a:spcBef>
@@ -6678,24 +7006,19 @@
                         <a:buFont typeface="Arial"/>
                         <a:buNone/>
                       </a:pPr>
-                      <a:r>
-                        <a:t/>
-                      </a:r>
                       <a:endParaRPr/>
                     </a:p>
                   </a:txBody>
-                  <a:tcPr marT="91425" marB="91425" marR="91425" marL="91425"/>
+                  <a:tcPr marL="91425" marR="91425" marT="91425" marB="91425"/>
                 </a:tc>
               </a:tr>
               <a:tr h="601950">
                 <a:tc>
                   <a:txBody>
-                    <a:bodyPr>
-                      <a:noAutofit/>
-                    </a:bodyPr>
+                    <a:bodyPr/>
                     <a:lstStyle/>
                     <a:p>
-                      <a:pPr lvl="0" rtl="0" algn="ctr">
+                      <a:pPr lvl="0" algn="ctr" rtl="0">
                         <a:spcBef>
                           <a:spcPts val="0"/>
                         </a:spcBef>
@@ -6716,16 +7039,14 @@
                       </a:r>
                     </a:p>
                   </a:txBody>
-                  <a:tcPr marT="91425" marB="91425" marR="91425" marL="91425"/>
+                  <a:tcPr marL="91425" marR="91425" marT="91425" marB="91425"/>
                 </a:tc>
                 <a:tc>
                   <a:txBody>
-                    <a:bodyPr>
-                      <a:noAutofit/>
-                    </a:bodyPr>
+                    <a:bodyPr/>
                     <a:lstStyle/>
                     <a:p>
-                      <a:pPr lvl="0" rtl="0" algn="ctr">
+                      <a:pPr lvl="0" algn="ctr" rtl="0">
                         <a:spcBef>
                           <a:spcPts val="0"/>
                         </a:spcBef>
@@ -6746,7 +7067,7 @@
                       </a:r>
                     </a:p>
                   </a:txBody>
-                  <a:tcPr marT="91425" marB="91425" marR="91425" marL="91425"/>
+                  <a:tcPr marL="91425" marR="91425" marT="91425" marB="91425"/>
                 </a:tc>
               </a:tr>
             </a:tbl>
@@ -6758,15 +7079,22 @@
   <p:clrMapOvr>
     <a:masterClrMapping/>
   </p:clrMapOvr>
+  <p:timing>
+    <p:tnLst>
+      <p:par>
+        <p:cTn xmlns:p14="http://schemas.microsoft.com/office/powerpoint/2010/main" id="1" dur="indefinite" restart="never" nodeType="tmRoot"/>
+      </p:par>
+    </p:tnLst>
+  </p:timing>
 </p:sld>
 </file>
 
 <file path=ppt/slides/slide13.xml><?xml version="1.0" encoding="utf-8"?>
-<p:sld xmlns:a="http://schemas.openxmlformats.org/drawingml/2006/main" xmlns:r="http://schemas.openxmlformats.org/officeDocument/2006/relationships" xmlns:mc="http://schemas.openxmlformats.org/markup-compatibility/2006" xmlns:mv="urn:schemas-microsoft-com:mac:vml" xmlns:p="http://schemas.openxmlformats.org/presentationml/2006/main" xmlns:c="http://schemas.openxmlformats.org/drawingml/2006/chart" xmlns:dgm="http://schemas.openxmlformats.org/drawingml/2006/diagram" xmlns:o="urn:schemas-microsoft-com:office:office" xmlns:v="urn:schemas-microsoft-com:vml" xmlns:pvml="urn:schemas-microsoft-com:office:powerpoint" xmlns:com="http://schemas.openxmlformats.org/drawingml/2006/compatibility" xmlns:p14="http://schemas.microsoft.com/office/powerpoint/2010/main">
+<p:sld xmlns:a="http://schemas.openxmlformats.org/drawingml/2006/main" xmlns:r="http://schemas.openxmlformats.org/officeDocument/2006/relationships" xmlns:p="http://schemas.openxmlformats.org/presentationml/2006/main">
   <p:cSld>
     <p:spTree>
       <p:nvGrpSpPr>
-        <p:cNvPr id="132" name="Shape 132"/>
+        <p:cNvPr id="1" name="Shape 132"/>
         <p:cNvGrpSpPr/>
         <p:nvPr/>
       </p:nvGrpSpPr>
@@ -6781,7 +7109,9 @@
       <p:sp>
         <p:nvSpPr>
           <p:cNvPr id="133" name="Shape 133"/>
-          <p:cNvSpPr txBox="1"/>
+          <p:cNvSpPr txBox="1">
+            <a:spLocks noGrp="1"/>
+          </p:cNvSpPr>
           <p:nvPr>
             <p:ph type="title"/>
           </p:nvPr>
@@ -6796,12 +7126,12 @@
           </a:prstGeom>
         </p:spPr>
         <p:txBody>
-          <a:bodyPr anchorCtr="0" anchor="t" bIns="91425" lIns="91425" rIns="91425" tIns="91425">
+          <a:bodyPr lIns="91425" tIns="91425" rIns="91425" bIns="91425" anchor="t" anchorCtr="0">
             <a:noAutofit/>
           </a:bodyPr>
           <a:lstStyle/>
           <a:p>
-            <a:pPr lvl="0" rtl="0" algn="ctr">
+            <a:pPr lvl="0" algn="ctr" rtl="0">
               <a:spcBef>
                 <a:spcPts val="0"/>
               </a:spcBef>
@@ -6817,9 +7147,11 @@
       <p:sp>
         <p:nvSpPr>
           <p:cNvPr id="134" name="Shape 134"/>
-          <p:cNvSpPr txBox="1"/>
+          <p:cNvSpPr txBox="1">
+            <a:spLocks noGrp="1"/>
+          </p:cNvSpPr>
           <p:nvPr>
-            <p:ph idx="1" type="body"/>
+            <p:ph type="body" idx="1"/>
           </p:nvPr>
         </p:nvSpPr>
         <p:spPr>
@@ -6832,7 +7164,7 @@
           </a:prstGeom>
         </p:spPr>
         <p:txBody>
-          <a:bodyPr anchorCtr="0" anchor="t" bIns="91425" lIns="91425" rIns="91425" tIns="91425">
+          <a:bodyPr lIns="91425" tIns="91425" rIns="91425" bIns="91425" anchor="t" anchorCtr="0">
             <a:noAutofit/>
           </a:bodyPr>
           <a:lstStyle/>
@@ -6852,7 +7184,7 @@
               <a:t>Hypothesis 1: Are parents giving their babies </a:t>
             </a:r>
             <a:r>
-              <a:rPr b="1" lang="en">
+              <a:rPr lang="en" b="1">
                 <a:solidFill>
                   <a:srgbClr val="CCCCCC"/>
                 </a:solidFill>
@@ -6873,9 +7205,11 @@
       <p:sp>
         <p:nvSpPr>
           <p:cNvPr id="135" name="Shape 135"/>
-          <p:cNvSpPr txBox="1"/>
+          <p:cNvSpPr txBox="1">
+            <a:spLocks noGrp="1"/>
+          </p:cNvSpPr>
           <p:nvPr>
-            <p:ph idx="1" type="body"/>
+            <p:ph type="body" idx="1"/>
           </p:nvPr>
         </p:nvSpPr>
         <p:spPr>
@@ -6888,7 +7222,7 @@
           </a:prstGeom>
         </p:spPr>
         <p:txBody>
-          <a:bodyPr anchorCtr="0" anchor="t" bIns="91425" lIns="91425" rIns="91425" tIns="91425">
+          <a:bodyPr lIns="91425" tIns="91425" rIns="91425" bIns="91425" anchor="t" anchorCtr="0">
             <a:noAutofit/>
           </a:bodyPr>
           <a:lstStyle/>
@@ -6904,7 +7238,7 @@
               <a:t>Hypothesis 2: Are parents giving their babies </a:t>
             </a:r>
             <a:r>
-              <a:rPr b="1" lang="en"/>
+              <a:rPr lang="en" b="1"/>
               <a:t>long names</a:t>
             </a:r>
             <a:r>
@@ -6919,15 +7253,22 @@
   <p:clrMapOvr>
     <a:masterClrMapping/>
   </p:clrMapOvr>
+  <p:timing>
+    <p:tnLst>
+      <p:par>
+        <p:cTn xmlns:p14="http://schemas.microsoft.com/office/powerpoint/2010/main" id="1" dur="indefinite" restart="never" nodeType="tmRoot"/>
+      </p:par>
+    </p:tnLst>
+  </p:timing>
 </p:sld>
 </file>
 
 <file path=ppt/slides/slide14.xml><?xml version="1.0" encoding="utf-8"?>
-<p:sld xmlns:a="http://schemas.openxmlformats.org/drawingml/2006/main" xmlns:r="http://schemas.openxmlformats.org/officeDocument/2006/relationships" xmlns:mc="http://schemas.openxmlformats.org/markup-compatibility/2006" xmlns:mv="urn:schemas-microsoft-com:mac:vml" xmlns:p="http://schemas.openxmlformats.org/presentationml/2006/main" xmlns:c="http://schemas.openxmlformats.org/drawingml/2006/chart" xmlns:dgm="http://schemas.openxmlformats.org/drawingml/2006/diagram" xmlns:o="urn:schemas-microsoft-com:office:office" xmlns:v="urn:schemas-microsoft-com:vml" xmlns:pvml="urn:schemas-microsoft-com:office:powerpoint" xmlns:com="http://schemas.openxmlformats.org/drawingml/2006/compatibility" xmlns:p14="http://schemas.microsoft.com/office/powerpoint/2010/main">
+<p:sld xmlns:a="http://schemas.openxmlformats.org/drawingml/2006/main" xmlns:r="http://schemas.openxmlformats.org/officeDocument/2006/relationships" xmlns:p="http://schemas.openxmlformats.org/presentationml/2006/main">
   <p:cSld>
     <p:spTree>
       <p:nvGrpSpPr>
-        <p:cNvPr id="139" name="Shape 139"/>
+        <p:cNvPr id="1" name="Shape 139"/>
         <p:cNvGrpSpPr/>
         <p:nvPr/>
       </p:nvGrpSpPr>
@@ -6941,7 +7282,7 @@
       </p:grpSpPr>
       <p:pic>
         <p:nvPicPr>
-          <p:cNvPr descr="average_length.png" id="140" name="Shape 140"/>
+          <p:cNvPr id="140" name="Shape 140" descr="average_length.png"/>
           <p:cNvPicPr preferRelativeResize="0"/>
           <p:nvPr/>
         </p:nvPicPr>
@@ -6975,7 +7316,7 @@
         </p:nvGraphicFramePr>
         <p:xfrm>
           <a:off x="524787" y="4259145"/>
-          <a:ext cx="3000000" cy="3000000"/>
+          <a:ext cx="8441750" cy="538025"/>
         </p:xfrm>
         <a:graphic>
           <a:graphicData uri="http://schemas.openxmlformats.org/drawingml/2006/table">
@@ -6999,12 +7340,10 @@
               <a:tr h="538025">
                 <a:tc>
                   <a:txBody>
-                    <a:bodyPr>
-                      <a:noAutofit/>
-                    </a:bodyPr>
+                    <a:bodyPr/>
                     <a:lstStyle/>
                     <a:p>
-                      <a:pPr lvl="0" rtl="0" algn="ctr">
+                      <a:pPr lvl="0" algn="ctr" rtl="0">
                         <a:spcBef>
                           <a:spcPts val="0"/>
                         </a:spcBef>
@@ -7016,16 +7355,14 @@
                       </a:r>
                     </a:p>
                   </a:txBody>
-                  <a:tcPr marT="91425" marB="91425" marR="91425" marL="91425"/>
+                  <a:tcPr marL="91425" marR="91425" marT="91425" marB="91425"/>
                 </a:tc>
                 <a:tc>
                   <a:txBody>
-                    <a:bodyPr>
-                      <a:noAutofit/>
-                    </a:bodyPr>
+                    <a:bodyPr/>
                     <a:lstStyle/>
                     <a:p>
-                      <a:pPr lvl="0" rtl="0" algn="ctr">
+                      <a:pPr lvl="0" algn="ctr" rtl="0">
                         <a:spcBef>
                           <a:spcPts val="0"/>
                         </a:spcBef>
@@ -7037,16 +7374,14 @@
                       </a:r>
                     </a:p>
                   </a:txBody>
-                  <a:tcPr marT="91425" marB="91425" marR="91425" marL="91425"/>
+                  <a:tcPr marL="91425" marR="91425" marT="91425" marB="91425"/>
                 </a:tc>
                 <a:tc>
                   <a:txBody>
-                    <a:bodyPr>
-                      <a:noAutofit/>
-                    </a:bodyPr>
+                    <a:bodyPr/>
                     <a:lstStyle/>
                     <a:p>
-                      <a:pPr lvl="0" rtl="0" algn="ctr">
+                      <a:pPr lvl="0" algn="ctr" rtl="0">
                         <a:spcBef>
                           <a:spcPts val="0"/>
                         </a:spcBef>
@@ -7058,16 +7393,14 @@
                       </a:r>
                     </a:p>
                   </a:txBody>
-                  <a:tcPr marT="91425" marB="91425" marR="91425" marL="91425"/>
+                  <a:tcPr marL="91425" marR="91425" marT="91425" marB="91425"/>
                 </a:tc>
                 <a:tc>
                   <a:txBody>
-                    <a:bodyPr>
-                      <a:noAutofit/>
-                    </a:bodyPr>
+                    <a:bodyPr/>
                     <a:lstStyle/>
                     <a:p>
-                      <a:pPr lvl="0" rtl="0" algn="ctr">
+                      <a:pPr lvl="0" algn="ctr" rtl="0">
                         <a:spcBef>
                           <a:spcPts val="0"/>
                         </a:spcBef>
@@ -7079,16 +7412,14 @@
                       </a:r>
                     </a:p>
                   </a:txBody>
-                  <a:tcPr marT="91425" marB="91425" marR="91425" marL="91425"/>
+                  <a:tcPr marL="91425" marR="91425" marT="91425" marB="91425"/>
                 </a:tc>
                 <a:tc>
                   <a:txBody>
-                    <a:bodyPr>
-                      <a:noAutofit/>
-                    </a:bodyPr>
+                    <a:bodyPr/>
                     <a:lstStyle/>
                     <a:p>
-                      <a:pPr lvl="0" rtl="0" algn="ctr">
+                      <a:pPr lvl="0" algn="ctr" rtl="0">
                         <a:spcBef>
                           <a:spcPts val="0"/>
                         </a:spcBef>
@@ -7100,16 +7431,14 @@
                       </a:r>
                     </a:p>
                   </a:txBody>
-                  <a:tcPr marT="91425" marB="91425" marR="91425" marL="91425"/>
+                  <a:tcPr marL="91425" marR="91425" marT="91425" marB="91425"/>
                 </a:tc>
                 <a:tc>
                   <a:txBody>
-                    <a:bodyPr>
-                      <a:noAutofit/>
-                    </a:bodyPr>
+                    <a:bodyPr/>
                     <a:lstStyle/>
                     <a:p>
-                      <a:pPr lvl="0" rtl="0" algn="ctr">
+                      <a:pPr lvl="0" algn="ctr" rtl="0">
                         <a:spcBef>
                           <a:spcPts val="0"/>
                         </a:spcBef>
@@ -7121,16 +7450,14 @@
                       </a:r>
                     </a:p>
                   </a:txBody>
-                  <a:tcPr marT="91425" marB="91425" marR="91425" marL="91425"/>
+                  <a:tcPr marL="91425" marR="91425" marT="91425" marB="91425"/>
                 </a:tc>
                 <a:tc>
                   <a:txBody>
-                    <a:bodyPr>
-                      <a:noAutofit/>
-                    </a:bodyPr>
+                    <a:bodyPr/>
                     <a:lstStyle/>
                     <a:p>
-                      <a:pPr lvl="0" rtl="0" algn="ctr">
+                      <a:pPr lvl="0" algn="ctr" rtl="0">
                         <a:spcBef>
                           <a:spcPts val="0"/>
                         </a:spcBef>
@@ -7142,16 +7469,14 @@
                       </a:r>
                     </a:p>
                   </a:txBody>
-                  <a:tcPr marT="91425" marB="91425" marR="91425" marL="91425"/>
+                  <a:tcPr marL="91425" marR="91425" marT="91425" marB="91425"/>
                 </a:tc>
                 <a:tc>
                   <a:txBody>
-                    <a:bodyPr>
-                      <a:noAutofit/>
-                    </a:bodyPr>
+                    <a:bodyPr/>
                     <a:lstStyle/>
                     <a:p>
-                      <a:pPr lvl="0" rtl="0" algn="ctr">
+                      <a:pPr lvl="0" algn="ctr" rtl="0">
                         <a:spcBef>
                           <a:spcPts val="0"/>
                         </a:spcBef>
@@ -7163,16 +7488,14 @@
                       </a:r>
                     </a:p>
                   </a:txBody>
-                  <a:tcPr marT="91425" marB="91425" marR="91425" marL="91425"/>
+                  <a:tcPr marL="91425" marR="91425" marT="91425" marB="91425"/>
                 </a:tc>
                 <a:tc>
                   <a:txBody>
-                    <a:bodyPr>
-                      <a:noAutofit/>
-                    </a:bodyPr>
+                    <a:bodyPr/>
                     <a:lstStyle/>
                     <a:p>
-                      <a:pPr lvl="0" rtl="0" algn="ctr">
+                      <a:pPr lvl="0" algn="ctr" rtl="0">
                         <a:spcBef>
                           <a:spcPts val="0"/>
                         </a:spcBef>
@@ -7184,16 +7507,14 @@
                       </a:r>
                     </a:p>
                   </a:txBody>
-                  <a:tcPr marT="91425" marB="91425" marR="91425" marL="91425"/>
+                  <a:tcPr marL="91425" marR="91425" marT="91425" marB="91425"/>
                 </a:tc>
                 <a:tc>
                   <a:txBody>
-                    <a:bodyPr>
-                      <a:noAutofit/>
-                    </a:bodyPr>
+                    <a:bodyPr/>
                     <a:lstStyle/>
                     <a:p>
-                      <a:pPr lvl="0" rtl="0" algn="ctr">
+                      <a:pPr lvl="0" algn="ctr" rtl="0">
                         <a:spcBef>
                           <a:spcPts val="0"/>
                         </a:spcBef>
@@ -7205,7 +7526,7 @@
                       </a:r>
                     </a:p>
                   </a:txBody>
-                  <a:tcPr marT="91425" marB="91425" marR="91425" marL="91425"/>
+                  <a:tcPr marL="91425" marR="91425" marT="91425" marB="91425"/>
                 </a:tc>
               </a:tr>
             </a:tbl>
@@ -7221,11 +7542,11 @@
 </file>
 
 <file path=ppt/slides/slide15.xml><?xml version="1.0" encoding="utf-8"?>
-<p:sld xmlns:a="http://schemas.openxmlformats.org/drawingml/2006/main" xmlns:r="http://schemas.openxmlformats.org/officeDocument/2006/relationships" xmlns:mc="http://schemas.openxmlformats.org/markup-compatibility/2006" xmlns:mv="urn:schemas-microsoft-com:mac:vml" xmlns:p="http://schemas.openxmlformats.org/presentationml/2006/main" xmlns:c="http://schemas.openxmlformats.org/drawingml/2006/chart" xmlns:dgm="http://schemas.openxmlformats.org/drawingml/2006/diagram" xmlns:o="urn:schemas-microsoft-com:office:office" xmlns:v="urn:schemas-microsoft-com:vml" xmlns:pvml="urn:schemas-microsoft-com:office:powerpoint" xmlns:com="http://schemas.openxmlformats.org/drawingml/2006/compatibility" xmlns:p14="http://schemas.microsoft.com/office/powerpoint/2010/main">
+<p:sld xmlns:a="http://schemas.openxmlformats.org/drawingml/2006/main" xmlns:r="http://schemas.openxmlformats.org/officeDocument/2006/relationships" xmlns:p="http://schemas.openxmlformats.org/presentationml/2006/main">
   <p:cSld>
     <p:spTree>
       <p:nvGrpSpPr>
-        <p:cNvPr id="145" name="Shape 145"/>
+        <p:cNvPr id="1" name="Shape 145"/>
         <p:cNvGrpSpPr/>
         <p:nvPr/>
       </p:nvGrpSpPr>
@@ -7240,7 +7561,9 @@
       <p:sp>
         <p:nvSpPr>
           <p:cNvPr id="146" name="Shape 146"/>
-          <p:cNvSpPr txBox="1"/>
+          <p:cNvSpPr txBox="1">
+            <a:spLocks noGrp="1"/>
+          </p:cNvSpPr>
           <p:nvPr>
             <p:ph type="title"/>
           </p:nvPr>
@@ -7255,12 +7578,12 @@
           </a:prstGeom>
         </p:spPr>
         <p:txBody>
-          <a:bodyPr anchorCtr="0" anchor="t" bIns="91425" lIns="91425" rIns="91425" tIns="91425">
+          <a:bodyPr lIns="91425" tIns="91425" rIns="91425" bIns="91425" anchor="t" anchorCtr="0">
             <a:noAutofit/>
           </a:bodyPr>
           <a:lstStyle/>
           <a:p>
-            <a:pPr lvl="0" rtl="0" algn="ctr">
+            <a:pPr lvl="0" algn="ctr" rtl="0">
               <a:spcBef>
                 <a:spcPts val="0"/>
               </a:spcBef>
@@ -7276,9 +7599,11 @@
       <p:sp>
         <p:nvSpPr>
           <p:cNvPr id="147" name="Shape 147"/>
-          <p:cNvSpPr txBox="1"/>
+          <p:cNvSpPr txBox="1">
+            <a:spLocks noGrp="1"/>
+          </p:cNvSpPr>
           <p:nvPr>
-            <p:ph idx="1" type="body"/>
+            <p:ph type="body" idx="1"/>
           </p:nvPr>
         </p:nvSpPr>
         <p:spPr>
@@ -7291,7 +7616,7 @@
           </a:prstGeom>
         </p:spPr>
         <p:txBody>
-          <a:bodyPr anchorCtr="0" anchor="t" bIns="91425" lIns="91425" rIns="91425" tIns="91425">
+          <a:bodyPr lIns="91425" tIns="91425" rIns="91425" bIns="91425" anchor="t" anchorCtr="0">
             <a:noAutofit/>
           </a:bodyPr>
           <a:lstStyle/>
@@ -7311,7 +7636,7 @@
               <a:t>Hypothesis 1: Are parents giving their babies </a:t>
             </a:r>
             <a:r>
-              <a:rPr b="1" lang="en">
+              <a:rPr lang="en" b="1">
                 <a:solidFill>
                   <a:srgbClr val="CCCCCC"/>
                 </a:solidFill>
@@ -7332,9 +7657,11 @@
       <p:sp>
         <p:nvSpPr>
           <p:cNvPr id="148" name="Shape 148"/>
-          <p:cNvSpPr txBox="1"/>
+          <p:cNvSpPr txBox="1">
+            <a:spLocks noGrp="1"/>
+          </p:cNvSpPr>
           <p:nvPr>
-            <p:ph idx="1" type="body"/>
+            <p:ph type="body" idx="1"/>
           </p:nvPr>
         </p:nvSpPr>
         <p:spPr>
@@ -7347,7 +7674,7 @@
           </a:prstGeom>
         </p:spPr>
         <p:txBody>
-          <a:bodyPr anchorCtr="0" anchor="t" bIns="91425" lIns="91425" rIns="91425" tIns="91425">
+          <a:bodyPr lIns="91425" tIns="91425" rIns="91425" bIns="91425" anchor="t" anchorCtr="0">
             <a:noAutofit/>
           </a:bodyPr>
           <a:lstStyle/>
@@ -7367,7 +7694,7 @@
               <a:t>Hypothesis 2: Are parents giving their babies </a:t>
             </a:r>
             <a:r>
-              <a:rPr b="1" lang="en">
+              <a:rPr lang="en" b="1">
                 <a:solidFill>
                   <a:srgbClr val="CCCCCC"/>
                 </a:solidFill>
@@ -7388,9 +7715,11 @@
       <p:sp>
         <p:nvSpPr>
           <p:cNvPr id="149" name="Shape 149"/>
-          <p:cNvSpPr txBox="1"/>
+          <p:cNvSpPr txBox="1">
+            <a:spLocks noGrp="1"/>
+          </p:cNvSpPr>
           <p:nvPr>
-            <p:ph idx="1" type="body"/>
+            <p:ph type="body" idx="1"/>
           </p:nvPr>
         </p:nvSpPr>
         <p:spPr>
@@ -7403,7 +7732,7 @@
           </a:prstGeom>
         </p:spPr>
         <p:txBody>
-          <a:bodyPr anchorCtr="0" anchor="t" bIns="91425" lIns="91425" rIns="91425" tIns="91425">
+          <a:bodyPr lIns="91425" tIns="91425" rIns="91425" bIns="91425" anchor="t" anchorCtr="0">
             <a:noAutofit/>
           </a:bodyPr>
           <a:lstStyle/>
@@ -7419,7 +7748,7 @@
               <a:t>Hypothesis 3: Are parents giving their babies </a:t>
             </a:r>
             <a:r>
-              <a:rPr b="1" lang="en"/>
+              <a:rPr lang="en" b="1"/>
               <a:t>names from the opposite gender? </a:t>
             </a:r>
             <a:r>
@@ -7438,11 +7767,11 @@
 </file>
 
 <file path=ppt/slides/slide16.xml><?xml version="1.0" encoding="utf-8"?>
-<p:sld xmlns:a="http://schemas.openxmlformats.org/drawingml/2006/main" xmlns:r="http://schemas.openxmlformats.org/officeDocument/2006/relationships" xmlns:mc="http://schemas.openxmlformats.org/markup-compatibility/2006" xmlns:mv="urn:schemas-microsoft-com:mac:vml" xmlns:p="http://schemas.openxmlformats.org/presentationml/2006/main" xmlns:c="http://schemas.openxmlformats.org/drawingml/2006/chart" xmlns:dgm="http://schemas.openxmlformats.org/drawingml/2006/diagram" xmlns:o="urn:schemas-microsoft-com:office:office" xmlns:v="urn:schemas-microsoft-com:vml" xmlns:pvml="urn:schemas-microsoft-com:office:powerpoint" xmlns:com="http://schemas.openxmlformats.org/drawingml/2006/compatibility" xmlns:p14="http://schemas.microsoft.com/office/powerpoint/2010/main">
+<p:sld xmlns:a="http://schemas.openxmlformats.org/drawingml/2006/main" xmlns:r="http://schemas.openxmlformats.org/officeDocument/2006/relationships" xmlns:p="http://schemas.openxmlformats.org/presentationml/2006/main">
   <p:cSld>
     <p:spTree>
       <p:nvGrpSpPr>
-        <p:cNvPr id="153" name="Shape 153"/>
+        <p:cNvPr id="1" name="Shape 153"/>
         <p:cNvGrpSpPr/>
         <p:nvPr/>
       </p:nvGrpSpPr>
@@ -7456,7 +7785,7 @@
       </p:grpSpPr>
       <p:pic>
         <p:nvPicPr>
-          <p:cNvPr descr="gender_neutral.png" id="154" name="Shape 154"/>
+          <p:cNvPr id="154" name="Shape 154" descr="gender_neutral.png"/>
           <p:cNvPicPr preferRelativeResize="0"/>
           <p:nvPr/>
         </p:nvPicPr>
@@ -7491,11 +7820,11 @@
 </file>
 
 <file path=ppt/slides/slide17.xml><?xml version="1.0" encoding="utf-8"?>
-<p:sld xmlns:a="http://schemas.openxmlformats.org/drawingml/2006/main" xmlns:r="http://schemas.openxmlformats.org/officeDocument/2006/relationships" xmlns:mc="http://schemas.openxmlformats.org/markup-compatibility/2006" xmlns:mv="urn:schemas-microsoft-com:mac:vml" xmlns:p="http://schemas.openxmlformats.org/presentationml/2006/main" xmlns:c="http://schemas.openxmlformats.org/drawingml/2006/chart" xmlns:dgm="http://schemas.openxmlformats.org/drawingml/2006/diagram" xmlns:o="urn:schemas-microsoft-com:office:office" xmlns:v="urn:schemas-microsoft-com:vml" xmlns:pvml="urn:schemas-microsoft-com:office:powerpoint" xmlns:com="http://schemas.openxmlformats.org/drawingml/2006/compatibility" xmlns:p14="http://schemas.microsoft.com/office/powerpoint/2010/main">
+<p:sld xmlns:a="http://schemas.openxmlformats.org/drawingml/2006/main" xmlns:r="http://schemas.openxmlformats.org/officeDocument/2006/relationships" xmlns:p="http://schemas.openxmlformats.org/presentationml/2006/main">
   <p:cSld>
     <p:spTree>
       <p:nvGrpSpPr>
-        <p:cNvPr id="158" name="Shape 158"/>
+        <p:cNvPr id="1" name="Shape 158"/>
         <p:cNvGrpSpPr/>
         <p:nvPr/>
       </p:nvGrpSpPr>
@@ -7510,7 +7839,9 @@
       <p:sp>
         <p:nvSpPr>
           <p:cNvPr id="159" name="Shape 159"/>
-          <p:cNvSpPr txBox="1"/>
+          <p:cNvSpPr txBox="1">
+            <a:spLocks noGrp="1"/>
+          </p:cNvSpPr>
           <p:nvPr>
             <p:ph type="title"/>
           </p:nvPr>
@@ -7525,12 +7856,12 @@
           </a:prstGeom>
         </p:spPr>
         <p:txBody>
-          <a:bodyPr anchorCtr="0" anchor="t" bIns="91425" lIns="91425" rIns="91425" tIns="91425">
+          <a:bodyPr lIns="91425" tIns="91425" rIns="91425" bIns="91425" anchor="t" anchorCtr="0">
             <a:noAutofit/>
           </a:bodyPr>
           <a:lstStyle/>
           <a:p>
-            <a:pPr lvl="0" rtl="0" algn="ctr">
+            <a:pPr lvl="0" algn="ctr" rtl="0">
               <a:spcBef>
                 <a:spcPts val="0"/>
               </a:spcBef>
@@ -7546,22 +7877,24 @@
       <p:sp>
         <p:nvSpPr>
           <p:cNvPr id="160" name="Shape 160"/>
-          <p:cNvSpPr txBox="1"/>
+          <p:cNvSpPr txBox="1">
+            <a:spLocks noGrp="1"/>
+          </p:cNvSpPr>
           <p:nvPr>
-            <p:ph idx="1" type="body"/>
+            <p:ph type="body" idx="1"/>
           </p:nvPr>
         </p:nvSpPr>
         <p:spPr>
           <a:xfrm>
-            <a:off x="311700" y="1152475"/>
-            <a:ext cx="8520600" cy="2256000"/>
+            <a:off x="311700" y="1152474"/>
+            <a:ext cx="8520600" cy="2667685"/>
           </a:xfrm>
           <a:prstGeom prst="rect">
             <a:avLst/>
           </a:prstGeom>
         </p:spPr>
         <p:txBody>
-          <a:bodyPr anchorCtr="0" anchor="t" bIns="91425" lIns="91425" rIns="91425" tIns="91425">
+          <a:bodyPr lIns="91425" tIns="91425" rIns="91425" bIns="91425" anchor="t" anchorCtr="0">
             <a:noAutofit/>
           </a:bodyPr>
           <a:lstStyle/>
@@ -7573,30 +7906,51 @@
               <a:buNone/>
             </a:pPr>
             <a:r>
-              <a:rPr lang="en"/>
+              <a:rPr lang="en" dirty="0"/>
               <a:t>Our narcissism epidemic may be influenced by our parents giving us individualistic names, which are </a:t>
             </a:r>
           </a:p>
           <a:p>
-            <a:pPr indent="-228600" lvl="1" marL="914400" rtl="0">
-              <a:spcBef>
-                <a:spcPts val="0"/>
-              </a:spcBef>
+            <a:pPr marL="971550" lvl="1" indent="-285750" rtl="0">
+              <a:spcBef>
+                <a:spcPts val="0"/>
+              </a:spcBef>
+              <a:buFont typeface="Arial"/>
+              <a:buChar char="•"/>
             </a:pPr>
             <a:r>
-              <a:rPr lang="en"/>
-              <a:t>unique</a:t>
+              <a:rPr lang="en" dirty="0" smtClean="0"/>
+              <a:t>shared</a:t>
             </a:r>
-          </a:p>
-          <a:p>
-            <a:pPr indent="-228600" lvl="1" marL="914400" rtl="0">
-              <a:spcBef>
-                <a:spcPts val="0"/>
-              </a:spcBef>
+            <a:r>
+              <a:rPr lang="en-US" dirty="0" smtClean="0"/>
+              <a:t> by fe</a:t>
+            </a:r>
+            <a:r>
+              <a:rPr lang="en-US" dirty="0" smtClean="0"/>
+              <a:t>w other people</a:t>
+            </a:r>
+            <a:endParaRPr lang="en" dirty="0"/>
+          </a:p>
+          <a:p>
+            <a:pPr marL="971550" lvl="1" indent="-285750" rtl="0">
+              <a:spcBef>
+                <a:spcPts val="0"/>
+              </a:spcBef>
+              <a:buFont typeface="Arial"/>
+              <a:buChar char="•"/>
             </a:pPr>
             <a:r>
-              <a:rPr lang="en"/>
-              <a:t>usually associated with the opposite gender</a:t>
+              <a:rPr lang="en-US" dirty="0" smtClean="0"/>
+              <a:t>traditionally</a:t>
+            </a:r>
+            <a:r>
+              <a:rPr lang="en" dirty="0" smtClean="0"/>
+              <a:t> </a:t>
+            </a:r>
+            <a:r>
+              <a:rPr lang="en" dirty="0"/>
+              <a:t>associated with the opposite gender</a:t>
             </a:r>
           </a:p>
           <a:p>
@@ -7607,20 +7961,44 @@
               <a:buNone/>
             </a:pPr>
             <a:r>
-              <a:rPr lang="en"/>
-              <a:t>t</a:t>
+              <a:rPr lang="en" dirty="0"/>
+              <a:t>that might have led us to experience unfounded individualism and </a:t>
             </a:r>
             <a:r>
-              <a:rPr lang="en"/>
-              <a:t>hat </a:t>
+              <a:rPr lang="en" dirty="0" smtClean="0"/>
+              <a:t>self-worth</a:t>
             </a:r>
             <a:r>
-              <a:rPr lang="en"/>
-              <a:t>might have led us</a:t>
+              <a:rPr lang="en-US" dirty="0" smtClean="0"/>
+              <a:t>,</a:t>
             </a:r>
             <a:r>
-              <a:rPr lang="en"/>
-              <a:t> to experience unfounded individualism and self-worth and eventually to narcissism.</a:t>
+              <a:rPr lang="en" dirty="0" smtClean="0"/>
+              <a:t> </a:t>
+            </a:r>
+            <a:r>
+              <a:rPr lang="en-US" dirty="0" smtClean="0"/>
+              <a:t>that</a:t>
+            </a:r>
+            <a:r>
+              <a:rPr lang="en" dirty="0" smtClean="0"/>
+              <a:t> </a:t>
+            </a:r>
+            <a:r>
+              <a:rPr lang="en" dirty="0"/>
+              <a:t>eventually </a:t>
+            </a:r>
+            <a:r>
+              <a:rPr lang="en-US" dirty="0" smtClean="0"/>
+              <a:t>leads </a:t>
+            </a:r>
+            <a:r>
+              <a:rPr lang="en" dirty="0" smtClean="0"/>
+              <a:t>to </a:t>
+            </a:r>
+            <a:r>
+              <a:rPr lang="en" dirty="0"/>
+              <a:t>narcissism.</a:t>
             </a:r>
           </a:p>
         </p:txBody>
@@ -7634,11 +8012,11 @@
 </file>
 
 <file path=ppt/slides/slide18.xml><?xml version="1.0" encoding="utf-8"?>
-<p:sld xmlns:a="http://schemas.openxmlformats.org/drawingml/2006/main" xmlns:r="http://schemas.openxmlformats.org/officeDocument/2006/relationships" xmlns:mc="http://schemas.openxmlformats.org/markup-compatibility/2006" xmlns:mv="urn:schemas-microsoft-com:mac:vml" xmlns:p="http://schemas.openxmlformats.org/presentationml/2006/main" xmlns:c="http://schemas.openxmlformats.org/drawingml/2006/chart" xmlns:dgm="http://schemas.openxmlformats.org/drawingml/2006/diagram" xmlns:o="urn:schemas-microsoft-com:office:office" xmlns:v="urn:schemas-microsoft-com:vml" xmlns:pvml="urn:schemas-microsoft-com:office:powerpoint" xmlns:com="http://schemas.openxmlformats.org/drawingml/2006/compatibility" xmlns:p14="http://schemas.microsoft.com/office/powerpoint/2010/main">
+<p:sld xmlns:a="http://schemas.openxmlformats.org/drawingml/2006/main" xmlns:r="http://schemas.openxmlformats.org/officeDocument/2006/relationships" xmlns:p="http://schemas.openxmlformats.org/presentationml/2006/main">
   <p:cSld>
     <p:spTree>
       <p:nvGrpSpPr>
-        <p:cNvPr id="164" name="Shape 164"/>
+        <p:cNvPr id="1" name="Shape 164"/>
         <p:cNvGrpSpPr/>
         <p:nvPr/>
       </p:nvGrpSpPr>
@@ -7653,7 +8031,9 @@
       <p:sp>
         <p:nvSpPr>
           <p:cNvPr id="165" name="Shape 165"/>
-          <p:cNvSpPr txBox="1"/>
+          <p:cNvSpPr txBox="1">
+            <a:spLocks noGrp="1"/>
+          </p:cNvSpPr>
           <p:nvPr>
             <p:ph type="title"/>
           </p:nvPr>
@@ -7668,12 +8048,12 @@
           </a:prstGeom>
         </p:spPr>
         <p:txBody>
-          <a:bodyPr anchorCtr="0" anchor="t" bIns="91425" lIns="91425" rIns="91425" tIns="91425">
+          <a:bodyPr lIns="91425" tIns="91425" rIns="91425" bIns="91425" anchor="t" anchorCtr="0">
             <a:noAutofit/>
           </a:bodyPr>
           <a:lstStyle/>
           <a:p>
-            <a:pPr lvl="0" rtl="0" algn="ctr">
+            <a:pPr lvl="0" algn="ctr" rtl="0">
               <a:spcBef>
                 <a:spcPts val="0"/>
               </a:spcBef>
@@ -7689,9 +8069,11 @@
       <p:sp>
         <p:nvSpPr>
           <p:cNvPr id="166" name="Shape 166"/>
-          <p:cNvSpPr txBox="1"/>
+          <p:cNvSpPr txBox="1">
+            <a:spLocks noGrp="1"/>
+          </p:cNvSpPr>
           <p:nvPr>
-            <p:ph idx="1" type="body"/>
+            <p:ph type="body" idx="1"/>
           </p:nvPr>
         </p:nvSpPr>
         <p:spPr>
@@ -7704,12 +8086,12 @@
           </a:prstGeom>
         </p:spPr>
         <p:txBody>
-          <a:bodyPr anchorCtr="0" anchor="t" bIns="91425" lIns="91425" rIns="91425" tIns="91425">
+          <a:bodyPr lIns="91425" tIns="91425" rIns="91425" bIns="91425" anchor="t" anchorCtr="0">
             <a:noAutofit/>
           </a:bodyPr>
           <a:lstStyle/>
           <a:p>
-            <a:pPr indent="-304800" lvl="0" marL="457200" rtl="0">
+            <a:pPr marL="457200" lvl="0" indent="-304800" rtl="0">
               <a:spcBef>
                 <a:spcPts val="0"/>
               </a:spcBef>
@@ -7747,9 +8129,6 @@
               </a:spcBef>
               <a:buNone/>
             </a:pPr>
-            <a:r>
-              <a:t/>
-            </a:r>
             <a:endParaRPr sz="1200">
               <a:solidFill>
                 <a:schemeClr val="dk1"/>
@@ -7770,11 +8149,11 @@
 </file>
 
 <file path=ppt/slides/slide2.xml><?xml version="1.0" encoding="utf-8"?>
-<p:sld xmlns:a="http://schemas.openxmlformats.org/drawingml/2006/main" xmlns:r="http://schemas.openxmlformats.org/officeDocument/2006/relationships" xmlns:mc="http://schemas.openxmlformats.org/markup-compatibility/2006" xmlns:mv="urn:schemas-microsoft-com:mac:vml" xmlns:p="http://schemas.openxmlformats.org/presentationml/2006/main" xmlns:c="http://schemas.openxmlformats.org/drawingml/2006/chart" xmlns:dgm="http://schemas.openxmlformats.org/drawingml/2006/diagram" xmlns:o="urn:schemas-microsoft-com:office:office" xmlns:v="urn:schemas-microsoft-com:vml" xmlns:pvml="urn:schemas-microsoft-com:office:powerpoint" xmlns:com="http://schemas.openxmlformats.org/drawingml/2006/compatibility" xmlns:p14="http://schemas.microsoft.com/office/powerpoint/2010/main">
+<p:sld xmlns:a="http://schemas.openxmlformats.org/drawingml/2006/main" xmlns:r="http://schemas.openxmlformats.org/officeDocument/2006/relationships" xmlns:p="http://schemas.openxmlformats.org/presentationml/2006/main">
   <p:cSld>
     <p:spTree>
       <p:nvGrpSpPr>
-        <p:cNvPr id="65" name="Shape 65"/>
+        <p:cNvPr id="1" name="Shape 65"/>
         <p:cNvGrpSpPr/>
         <p:nvPr/>
       </p:nvGrpSpPr>
@@ -7789,7 +8168,9 @@
       <p:sp>
         <p:nvSpPr>
           <p:cNvPr id="66" name="Shape 66"/>
-          <p:cNvSpPr txBox="1"/>
+          <p:cNvSpPr txBox="1">
+            <a:spLocks noGrp="1"/>
+          </p:cNvSpPr>
           <p:nvPr>
             <p:ph type="title"/>
           </p:nvPr>
@@ -7804,7 +8185,7 @@
           </a:prstGeom>
         </p:spPr>
         <p:txBody>
-          <a:bodyPr anchorCtr="0" anchor="t" bIns="91425" lIns="91425" rIns="91425" tIns="91425">
+          <a:bodyPr lIns="91425" tIns="91425" rIns="91425" bIns="91425" anchor="t" anchorCtr="0">
             <a:noAutofit/>
           </a:bodyPr>
           <a:lstStyle/>
@@ -7830,8 +8211,8 @@
         </p:nvSpPr>
         <p:spPr>
           <a:xfrm>
-            <a:off x="381450" y="1636375"/>
-            <a:ext cx="8381100" cy="3016800"/>
+            <a:off x="381450" y="1372215"/>
+            <a:ext cx="8381100" cy="1279546"/>
           </a:xfrm>
           <a:prstGeom prst="rect">
             <a:avLst/>
@@ -7842,7 +8223,7 @@
           </a:ln>
         </p:spPr>
         <p:txBody>
-          <a:bodyPr anchorCtr="0" anchor="t" bIns="91425" lIns="91425" rIns="91425" tIns="91425">
+          <a:bodyPr lIns="91425" tIns="91425" rIns="91425" bIns="91425" anchor="t" anchorCtr="0">
             <a:noAutofit/>
           </a:bodyPr>
           <a:lstStyle/>
@@ -7854,7 +8235,7 @@
               <a:buNone/>
             </a:pPr>
             <a:r>
-              <a:rPr lang="en" sz="1800">
+              <a:rPr lang="en" sz="1800" dirty="0">
                 <a:solidFill>
                   <a:srgbClr val="292929"/>
                 </a:solidFill>
@@ -7872,10 +8253,7 @@
               </a:spcBef>
               <a:buNone/>
             </a:pPr>
-            <a:r>
-              <a:t/>
-            </a:r>
-            <a:endParaRPr sz="1800">
+            <a:endParaRPr sz="1800" dirty="0">
               <a:solidFill>
                 <a:srgbClr val="292929"/>
               </a:solidFill>
@@ -7892,7 +8270,7 @@
               <a:buNone/>
             </a:pPr>
             <a:r>
-              <a:rPr lang="en" sz="1800">
+              <a:rPr lang="en" sz="1800" dirty="0">
                 <a:solidFill>
                   <a:srgbClr val="292929"/>
                 </a:solidFill>
@@ -7903,7 +8281,7 @@
               <a:t>					 									 </a:t>
             </a:r>
             <a:r>
-              <a:rPr lang="en" sz="1800">
+              <a:rPr lang="en" sz="1800" dirty="0" smtClean="0">
                 <a:solidFill>
                   <a:srgbClr val="333333"/>
                 </a:solidFill>
@@ -7911,7 +8289,40 @@
                   <a:srgbClr val="FFFFFF"/>
                 </a:highlight>
               </a:rPr>
-              <a:t>––Kanye West </a:t>
+              <a:t>––</a:t>
+            </a:r>
+            <a:r>
+              <a:rPr lang="en-US" sz="1800" dirty="0" smtClean="0">
+                <a:solidFill>
+                  <a:srgbClr val="333333"/>
+                </a:solidFill>
+                <a:highlight>
+                  <a:srgbClr val="FFFFFF"/>
+                </a:highlight>
+              </a:rPr>
+              <a:t> </a:t>
+            </a:r>
+            <a:r>
+              <a:rPr lang="en" sz="1800" dirty="0" smtClean="0">
+                <a:solidFill>
+                  <a:srgbClr val="333333"/>
+                </a:solidFill>
+                <a:highlight>
+                  <a:srgbClr val="FFFFFF"/>
+                </a:highlight>
+              </a:rPr>
+              <a:t>Kanye </a:t>
+            </a:r>
+            <a:r>
+              <a:rPr lang="en" sz="1800" dirty="0">
+                <a:solidFill>
+                  <a:srgbClr val="333333"/>
+                </a:solidFill>
+                <a:highlight>
+                  <a:srgbClr val="FFFFFF"/>
+                </a:highlight>
+              </a:rPr>
+              <a:t>West </a:t>
             </a:r>
           </a:p>
           <a:p>
@@ -7921,10 +8332,7 @@
               </a:spcBef>
               <a:buNone/>
             </a:pPr>
-            <a:r>
-              <a:t/>
-            </a:r>
-            <a:endParaRPr sz="1800">
+            <a:endParaRPr sz="1800" dirty="0">
               <a:solidFill>
                 <a:srgbClr val="333333"/>
               </a:solidFill>
@@ -7940,10 +8348,7 @@
               </a:spcBef>
               <a:buNone/>
             </a:pPr>
-            <a:r>
-              <a:t/>
-            </a:r>
-            <a:endParaRPr sz="1800">
+            <a:endParaRPr sz="1800" dirty="0">
               <a:solidFill>
                 <a:srgbClr val="333333"/>
               </a:solidFill>
@@ -7953,16 +8358,8 @@
             </a:endParaRPr>
           </a:p>
           <a:p>
-            <a:pPr lvl="0">
-              <a:spcBef>
-                <a:spcPts val="0"/>
-              </a:spcBef>
-              <a:buNone/>
-            </a:pPr>
-            <a:r>
-              <a:t/>
-            </a:r>
-            <a:endParaRPr sz="1800">
+            <a:pPr lvl="0"/>
+            <a:endParaRPr lang="en-US" sz="1800" dirty="0">
               <a:solidFill>
                 <a:srgbClr val="333333"/>
               </a:solidFill>
@@ -7971,14 +8368,60 @@
               </a:highlight>
             </a:endParaRPr>
           </a:p>
-          <a:p>
-            <a:pPr lvl="0" rtl="0">
+        </p:txBody>
+      </p:sp>
+      <p:sp>
+        <p:nvSpPr>
+          <p:cNvPr id="2" name="TextBox 1"/>
+          <p:cNvSpPr txBox="1"/>
+          <p:nvPr/>
+        </p:nvSpPr>
+        <p:spPr>
+          <a:xfrm>
+            <a:off x="381450" y="3302000"/>
+            <a:ext cx="8381100" cy="307777"/>
+          </a:xfrm>
+          <a:prstGeom prst="rect">
+            <a:avLst/>
+          </a:prstGeom>
+          <a:noFill/>
+        </p:spPr>
+        <p:txBody>
+          <a:bodyPr wrap="square" rtlCol="0">
+            <a:spAutoFit/>
+          </a:bodyPr>
+          <a:lstStyle/>
+          <a:p>
+            <a:endParaRPr lang="en-US" dirty="0"/>
+          </a:p>
+        </p:txBody>
+      </p:sp>
+      <p:sp>
+        <p:nvSpPr>
+          <p:cNvPr id="4" name="TextBox 3"/>
+          <p:cNvSpPr txBox="1"/>
+          <p:nvPr/>
+        </p:nvSpPr>
+        <p:spPr>
+          <a:xfrm>
+            <a:off x="381450" y="3200400"/>
+            <a:ext cx="8273500" cy="1246239"/>
+          </a:xfrm>
+          <a:prstGeom prst="rect">
+            <a:avLst/>
+          </a:prstGeom>
+          <a:noFill/>
+        </p:spPr>
+        <p:txBody>
+          <a:bodyPr wrap="square" rtlCol="0">
+            <a:spAutoFit/>
+          </a:bodyPr>
+          <a:lstStyle/>
+          <a:p>
+            <a:pPr lvl="0">
               <a:lnSpc>
                 <a:spcPct val="115000"/>
               </a:lnSpc>
-              <a:spcBef>
-                <a:spcPts val="0"/>
-              </a:spcBef>
               <a:spcAft>
                 <a:spcPts val="1600"/>
               </a:spcAft>
@@ -7986,11 +8429,9 @@
                 <a:schemeClr val="dk1"/>
               </a:buClr>
               <a:buSzPct val="61111"/>
-              <a:buFont typeface="Arial"/>
-              <a:buNone/>
             </a:pPr>
             <a:r>
-              <a:rPr lang="en" sz="1800">
+              <a:rPr lang="en-US" sz="1800" dirty="0">
                 <a:solidFill>
                   <a:srgbClr val="333333"/>
                 </a:solidFill>
@@ -7998,17 +8439,25 @@
                   <a:srgbClr val="FFFFFF"/>
                 </a:highlight>
               </a:rPr>
-              <a:t>“People love me. And you know what, I have been very successful. Everybody loves me.”</a:t>
+              <a:t>“People love me. And you know what, I have been very successful. Everybody loves me.</a:t>
             </a:r>
-          </a:p>
-          <a:p>
-            <a:pPr lvl="0" rtl="0">
+            <a:r>
+              <a:rPr lang="en-US" sz="1800" dirty="0" smtClean="0">
+                <a:solidFill>
+                  <a:srgbClr val="333333"/>
+                </a:solidFill>
+                <a:highlight>
+                  <a:srgbClr val="FFFFFF"/>
+                </a:highlight>
+              </a:rPr>
+              <a:t>”</a:t>
+            </a:r>
+          </a:p>
+          <a:p>
+            <a:pPr lvl="0">
               <a:lnSpc>
                 <a:spcPct val="115000"/>
               </a:lnSpc>
-              <a:spcBef>
-                <a:spcPts val="0"/>
-              </a:spcBef>
               <a:spcAft>
                 <a:spcPts val="1600"/>
               </a:spcAft>
@@ -8016,11 +8465,9 @@
                 <a:schemeClr val="dk1"/>
               </a:buClr>
               <a:buSzPct val="61111"/>
-              <a:buFont typeface="Arial"/>
-              <a:buNone/>
             </a:pPr>
             <a:r>
-              <a:rPr lang="en" sz="1800">
+              <a:rPr lang="en-US" sz="1800" dirty="0" smtClean="0">
                 <a:solidFill>
                   <a:srgbClr val="333333"/>
                 </a:solidFill>
@@ -8028,22 +8475,44 @@
                   <a:srgbClr val="FFFFFF"/>
                 </a:highlight>
               </a:rPr>
-              <a:t>							 							 ––Donald Trump</a:t>
+              <a:t> </a:t>
             </a:r>
-          </a:p>
-          <a:p>
-            <a:pPr lvl="0">
-              <a:spcBef>
-                <a:spcPts val="0"/>
-              </a:spcBef>
-              <a:buNone/>
-            </a:pPr>
             <a:r>
-              <a:t/>
+              <a:rPr lang="en-US" sz="1800" dirty="0">
+                <a:solidFill>
+                  <a:srgbClr val="333333"/>
+                </a:solidFill>
+                <a:highlight>
+                  <a:srgbClr val="FFFFFF"/>
+                </a:highlight>
+              </a:rPr>
+              <a:t>						 –</a:t>
             </a:r>
-            <a:endParaRPr sz="1800">
+            <a:r>
+              <a:rPr lang="en-US" sz="1800" dirty="0" smtClean="0">
+                <a:solidFill>
+                  <a:srgbClr val="333333"/>
+                </a:solidFill>
+                <a:highlight>
+                  <a:srgbClr val="FFFFFF"/>
+                </a:highlight>
+              </a:rPr>
+              <a:t>– Donald </a:t>
+            </a:r>
+            <a:r>
+              <a:rPr lang="en-US" sz="1800" dirty="0">
+                <a:solidFill>
+                  <a:srgbClr val="333333"/>
+                </a:solidFill>
+                <a:highlight>
+                  <a:srgbClr val="FFFFFF"/>
+                </a:highlight>
+              </a:rPr>
+              <a:t>Trump</a:t>
+            </a:r>
+            <a:endParaRPr lang="en-US" sz="1800" dirty="0">
               <a:solidFill>
-                <a:srgbClr val="292929"/>
+                <a:srgbClr val="333333"/>
               </a:solidFill>
               <a:highlight>
                 <a:srgbClr val="FFFFFF"/>
@@ -8061,11 +8530,11 @@
 </file>
 
 <file path=ppt/slides/slide3.xml><?xml version="1.0" encoding="utf-8"?>
-<p:sld xmlns:a="http://schemas.openxmlformats.org/drawingml/2006/main" xmlns:r="http://schemas.openxmlformats.org/officeDocument/2006/relationships" xmlns:mc="http://schemas.openxmlformats.org/markup-compatibility/2006" xmlns:mv="urn:schemas-microsoft-com:mac:vml" xmlns:p="http://schemas.openxmlformats.org/presentationml/2006/main" xmlns:c="http://schemas.openxmlformats.org/drawingml/2006/chart" xmlns:dgm="http://schemas.openxmlformats.org/drawingml/2006/diagram" xmlns:o="urn:schemas-microsoft-com:office:office" xmlns:v="urn:schemas-microsoft-com:vml" xmlns:pvml="urn:schemas-microsoft-com:office:powerpoint" xmlns:com="http://schemas.openxmlformats.org/drawingml/2006/compatibility" xmlns:p14="http://schemas.microsoft.com/office/powerpoint/2010/main">
+<p:sld xmlns:a="http://schemas.openxmlformats.org/drawingml/2006/main" xmlns:r="http://schemas.openxmlformats.org/officeDocument/2006/relationships" xmlns:p="http://schemas.openxmlformats.org/presentationml/2006/main">
   <p:cSld>
     <p:spTree>
       <p:nvGrpSpPr>
-        <p:cNvPr id="71" name="Shape 71"/>
+        <p:cNvPr id="1" name="Shape 71"/>
         <p:cNvGrpSpPr/>
         <p:nvPr/>
       </p:nvGrpSpPr>
@@ -8080,7 +8549,9 @@
       <p:sp>
         <p:nvSpPr>
           <p:cNvPr id="72" name="Shape 72"/>
-          <p:cNvSpPr txBox="1"/>
+          <p:cNvSpPr txBox="1">
+            <a:spLocks noGrp="1"/>
+          </p:cNvSpPr>
           <p:nvPr>
             <p:ph type="title"/>
           </p:nvPr>
@@ -8095,12 +8566,12 @@
           </a:prstGeom>
         </p:spPr>
         <p:txBody>
-          <a:bodyPr anchorCtr="0" anchor="t" bIns="91425" lIns="91425" rIns="91425" tIns="91425">
+          <a:bodyPr lIns="91425" tIns="91425" rIns="91425" bIns="91425" anchor="t" anchorCtr="0">
             <a:noAutofit/>
           </a:bodyPr>
           <a:lstStyle/>
           <a:p>
-            <a:pPr lvl="0" rtl="0" algn="ctr">
+            <a:pPr lvl="0" algn="ctr" rtl="0">
               <a:spcBef>
                 <a:spcPts val="0"/>
               </a:spcBef>
@@ -8116,9 +8587,11 @@
       <p:sp>
         <p:nvSpPr>
           <p:cNvPr id="73" name="Shape 73"/>
-          <p:cNvSpPr txBox="1"/>
+          <p:cNvSpPr txBox="1">
+            <a:spLocks noGrp="1"/>
+          </p:cNvSpPr>
           <p:nvPr>
-            <p:ph idx="1" type="body"/>
+            <p:ph type="body" idx="1"/>
           </p:nvPr>
         </p:nvSpPr>
         <p:spPr>
@@ -8131,7 +8604,7 @@
           </a:prstGeom>
         </p:spPr>
         <p:txBody>
-          <a:bodyPr anchorCtr="0" anchor="t" bIns="91425" lIns="91425" rIns="91425" tIns="91425">
+          <a:bodyPr lIns="91425" tIns="91425" rIns="91425" bIns="91425" anchor="t" anchorCtr="0">
             <a:noAutofit/>
           </a:bodyPr>
           <a:lstStyle/>
@@ -8143,35 +8616,51 @@
               <a:buNone/>
             </a:pPr>
             <a:r>
-              <a:rPr lang="en"/>
+              <a:rPr lang="en" dirty="0">
+                <a:solidFill>
+                  <a:schemeClr val="tx1"/>
+                </a:solidFill>
+              </a:rPr>
               <a:t>According to a study conducted on 15,000 college students</a:t>
             </a:r>
             <a:r>
-              <a:rPr baseline="30000" lang="en"/>
+              <a:rPr lang="en" baseline="30000" dirty="0">
+                <a:solidFill>
+                  <a:schemeClr val="tx1"/>
+                </a:solidFill>
+              </a:rPr>
               <a:t>1</a:t>
             </a:r>
           </a:p>
           <a:p>
-            <a:pPr indent="-228600" lvl="0" marL="914400" rtl="0">
+            <a:pPr marL="914400" lvl="0" indent="-228600" rtl="0">
               <a:spcBef>
                 <a:spcPts val="0"/>
               </a:spcBef>
               <a:buAutoNum type="arabicPeriod"/>
             </a:pPr>
             <a:r>
-              <a:rPr lang="en"/>
+              <a:rPr lang="en" dirty="0">
+                <a:solidFill>
+                  <a:schemeClr val="tx1"/>
+                </a:solidFill>
+              </a:rPr>
               <a:t>narcissism scores were significantly higher in 2000s than in 1980s.</a:t>
             </a:r>
           </a:p>
           <a:p>
-            <a:pPr indent="-228600" lvl="0" marL="914400" rtl="0">
+            <a:pPr marL="914400" lvl="0" indent="-228600" rtl="0">
               <a:spcBef>
                 <a:spcPts val="0"/>
               </a:spcBef>
               <a:buAutoNum type="arabicPeriod"/>
             </a:pPr>
             <a:r>
-              <a:rPr lang="en"/>
+              <a:rPr lang="en" dirty="0">
+                <a:solidFill>
+                  <a:schemeClr val="tx1"/>
+                </a:solidFill>
+              </a:rPr>
               <a:t>82% of surveyed high school and college students in 2013 reported “being very well off financially” was an important life goal, whereas in the early 70’s, only 45% said so. Scientists termed this an indicator of materialism, which is correlated with narcissism.</a:t>
             </a:r>
           </a:p>
@@ -8182,10 +8671,11 @@
               </a:spcBef>
               <a:buNone/>
             </a:pPr>
-            <a:r>
-              <a:t/>
-            </a:r>
-            <a:endParaRPr/>
+            <a:endParaRPr dirty="0">
+              <a:solidFill>
+                <a:schemeClr val="tx1"/>
+              </a:solidFill>
+            </a:endParaRPr>
           </a:p>
         </p:txBody>
       </p:sp>
@@ -8194,15 +8684,22 @@
   <p:clrMapOvr>
     <a:masterClrMapping/>
   </p:clrMapOvr>
+  <p:timing>
+    <p:tnLst>
+      <p:par>
+        <p:cTn xmlns:p14="http://schemas.microsoft.com/office/powerpoint/2010/main" id="1" dur="indefinite" restart="never" nodeType="tmRoot"/>
+      </p:par>
+    </p:tnLst>
+  </p:timing>
 </p:sld>
 </file>
 
 <file path=ppt/slides/slide4.xml><?xml version="1.0" encoding="utf-8"?>
-<p:sld xmlns:a="http://schemas.openxmlformats.org/drawingml/2006/main" xmlns:r="http://schemas.openxmlformats.org/officeDocument/2006/relationships" xmlns:mc="http://schemas.openxmlformats.org/markup-compatibility/2006" xmlns:mv="urn:schemas-microsoft-com:mac:vml" xmlns:p="http://schemas.openxmlformats.org/presentationml/2006/main" xmlns:c="http://schemas.openxmlformats.org/drawingml/2006/chart" xmlns:dgm="http://schemas.openxmlformats.org/drawingml/2006/diagram" xmlns:o="urn:schemas-microsoft-com:office:office" xmlns:v="urn:schemas-microsoft-com:vml" xmlns:pvml="urn:schemas-microsoft-com:office:powerpoint" xmlns:com="http://schemas.openxmlformats.org/drawingml/2006/compatibility" xmlns:p14="http://schemas.microsoft.com/office/powerpoint/2010/main">
+<p:sld xmlns:a="http://schemas.openxmlformats.org/drawingml/2006/main" xmlns:r="http://schemas.openxmlformats.org/officeDocument/2006/relationships" xmlns:p="http://schemas.openxmlformats.org/presentationml/2006/main">
   <p:cSld>
     <p:spTree>
       <p:nvGrpSpPr>
-        <p:cNvPr id="77" name="Shape 77"/>
+        <p:cNvPr id="1" name="Shape 77"/>
         <p:cNvGrpSpPr/>
         <p:nvPr/>
       </p:nvGrpSpPr>
@@ -8217,9 +8714,11 @@
       <p:sp>
         <p:nvSpPr>
           <p:cNvPr id="78" name="Shape 78"/>
-          <p:cNvSpPr txBox="1"/>
+          <p:cNvSpPr txBox="1">
+            <a:spLocks noGrp="1"/>
+          </p:cNvSpPr>
           <p:nvPr>
-            <p:ph idx="1" type="body"/>
+            <p:ph type="body" idx="1"/>
           </p:nvPr>
         </p:nvSpPr>
         <p:spPr>
@@ -8232,12 +8731,12 @@
           </a:prstGeom>
         </p:spPr>
         <p:txBody>
-          <a:bodyPr anchorCtr="0" anchor="t" bIns="91425" lIns="91425" rIns="91425" tIns="91425">
+          <a:bodyPr lIns="91425" tIns="91425" rIns="91425" bIns="91425" anchor="t" anchorCtr="0">
             <a:noAutofit/>
           </a:bodyPr>
           <a:lstStyle/>
           <a:p>
-            <a:pPr lvl="0" rtl="0" algn="ctr">
+            <a:pPr lvl="0" algn="ctr" rtl="0">
               <a:spcBef>
                 <a:spcPts val="0"/>
               </a:spcBef>
@@ -8255,15 +8754,22 @@
   <p:clrMapOvr>
     <a:masterClrMapping/>
   </p:clrMapOvr>
+  <p:timing>
+    <p:tnLst>
+      <p:par>
+        <p:cTn xmlns:p14="http://schemas.microsoft.com/office/powerpoint/2010/main" id="1" dur="indefinite" restart="never" nodeType="tmRoot"/>
+      </p:par>
+    </p:tnLst>
+  </p:timing>
 </p:sld>
 </file>
 
 <file path=ppt/slides/slide5.xml><?xml version="1.0" encoding="utf-8"?>
-<p:sld xmlns:a="http://schemas.openxmlformats.org/drawingml/2006/main" xmlns:r="http://schemas.openxmlformats.org/officeDocument/2006/relationships" xmlns:mc="http://schemas.openxmlformats.org/markup-compatibility/2006" xmlns:mv="urn:schemas-microsoft-com:mac:vml" xmlns:p="http://schemas.openxmlformats.org/presentationml/2006/main" xmlns:c="http://schemas.openxmlformats.org/drawingml/2006/chart" xmlns:dgm="http://schemas.openxmlformats.org/drawingml/2006/diagram" xmlns:o="urn:schemas-microsoft-com:office:office" xmlns:v="urn:schemas-microsoft-com:vml" xmlns:pvml="urn:schemas-microsoft-com:office:powerpoint" xmlns:com="http://schemas.openxmlformats.org/drawingml/2006/compatibility" xmlns:p14="http://schemas.microsoft.com/office/powerpoint/2010/main">
+<p:sld xmlns:a="http://schemas.openxmlformats.org/drawingml/2006/main" xmlns:r="http://schemas.openxmlformats.org/officeDocument/2006/relationships" xmlns:p="http://schemas.openxmlformats.org/presentationml/2006/main">
   <p:cSld>
     <p:spTree>
       <p:nvGrpSpPr>
-        <p:cNvPr id="82" name="Shape 82"/>
+        <p:cNvPr id="1" name="Shape 82"/>
         <p:cNvGrpSpPr/>
         <p:nvPr/>
       </p:nvGrpSpPr>
@@ -8278,7 +8784,9 @@
       <p:sp>
         <p:nvSpPr>
           <p:cNvPr id="83" name="Shape 83"/>
-          <p:cNvSpPr txBox="1"/>
+          <p:cNvSpPr txBox="1">
+            <a:spLocks noGrp="1"/>
+          </p:cNvSpPr>
           <p:nvPr>
             <p:ph type="title"/>
           </p:nvPr>
@@ -8293,7 +8801,7 @@
           </a:prstGeom>
         </p:spPr>
         <p:txBody>
-          <a:bodyPr anchorCtr="0" anchor="t" bIns="91425" lIns="91425" rIns="91425" tIns="91425">
+          <a:bodyPr lIns="91425" tIns="91425" rIns="91425" bIns="91425" anchor="t" anchorCtr="0">
             <a:noAutofit/>
           </a:bodyPr>
           <a:lstStyle/>
@@ -8305,7 +8813,7 @@
               <a:buNone/>
             </a:pPr>
             <a:r>
-              <a:rPr lang="en"/>
+              <a:rPr lang="en" dirty="0"/>
               <a:t>About the Datasets</a:t>
             </a:r>
           </a:p>
@@ -8314,14 +8822,16 @@
       <p:sp>
         <p:nvSpPr>
           <p:cNvPr id="84" name="Shape 84"/>
-          <p:cNvSpPr txBox="1"/>
+          <p:cNvSpPr txBox="1">
+            <a:spLocks noGrp="1"/>
+          </p:cNvSpPr>
           <p:nvPr>
-            <p:ph idx="1" type="body"/>
+            <p:ph type="body" idx="1"/>
           </p:nvPr>
         </p:nvSpPr>
         <p:spPr>
           <a:xfrm>
-            <a:off x="311700" y="1152475"/>
+            <a:off x="311700" y="1000075"/>
             <a:ext cx="8520600" cy="3923100"/>
           </a:xfrm>
           <a:prstGeom prst="rect">
@@ -8329,12 +8839,12 @@
           </a:prstGeom>
         </p:spPr>
         <p:txBody>
-          <a:bodyPr anchorCtr="0" anchor="t" bIns="91425" lIns="91425" rIns="91425" tIns="91425">
-            <a:noAutofit/>
+          <a:bodyPr lIns="91425" tIns="91425" rIns="91425" bIns="91425" anchor="t" anchorCtr="0">
+            <a:normAutofit fontScale="85000" lnSpcReduction="10000"/>
           </a:bodyPr>
           <a:lstStyle/>
           <a:p>
-            <a:pPr indent="-228600" lvl="0" marL="457200" rtl="0">
+            <a:pPr marL="457200" lvl="0" indent="-228600" rtl="0">
               <a:lnSpc>
                 <a:spcPct val="115000"/>
               </a:lnSpc>
@@ -8344,16 +8854,16 @@
               <a:buAutoNum type="arabicPeriod"/>
             </a:pPr>
             <a:r>
-              <a:rPr lang="en"/>
-              <a:t>Two</a:t>
+              <a:rPr lang="en" dirty="0">
+                <a:solidFill>
+                  <a:srgbClr val="000000"/>
+                </a:solidFill>
+              </a:rPr>
+              <a:t>Two baby name files were downloaded from Kaggle.com (originally from Data.gov)</a:t>
             </a:r>
-            <a:r>
-              <a:rPr lang="en"/>
-              <a:t> baby name files were downloaded from Kaggle.com (originally from Data.gov)</a:t>
-            </a:r>
-          </a:p>
-          <a:p>
-            <a:pPr indent="-228600" lvl="1" marL="914400" rtl="0">
+          </a:p>
+          <a:p>
+            <a:pPr marL="914400" lvl="1" indent="-228600" rtl="0">
               <a:lnSpc>
                 <a:spcPct val="115000"/>
               </a:lnSpc>
@@ -8362,16 +8872,24 @@
               </a:spcBef>
             </a:pPr>
             <a:r>
-              <a:rPr b="1" lang="en"/>
+              <a:rPr lang="en" b="1" dirty="0">
+                <a:solidFill>
+                  <a:srgbClr val="000000"/>
+                </a:solidFill>
+              </a:rPr>
               <a:t>“Baby names across U.S.”</a:t>
             </a:r>
             <a:r>
-              <a:rPr lang="en"/>
+              <a:rPr lang="en" dirty="0">
+                <a:solidFill>
+                  <a:srgbClr val="000000"/>
+                </a:solidFill>
+              </a:rPr>
               <a:t>: </a:t>
             </a:r>
           </a:p>
           <a:p>
-            <a:pPr indent="-228600" lvl="2" marL="1371600" rtl="0">
+            <a:pPr marL="1371600" lvl="2" indent="-228600" rtl="0">
               <a:lnSpc>
                 <a:spcPct val="115000"/>
               </a:lnSpc>
@@ -8380,12 +8898,16 @@
               </a:spcBef>
             </a:pPr>
             <a:r>
-              <a:rPr lang="en"/>
+              <a:rPr lang="en" dirty="0">
+                <a:solidFill>
+                  <a:srgbClr val="000000"/>
+                </a:solidFill>
+              </a:rPr>
               <a:t>Attributes: Name, Year(1914-2014), Gender, Count</a:t>
             </a:r>
           </a:p>
           <a:p>
-            <a:pPr indent="-228600" lvl="2" marL="1371600" rtl="0">
+            <a:pPr marL="1371600" lvl="2" indent="-228600" rtl="0">
               <a:lnSpc>
                 <a:spcPct val="115000"/>
               </a:lnSpc>
@@ -8394,12 +8916,16 @@
               </a:spcBef>
             </a:pPr>
             <a:r>
-              <a:rPr lang="en"/>
+              <a:rPr lang="en" dirty="0">
+                <a:solidFill>
+                  <a:srgbClr val="000000"/>
+                </a:solidFill>
+              </a:rPr>
               <a:t>Observations: ~200k</a:t>
             </a:r>
           </a:p>
           <a:p>
-            <a:pPr indent="-228600" lvl="1" marL="914400" rtl="0">
+            <a:pPr marL="914400" lvl="1" indent="-228600" rtl="0">
               <a:lnSpc>
                 <a:spcPct val="115000"/>
               </a:lnSpc>
@@ -8408,16 +8934,24 @@
               </a:spcBef>
             </a:pPr>
             <a:r>
-              <a:rPr b="1" lang="en"/>
+              <a:rPr lang="en" b="1" dirty="0">
+                <a:solidFill>
+                  <a:srgbClr val="000000"/>
+                </a:solidFill>
+              </a:rPr>
               <a:t>“Baby names ordered by state”</a:t>
             </a:r>
             <a:r>
-              <a:rPr lang="en"/>
+              <a:rPr lang="en" dirty="0">
+                <a:solidFill>
+                  <a:srgbClr val="000000"/>
+                </a:solidFill>
+              </a:rPr>
               <a:t>: </a:t>
             </a:r>
           </a:p>
           <a:p>
-            <a:pPr indent="-228600" lvl="2" marL="1371600" rtl="0">
+            <a:pPr marL="1371600" lvl="2" indent="-228600" rtl="0">
               <a:lnSpc>
                 <a:spcPct val="115000"/>
               </a:lnSpc>
@@ -8426,12 +8960,16 @@
               </a:spcBef>
             </a:pPr>
             <a:r>
-              <a:rPr lang="en"/>
+              <a:rPr lang="en" dirty="0">
+                <a:solidFill>
+                  <a:srgbClr val="000000"/>
+                </a:solidFill>
+              </a:rPr>
               <a:t>Attributes: Name, Year(1914-2014), Gender, State, Count</a:t>
             </a:r>
           </a:p>
           <a:p>
-            <a:pPr indent="-228600" lvl="2" marL="1371600" rtl="0">
+            <a:pPr marL="1371600" lvl="2" indent="-228600" rtl="0">
               <a:lnSpc>
                 <a:spcPct val="115000"/>
               </a:lnSpc>
@@ -8440,7 +8978,11 @@
               </a:spcBef>
             </a:pPr>
             <a:r>
-              <a:rPr lang="en"/>
+              <a:rPr lang="en" dirty="0">
+                <a:solidFill>
+                  <a:srgbClr val="000000"/>
+                </a:solidFill>
+              </a:rPr>
               <a:t>Observations: ~600k</a:t>
             </a:r>
           </a:p>
@@ -8455,12 +8997,16 @@
               <a:buNone/>
             </a:pPr>
             <a:r>
-              <a:rPr lang="en" sz="1600"/>
+              <a:rPr lang="en" sz="1600" dirty="0">
+                <a:solidFill>
+                  <a:srgbClr val="000000"/>
+                </a:solidFill>
+              </a:rPr>
               <a:t>(Note: for privacy reasons, all names that occurred less than 5 times were excluded from baby name files)</a:t>
             </a:r>
           </a:p>
           <a:p>
-            <a:pPr indent="-228600" lvl="0" marL="457200" rtl="0">
+            <a:pPr marL="457200" lvl="0" indent="-228600" rtl="0">
               <a:lnSpc>
                 <a:spcPct val="100000"/>
               </a:lnSpc>
@@ -8470,7 +9016,11 @@
               <a:buAutoNum type="arabicPeriod"/>
             </a:pPr>
             <a:r>
-              <a:rPr lang="en"/>
+              <a:rPr lang="en" dirty="0">
+                <a:solidFill>
+                  <a:srgbClr val="000000"/>
+                </a:solidFill>
+              </a:rPr>
               <a:t>Yearly population change(1914-2014) downloaded from Census.gov</a:t>
             </a:r>
           </a:p>
@@ -8484,10 +9034,11 @@
               </a:spcBef>
               <a:buNone/>
             </a:pPr>
-            <a:r>
-              <a:t/>
-            </a:r>
-            <a:endParaRPr/>
+            <a:endParaRPr dirty="0">
+              <a:solidFill>
+                <a:srgbClr val="000000"/>
+              </a:solidFill>
+            </a:endParaRPr>
           </a:p>
           <a:p>
             <a:pPr lvl="0" rtl="0">
@@ -8499,10 +9050,11 @@
               </a:spcBef>
               <a:buNone/>
             </a:pPr>
-            <a:r>
-              <a:t/>
-            </a:r>
-            <a:endParaRPr sz="1600"/>
+            <a:endParaRPr sz="1600" dirty="0">
+              <a:solidFill>
+                <a:srgbClr val="000000"/>
+              </a:solidFill>
+            </a:endParaRPr>
           </a:p>
         </p:txBody>
       </p:sp>
@@ -8511,15 +9063,22 @@
   <p:clrMapOvr>
     <a:masterClrMapping/>
   </p:clrMapOvr>
+  <p:timing>
+    <p:tnLst>
+      <p:par>
+        <p:cTn xmlns:p14="http://schemas.microsoft.com/office/powerpoint/2010/main" id="1" dur="indefinite" restart="never" nodeType="tmRoot"/>
+      </p:par>
+    </p:tnLst>
+  </p:timing>
 </p:sld>
 </file>
 
 <file path=ppt/slides/slide6.xml><?xml version="1.0" encoding="utf-8"?>
-<p:sld xmlns:a="http://schemas.openxmlformats.org/drawingml/2006/main" xmlns:r="http://schemas.openxmlformats.org/officeDocument/2006/relationships" xmlns:mc="http://schemas.openxmlformats.org/markup-compatibility/2006" xmlns:mv="urn:schemas-microsoft-com:mac:vml" xmlns:p="http://schemas.openxmlformats.org/presentationml/2006/main" xmlns:c="http://schemas.openxmlformats.org/drawingml/2006/chart" xmlns:dgm="http://schemas.openxmlformats.org/drawingml/2006/diagram" xmlns:o="urn:schemas-microsoft-com:office:office" xmlns:v="urn:schemas-microsoft-com:vml" xmlns:pvml="urn:schemas-microsoft-com:office:powerpoint" xmlns:com="http://schemas.openxmlformats.org/drawingml/2006/compatibility" xmlns:p14="http://schemas.microsoft.com/office/powerpoint/2010/main">
+<p:sld xmlns:a="http://schemas.openxmlformats.org/drawingml/2006/main" xmlns:r="http://schemas.openxmlformats.org/officeDocument/2006/relationships" xmlns:p="http://schemas.openxmlformats.org/presentationml/2006/main">
   <p:cSld>
     <p:spTree>
       <p:nvGrpSpPr>
-        <p:cNvPr id="88" name="Shape 88"/>
+        <p:cNvPr id="1" name="Shape 88"/>
         <p:cNvGrpSpPr/>
         <p:nvPr/>
       </p:nvGrpSpPr>
@@ -8534,7 +9093,9 @@
       <p:sp>
         <p:nvSpPr>
           <p:cNvPr id="89" name="Shape 89"/>
-          <p:cNvSpPr txBox="1"/>
+          <p:cNvSpPr txBox="1">
+            <a:spLocks noGrp="1"/>
+          </p:cNvSpPr>
           <p:nvPr>
             <p:ph type="title"/>
           </p:nvPr>
@@ -8549,7 +9110,7 @@
           </a:prstGeom>
         </p:spPr>
         <p:txBody>
-          <a:bodyPr anchorCtr="0" anchor="t" bIns="91425" lIns="91425" rIns="91425" tIns="91425">
+          <a:bodyPr lIns="91425" tIns="91425" rIns="91425" bIns="91425" anchor="t" anchorCtr="0">
             <a:noAutofit/>
           </a:bodyPr>
           <a:lstStyle/>
@@ -8570,9 +9131,11 @@
       <p:sp>
         <p:nvSpPr>
           <p:cNvPr id="90" name="Shape 90"/>
-          <p:cNvSpPr txBox="1"/>
+          <p:cNvSpPr txBox="1">
+            <a:spLocks noGrp="1"/>
+          </p:cNvSpPr>
           <p:nvPr>
-            <p:ph idx="1" type="body"/>
+            <p:ph type="body" idx="1"/>
           </p:nvPr>
         </p:nvSpPr>
         <p:spPr>
@@ -8585,7 +9148,7 @@
           </a:prstGeom>
         </p:spPr>
         <p:txBody>
-          <a:bodyPr anchorCtr="0" anchor="t" bIns="91425" lIns="91425" rIns="91425" tIns="91425">
+          <a:bodyPr lIns="91425" tIns="91425" rIns="91425" bIns="91425" anchor="t" anchorCtr="0">
             <a:noAutofit/>
           </a:bodyPr>
           <a:lstStyle/>
@@ -8601,7 +9164,7 @@
               <a:t>Hypothesis 1: Are parents giving their babies </a:t>
             </a:r>
             <a:r>
-              <a:rPr b="1" lang="en"/>
+              <a:rPr lang="en" b="1"/>
               <a:t>unique names</a:t>
             </a:r>
             <a:r>
@@ -8616,15 +9179,22 @@
   <p:clrMapOvr>
     <a:masterClrMapping/>
   </p:clrMapOvr>
+  <p:timing>
+    <p:tnLst>
+      <p:par>
+        <p:cTn xmlns:p14="http://schemas.microsoft.com/office/powerpoint/2010/main" id="1" dur="indefinite" restart="never" nodeType="tmRoot"/>
+      </p:par>
+    </p:tnLst>
+  </p:timing>
 </p:sld>
 </file>
 
 <file path=ppt/slides/slide7.xml><?xml version="1.0" encoding="utf-8"?>
-<p:sld xmlns:a="http://schemas.openxmlformats.org/drawingml/2006/main" xmlns:r="http://schemas.openxmlformats.org/officeDocument/2006/relationships" xmlns:mc="http://schemas.openxmlformats.org/markup-compatibility/2006" xmlns:mv="urn:schemas-microsoft-com:mac:vml" xmlns:p="http://schemas.openxmlformats.org/presentationml/2006/main" xmlns:c="http://schemas.openxmlformats.org/drawingml/2006/chart" xmlns:dgm="http://schemas.openxmlformats.org/drawingml/2006/diagram" xmlns:o="urn:schemas-microsoft-com:office:office" xmlns:v="urn:schemas-microsoft-com:vml" xmlns:pvml="urn:schemas-microsoft-com:office:powerpoint" xmlns:com="http://schemas.openxmlformats.org/drawingml/2006/compatibility" xmlns:p14="http://schemas.microsoft.com/office/powerpoint/2010/main">
+<p:sld xmlns:a="http://schemas.openxmlformats.org/drawingml/2006/main" xmlns:r="http://schemas.openxmlformats.org/officeDocument/2006/relationships" xmlns:p="http://schemas.openxmlformats.org/presentationml/2006/main">
   <p:cSld>
     <p:spTree>
       <p:nvGrpSpPr>
-        <p:cNvPr id="94" name="Shape 94"/>
+        <p:cNvPr id="1" name="Shape 94"/>
         <p:cNvGrpSpPr/>
         <p:nvPr/>
       </p:nvGrpSpPr>
@@ -8638,7 +9208,7 @@
       </p:grpSpPr>
       <p:pic>
         <p:nvPicPr>
-          <p:cNvPr descr="unique_baby.png" id="95" name="Shape 95"/>
+          <p:cNvPr id="95" name="Shape 95" descr="unique_baby.png"/>
           <p:cNvPicPr preferRelativeResize="0"/>
           <p:nvPr/>
         </p:nvPicPr>
@@ -8686,7 +9256,7 @@
           </a:ln>
         </p:spPr>
         <p:txBody>
-          <a:bodyPr anchorCtr="0" anchor="t" bIns="91425" lIns="91425" rIns="91425" tIns="91425">
+          <a:bodyPr lIns="91425" tIns="91425" rIns="91425" bIns="91425" anchor="t" anchorCtr="0">
             <a:noAutofit/>
           </a:bodyPr>
           <a:lstStyle/>
@@ -8698,7 +9268,7 @@
               <a:buNone/>
             </a:pPr>
             <a:r>
-              <a:rPr lang="en" sz="2400">
+              <a:rPr lang="en" sz="2400" dirty="0">
                 <a:solidFill>
                   <a:srgbClr val="E69138"/>
                 </a:solidFill>
@@ -8713,15 +9283,93 @@
   <p:clrMapOvr>
     <a:masterClrMapping/>
   </p:clrMapOvr>
+  <p:timing>
+    <p:tnLst>
+      <p:par>
+        <p:cTn xmlns:p14="http://schemas.microsoft.com/office/powerpoint/2010/main" id="1" dur="indefinite" restart="never" nodeType="tmRoot">
+          <p:childTnLst>
+            <p:seq concurrent="1" nextAc="seek">
+              <p:cTn id="2" dur="indefinite" nodeType="mainSeq">
+                <p:childTnLst>
+                  <p:par>
+                    <p:cTn id="3" fill="hold">
+                      <p:stCondLst>
+                        <p:cond delay="indefinite"/>
+                      </p:stCondLst>
+                      <p:childTnLst>
+                        <p:par>
+                          <p:cTn id="4" fill="hold">
+                            <p:stCondLst>
+                              <p:cond delay="0"/>
+                            </p:stCondLst>
+                            <p:childTnLst>
+                              <p:par>
+                                <p:cTn id="5" presetID="1" presetClass="entr" presetSubtype="0" fill="hold" grpId="0" nodeType="clickEffect">
+                                  <p:stCondLst>
+                                    <p:cond delay="0"/>
+                                  </p:stCondLst>
+                                  <p:childTnLst>
+                                    <p:set>
+                                      <p:cBhvr>
+                                        <p:cTn id="6" dur="1" fill="hold">
+                                          <p:stCondLst>
+                                            <p:cond delay="0"/>
+                                          </p:stCondLst>
+                                        </p:cTn>
+                                        <p:tgtEl>
+                                          <p:spTgt spid="96"/>
+                                        </p:tgtEl>
+                                        <p:attrNameLst>
+                                          <p:attrName>style.visibility</p:attrName>
+                                        </p:attrNameLst>
+                                      </p:cBhvr>
+                                      <p:to>
+                                        <p:strVal val="visible"/>
+                                      </p:to>
+                                    </p:set>
+                                  </p:childTnLst>
+                                </p:cTn>
+                              </p:par>
+                            </p:childTnLst>
+                          </p:cTn>
+                        </p:par>
+                      </p:childTnLst>
+                    </p:cTn>
+                  </p:par>
+                </p:childTnLst>
+              </p:cTn>
+              <p:prevCondLst>
+                <p:cond evt="onPrev" delay="0">
+                  <p:tgtEl>
+                    <p:sldTgt/>
+                  </p:tgtEl>
+                </p:cond>
+              </p:prevCondLst>
+              <p:nextCondLst>
+                <p:cond evt="onNext" delay="0">
+                  <p:tgtEl>
+                    <p:sldTgt/>
+                  </p:tgtEl>
+                </p:cond>
+              </p:nextCondLst>
+            </p:seq>
+          </p:childTnLst>
+        </p:cTn>
+      </p:par>
+    </p:tnLst>
+    <p:bldLst>
+      <p:bldP spid="96" grpId="0" animBg="1"/>
+    </p:bldLst>
+  </p:timing>
 </p:sld>
 </file>
 
 <file path=ppt/slides/slide8.xml><?xml version="1.0" encoding="utf-8"?>
-<p:sld xmlns:a="http://schemas.openxmlformats.org/drawingml/2006/main" xmlns:r="http://schemas.openxmlformats.org/officeDocument/2006/relationships" xmlns:mc="http://schemas.openxmlformats.org/markup-compatibility/2006" xmlns:mv="urn:schemas-microsoft-com:mac:vml" xmlns:p="http://schemas.openxmlformats.org/presentationml/2006/main" xmlns:c="http://schemas.openxmlformats.org/drawingml/2006/chart" xmlns:dgm="http://schemas.openxmlformats.org/drawingml/2006/diagram" xmlns:o="urn:schemas-microsoft-com:office:office" xmlns:v="urn:schemas-microsoft-com:vml" xmlns:pvml="urn:schemas-microsoft-com:office:powerpoint" xmlns:com="http://schemas.openxmlformats.org/drawingml/2006/compatibility" xmlns:p14="http://schemas.microsoft.com/office/powerpoint/2010/main">
+<p:sld xmlns:a="http://schemas.openxmlformats.org/drawingml/2006/main" xmlns:r="http://schemas.openxmlformats.org/officeDocument/2006/relationships" xmlns:p="http://schemas.openxmlformats.org/presentationml/2006/main">
   <p:cSld>
     <p:spTree>
       <p:nvGrpSpPr>
-        <p:cNvPr id="100" name="Shape 100"/>
+        <p:cNvPr id="1" name="Shape 100"/>
         <p:cNvGrpSpPr/>
         <p:nvPr/>
       </p:nvGrpSpPr>
@@ -8735,7 +9383,7 @@
       </p:grpSpPr>
       <p:pic>
         <p:nvPicPr>
-          <p:cNvPr descr="population.png" id="101" name="Shape 101"/>
+          <p:cNvPr id="101" name="Shape 101" descr="population.png"/>
           <p:cNvPicPr preferRelativeResize="0"/>
           <p:nvPr/>
         </p:nvPicPr>
@@ -8766,15 +9414,22 @@
   <p:clrMapOvr>
     <a:masterClrMapping/>
   </p:clrMapOvr>
+  <p:timing>
+    <p:tnLst>
+      <p:par>
+        <p:cTn xmlns:p14="http://schemas.microsoft.com/office/powerpoint/2010/main" id="1" dur="indefinite" restart="never" nodeType="tmRoot"/>
+      </p:par>
+    </p:tnLst>
+  </p:timing>
 </p:sld>
 </file>
 
 <file path=ppt/slides/slide9.xml><?xml version="1.0" encoding="utf-8"?>
-<p:sld xmlns:a="http://schemas.openxmlformats.org/drawingml/2006/main" xmlns:r="http://schemas.openxmlformats.org/officeDocument/2006/relationships" xmlns:mc="http://schemas.openxmlformats.org/markup-compatibility/2006" xmlns:mv="urn:schemas-microsoft-com:mac:vml" xmlns:p="http://schemas.openxmlformats.org/presentationml/2006/main" xmlns:c="http://schemas.openxmlformats.org/drawingml/2006/chart" xmlns:dgm="http://schemas.openxmlformats.org/drawingml/2006/diagram" xmlns:o="urn:schemas-microsoft-com:office:office" xmlns:v="urn:schemas-microsoft-com:vml" xmlns:pvml="urn:schemas-microsoft-com:office:powerpoint" xmlns:com="http://schemas.openxmlformats.org/drawingml/2006/compatibility" xmlns:p14="http://schemas.microsoft.com/office/powerpoint/2010/main">
+<p:sld xmlns:a="http://schemas.openxmlformats.org/drawingml/2006/main" xmlns:r="http://schemas.openxmlformats.org/officeDocument/2006/relationships" xmlns:p="http://schemas.openxmlformats.org/presentationml/2006/main">
   <p:cSld>
     <p:spTree>
       <p:nvGrpSpPr>
-        <p:cNvPr id="105" name="Shape 105"/>
+        <p:cNvPr id="1" name="Shape 105"/>
         <p:cNvGrpSpPr/>
         <p:nvPr/>
       </p:nvGrpSpPr>
@@ -8788,7 +9443,7 @@
       </p:grpSpPr>
       <p:pic>
         <p:nvPicPr>
-          <p:cNvPr descr="name_against_population.png" id="106" name="Shape 106"/>
+          <p:cNvPr id="106" name="Shape 106" descr="name_against_population.png"/>
           <p:cNvPicPr preferRelativeResize="0"/>
           <p:nvPr/>
         </p:nvPicPr>
@@ -8819,11 +9474,18 @@
   <p:clrMapOvr>
     <a:masterClrMapping/>
   </p:clrMapOvr>
+  <p:timing>
+    <p:tnLst>
+      <p:par>
+        <p:cTn xmlns:p14="http://schemas.microsoft.com/office/powerpoint/2010/main" id="1" dur="indefinite" restart="never" nodeType="tmRoot"/>
+      </p:par>
+    </p:tnLst>
+  </p:timing>
 </p:sld>
 </file>
 
 <file path=ppt/theme/theme1.xml><?xml version="1.0" encoding="utf-8"?>
-<a:theme xmlns:a="http://schemas.openxmlformats.org/drawingml/2006/main" xmlns:r="http://schemas.openxmlformats.org/officeDocument/2006/relationships" name="simple-light-2">
+<a:theme xmlns:a="http://schemas.openxmlformats.org/drawingml/2006/main" name="simple-light-2">
   <a:themeElements>
     <a:clrScheme name="Simple Light">
       <a:dk1>
@@ -9098,11 +9760,13 @@
       </a:bgFillStyleLst>
     </a:fmtScheme>
   </a:themeElements>
+  <a:objectDefaults/>
+  <a:extraClrSchemeLst/>
 </a:theme>
 </file>
 
 <file path=ppt/theme/theme2.xml><?xml version="1.0" encoding="utf-8"?>
-<a:theme xmlns:a="http://schemas.openxmlformats.org/drawingml/2006/main" xmlns:r="http://schemas.openxmlformats.org/officeDocument/2006/relationships" name="Custom Theme">
+<a:theme xmlns:a="http://schemas.openxmlformats.org/drawingml/2006/main" name="Custom Theme">
   <a:themeElements>
     <a:clrScheme name="Default">
       <a:dk1>
@@ -9377,5 +10041,7 @@
       </a:bgFillStyleLst>
     </a:fmtScheme>
   </a:themeElements>
+  <a:objectDefaults/>
+  <a:extraClrSchemeLst/>
 </a:theme>
 </file>
--- a/Project1-ExploreVis/JieleiZhu/Bootcamp_ Project#1.pptx
+++ b/Project1-ExploreVis/JieleiZhu/Bootcamp_ Project#1.pptx
@@ -929,7 +929,7 @@
         </p:nvSpPr>
         <p:spPr>
           <a:xfrm>
-            <a:off x="381300" y="685800"/>
+            <a:off x="381000" y="685800"/>
             <a:ext cx="6096000" cy="3429000"/>
           </a:xfrm>
           <a:custGeom>
@@ -1131,7 +1131,7 @@
         </p:nvSpPr>
         <p:spPr>
           <a:xfrm>
-            <a:off x="381300" y="685800"/>
+            <a:off x="381000" y="685800"/>
             <a:ext cx="6096000" cy="3429000"/>
           </a:xfrm>
           <a:custGeom>
@@ -1832,7 +1832,7 @@
         </p:nvSpPr>
         <p:spPr>
           <a:xfrm>
-            <a:off x="381300" y="685800"/>
+            <a:off x="381000" y="685800"/>
             <a:ext cx="6096000" cy="3429000"/>
           </a:xfrm>
           <a:custGeom>
@@ -2034,7 +2034,7 @@
         </p:nvSpPr>
         <p:spPr>
           <a:xfrm>
-            <a:off x="381300" y="685800"/>
+            <a:off x="381000" y="685800"/>
             <a:ext cx="6096000" cy="3429000"/>
           </a:xfrm>
           <a:custGeom>
@@ -6037,6 +6037,221 @@
   <p:clrMapOvr>
     <a:masterClrMapping/>
   </p:clrMapOvr>
+  <p:timing>
+    <p:tnLst>
+      <p:par>
+        <p:cTn xmlns:p14="http://schemas.microsoft.com/office/powerpoint/2010/main" id="1" dur="indefinite" restart="never" nodeType="tmRoot">
+          <p:childTnLst>
+            <p:seq concurrent="1" nextAc="seek">
+              <p:cTn id="2" dur="indefinite" nodeType="mainSeq">
+                <p:childTnLst>
+                  <p:par>
+                    <p:cTn id="3" fill="hold">
+                      <p:stCondLst>
+                        <p:cond delay="indefinite"/>
+                      </p:stCondLst>
+                      <p:childTnLst>
+                        <p:par>
+                          <p:cTn id="4" fill="hold">
+                            <p:stCondLst>
+                              <p:cond delay="0"/>
+                            </p:stCondLst>
+                            <p:childTnLst>
+                              <p:par>
+                                <p:cTn id="5" presetID="1" presetClass="entr" presetSubtype="0" fill="hold" nodeType="clickEffect">
+                                  <p:stCondLst>
+                                    <p:cond delay="0"/>
+                                  </p:stCondLst>
+                                  <p:childTnLst>
+                                    <p:set>
+                                      <p:cBhvr>
+                                        <p:cTn id="6" dur="1" fill="hold">
+                                          <p:stCondLst>
+                                            <p:cond delay="0"/>
+                                          </p:stCondLst>
+                                        </p:cTn>
+                                        <p:tgtEl>
+                                          <p:spTgt spid="54"/>
+                                        </p:tgtEl>
+                                        <p:attrNameLst>
+                                          <p:attrName>style.visibility</p:attrName>
+                                        </p:attrNameLst>
+                                      </p:cBhvr>
+                                      <p:to>
+                                        <p:strVal val="visible"/>
+                                      </p:to>
+                                    </p:set>
+                                  </p:childTnLst>
+                                </p:cTn>
+                              </p:par>
+                              <p:par>
+                                <p:cTn id="7" presetID="1" presetClass="entr" presetSubtype="0" fill="hold" grpId="0" nodeType="withEffect">
+                                  <p:stCondLst>
+                                    <p:cond delay="0"/>
+                                  </p:stCondLst>
+                                  <p:childTnLst>
+                                    <p:set>
+                                      <p:cBhvr>
+                                        <p:cTn id="8" dur="1" fill="hold">
+                                          <p:stCondLst>
+                                            <p:cond delay="0"/>
+                                          </p:stCondLst>
+                                        </p:cTn>
+                                        <p:tgtEl>
+                                          <p:spTgt spid="57"/>
+                                        </p:tgtEl>
+                                        <p:attrNameLst>
+                                          <p:attrName>style.visibility</p:attrName>
+                                        </p:attrNameLst>
+                                      </p:cBhvr>
+                                      <p:to>
+                                        <p:strVal val="visible"/>
+                                      </p:to>
+                                    </p:set>
+                                  </p:childTnLst>
+                                </p:cTn>
+                              </p:par>
+                              <p:par>
+                                <p:cTn id="9" presetID="1" presetClass="entr" presetSubtype="0" fill="hold" nodeType="withEffect">
+                                  <p:stCondLst>
+                                    <p:cond delay="0"/>
+                                  </p:stCondLst>
+                                  <p:childTnLst>
+                                    <p:set>
+                                      <p:cBhvr>
+                                        <p:cTn id="10" dur="1" fill="hold">
+                                          <p:stCondLst>
+                                            <p:cond delay="0"/>
+                                          </p:stCondLst>
+                                        </p:cTn>
+                                        <p:tgtEl>
+                                          <p:spTgt spid="59"/>
+                                        </p:tgtEl>
+                                        <p:attrNameLst>
+                                          <p:attrName>style.visibility</p:attrName>
+                                        </p:attrNameLst>
+                                      </p:cBhvr>
+                                      <p:to>
+                                        <p:strVal val="visible"/>
+                                      </p:to>
+                                    </p:set>
+                                  </p:childTnLst>
+                                </p:cTn>
+                              </p:par>
+                              <p:par>
+                                <p:cTn id="11" presetID="1" presetClass="entr" presetSubtype="0" fill="hold" grpId="0" nodeType="withEffect">
+                                  <p:stCondLst>
+                                    <p:cond delay="0"/>
+                                  </p:stCondLst>
+                                  <p:childTnLst>
+                                    <p:set>
+                                      <p:cBhvr>
+                                        <p:cTn id="12" dur="1" fill="hold">
+                                          <p:stCondLst>
+                                            <p:cond delay="0"/>
+                                          </p:stCondLst>
+                                        </p:cTn>
+                                        <p:tgtEl>
+                                          <p:spTgt spid="60"/>
+                                        </p:tgtEl>
+                                        <p:attrNameLst>
+                                          <p:attrName>style.visibility</p:attrName>
+                                        </p:attrNameLst>
+                                      </p:cBhvr>
+                                      <p:to>
+                                        <p:strVal val="visible"/>
+                                      </p:to>
+                                    </p:set>
+                                  </p:childTnLst>
+                                </p:cTn>
+                              </p:par>
+                              <p:par>
+                                <p:cTn id="13" presetID="1" presetClass="entr" presetSubtype="0" fill="hold" grpId="0" nodeType="withEffect">
+                                  <p:stCondLst>
+                                    <p:cond delay="0"/>
+                                  </p:stCondLst>
+                                  <p:childTnLst>
+                                    <p:set>
+                                      <p:cBhvr>
+                                        <p:cTn id="14" dur="1" fill="hold">
+                                          <p:stCondLst>
+                                            <p:cond delay="0"/>
+                                          </p:stCondLst>
+                                        </p:cTn>
+                                        <p:tgtEl>
+                                          <p:spTgt spid="61"/>
+                                        </p:tgtEl>
+                                        <p:attrNameLst>
+                                          <p:attrName>style.visibility</p:attrName>
+                                        </p:attrNameLst>
+                                      </p:cBhvr>
+                                      <p:to>
+                                        <p:strVal val="visible"/>
+                                      </p:to>
+                                    </p:set>
+                                  </p:childTnLst>
+                                </p:cTn>
+                              </p:par>
+                              <p:par>
+                                <p:cTn id="15" presetID="1" presetClass="entr" presetSubtype="0" fill="hold" nodeType="withEffect">
+                                  <p:stCondLst>
+                                    <p:cond delay="0"/>
+                                  </p:stCondLst>
+                                  <p:childTnLst>
+                                    <p:set>
+                                      <p:cBhvr>
+                                        <p:cTn id="16" dur="1" fill="hold">
+                                          <p:stCondLst>
+                                            <p:cond delay="0"/>
+                                          </p:stCondLst>
+                                        </p:cTn>
+                                        <p:tgtEl>
+                                          <p:spTgt spid="58"/>
+                                        </p:tgtEl>
+                                        <p:attrNameLst>
+                                          <p:attrName>style.visibility</p:attrName>
+                                        </p:attrNameLst>
+                                      </p:cBhvr>
+                                      <p:to>
+                                        <p:strVal val="visible"/>
+                                      </p:to>
+                                    </p:set>
+                                  </p:childTnLst>
+                                </p:cTn>
+                              </p:par>
+                            </p:childTnLst>
+                          </p:cTn>
+                        </p:par>
+                      </p:childTnLst>
+                    </p:cTn>
+                  </p:par>
+                </p:childTnLst>
+              </p:cTn>
+              <p:prevCondLst>
+                <p:cond evt="onPrev" delay="0">
+                  <p:tgtEl>
+                    <p:sldTgt/>
+                  </p:tgtEl>
+                </p:cond>
+              </p:prevCondLst>
+              <p:nextCondLst>
+                <p:cond evt="onNext" delay="0">
+                  <p:tgtEl>
+                    <p:sldTgt/>
+                  </p:tgtEl>
+                </p:cond>
+              </p:nextCondLst>
+            </p:seq>
+          </p:childTnLst>
+        </p:cTn>
+      </p:par>
+    </p:tnLst>
+    <p:bldLst>
+      <p:bldP spid="57" grpId="0"/>
+      <p:bldP spid="60" grpId="0"/>
+      <p:bldP spid="61" grpId="0"/>
+    </p:bldLst>
+  </p:timing>
 </p:sld>
 </file>
 
@@ -7234,15 +7449,27 @@
               <a:buNone/>
             </a:pPr>
             <a:r>
-              <a:rPr lang="en"/>
+              <a:rPr lang="en">
+                <a:solidFill>
+                  <a:srgbClr val="000000"/>
+                </a:solidFill>
+              </a:rPr>
               <a:t>Hypothesis 2: Are parents giving their babies </a:t>
             </a:r>
             <a:r>
-              <a:rPr lang="en" b="1"/>
+              <a:rPr lang="en" b="1">
+                <a:solidFill>
+                  <a:srgbClr val="000000"/>
+                </a:solidFill>
+              </a:rPr>
               <a:t>long names</a:t>
             </a:r>
             <a:r>
-              <a:rPr lang="en"/>
+              <a:rPr lang="en">
+                <a:solidFill>
+                  <a:srgbClr val="000000"/>
+                </a:solidFill>
+              </a:rPr>
               <a:t>? </a:t>
             </a:r>
           </a:p>
@@ -7369,7 +7596,7 @@
                         <a:buNone/>
                       </a:pPr>
                       <a:r>
-                        <a:rPr lang="en"/>
+                        <a:rPr lang="en" dirty="0"/>
                         <a:t>Ashlly</a:t>
                       </a:r>
                     </a:p>
@@ -7521,7 +7748,7 @@
                         <a:buNone/>
                       </a:pPr>
                       <a:r>
-                        <a:rPr lang="en"/>
+                        <a:rPr lang="en" dirty="0"/>
                         <a:t>Ashleah</a:t>
                       </a:r>
                     </a:p>
@@ -7538,6 +7765,93 @@
   <p:clrMapOvr>
     <a:masterClrMapping/>
   </p:clrMapOvr>
+  <mc:AlternateContent xmlns:mc="http://schemas.openxmlformats.org/markup-compatibility/2006">
+    <mc:Choice xmlns:p14="http://schemas.microsoft.com/office/powerpoint/2010/main" Requires="p14">
+      <p:transition spd="med" p14:dur="700">
+        <p:fade/>
+      </p:transition>
+    </mc:Choice>
+    <mc:Fallback>
+      <p:transition xmlns:p14="http://schemas.microsoft.com/office/powerpoint/2010/main" spd="med">
+        <p:fade/>
+      </p:transition>
+    </mc:Fallback>
+  </mc:AlternateContent>
+  <p:timing>
+    <p:tnLst>
+      <p:par>
+        <p:cTn xmlns:p14="http://schemas.microsoft.com/office/powerpoint/2010/main" id="1" dur="indefinite" restart="never" nodeType="tmRoot">
+          <p:childTnLst>
+            <p:seq concurrent="1" nextAc="seek">
+              <p:cTn id="2" dur="indefinite" nodeType="mainSeq">
+                <p:childTnLst>
+                  <p:par>
+                    <p:cTn id="3" fill="hold">
+                      <p:stCondLst>
+                        <p:cond delay="indefinite"/>
+                      </p:stCondLst>
+                      <p:childTnLst>
+                        <p:par>
+                          <p:cTn id="4" fill="hold">
+                            <p:stCondLst>
+                              <p:cond delay="0"/>
+                            </p:stCondLst>
+                            <p:childTnLst>
+                              <p:par>
+                                <p:cTn id="5" presetID="1" presetClass="entr" presetSubtype="0" fill="hold" nodeType="clickEffect">
+                                  <p:stCondLst>
+                                    <p:cond delay="0"/>
+                                  </p:stCondLst>
+                                  <p:childTnLst>
+                                    <p:set>
+                                      <p:cBhvr>
+                                        <p:cTn id="6" dur="1" fill="hold">
+                                          <p:stCondLst>
+                                            <p:cond delay="0"/>
+                                          </p:stCondLst>
+                                        </p:cTn>
+                                        <p:tgtEl>
+                                          <p:spTgt spid="141"/>
+                                        </p:tgtEl>
+                                        <p:attrNameLst>
+                                          <p:attrName>style.visibility</p:attrName>
+                                        </p:attrNameLst>
+                                      </p:cBhvr>
+                                      <p:to>
+                                        <p:strVal val="visible"/>
+                                      </p:to>
+                                    </p:set>
+                                  </p:childTnLst>
+                                </p:cTn>
+                              </p:par>
+                            </p:childTnLst>
+                          </p:cTn>
+                        </p:par>
+                      </p:childTnLst>
+                    </p:cTn>
+                  </p:par>
+                </p:childTnLst>
+              </p:cTn>
+              <p:prevCondLst>
+                <p:cond evt="onPrev" delay="0">
+                  <p:tgtEl>
+                    <p:sldTgt/>
+                  </p:tgtEl>
+                </p:cond>
+              </p:prevCondLst>
+              <p:nextCondLst>
+                <p:cond evt="onNext" delay="0">
+                  <p:tgtEl>
+                    <p:sldTgt/>
+                  </p:tgtEl>
+                </p:cond>
+              </p:nextCondLst>
+            </p:seq>
+          </p:childTnLst>
+        </p:cTn>
+      </p:par>
+    </p:tnLst>
+  </p:timing>
 </p:sld>
 </file>
 
@@ -7744,15 +8058,27 @@
               <a:buNone/>
             </a:pPr>
             <a:r>
-              <a:rPr lang="en"/>
+              <a:rPr lang="en">
+                <a:solidFill>
+                  <a:srgbClr val="000000"/>
+                </a:solidFill>
+              </a:rPr>
               <a:t>Hypothesis 3: Are parents giving their babies </a:t>
             </a:r>
             <a:r>
-              <a:rPr lang="en" b="1"/>
+              <a:rPr lang="en" b="1">
+                <a:solidFill>
+                  <a:srgbClr val="000000"/>
+                </a:solidFill>
+              </a:rPr>
               <a:t>names from the opposite gender? </a:t>
             </a:r>
             <a:r>
-              <a:rPr lang="en"/>
+              <a:rPr lang="en">
+                <a:solidFill>
+                  <a:srgbClr val="000000"/>
+                </a:solidFill>
+              </a:rPr>
               <a:t> </a:t>
             </a:r>
           </a:p>
@@ -7763,6 +8089,13 @@
   <p:clrMapOvr>
     <a:masterClrMapping/>
   </p:clrMapOvr>
+  <p:timing>
+    <p:tnLst>
+      <p:par>
+        <p:cTn xmlns:p14="http://schemas.microsoft.com/office/powerpoint/2010/main" id="1" dur="indefinite" restart="never" nodeType="tmRoot"/>
+      </p:par>
+    </p:tnLst>
+  </p:timing>
 </p:sld>
 </file>
 
@@ -7816,6 +8149,13 @@
   <p:clrMapOvr>
     <a:masterClrMapping/>
   </p:clrMapOvr>
+  <p:timing>
+    <p:tnLst>
+      <p:par>
+        <p:cTn xmlns:p14="http://schemas.microsoft.com/office/powerpoint/2010/main" id="1" dur="indefinite" restart="never" nodeType="tmRoot"/>
+      </p:par>
+    </p:tnLst>
+  </p:timing>
 </p:sld>
 </file>
 
@@ -7906,7 +8246,11 @@
               <a:buNone/>
             </a:pPr>
             <a:r>
-              <a:rPr lang="en" dirty="0"/>
+              <a:rPr lang="en" dirty="0">
+                <a:solidFill>
+                  <a:srgbClr val="000000"/>
+                </a:solidFill>
+              </a:rPr>
               <a:t>Our narcissism epidemic may be influenced by our parents giving us individualistic names, which are </a:t>
             </a:r>
           </a:p>
@@ -7919,18 +8263,26 @@
               <a:buChar char="•"/>
             </a:pPr>
             <a:r>
-              <a:rPr lang="en" dirty="0" smtClean="0"/>
+              <a:rPr lang="en" dirty="0" smtClean="0">
+                <a:solidFill>
+                  <a:srgbClr val="000000"/>
+                </a:solidFill>
+              </a:rPr>
               <a:t>shared</a:t>
             </a:r>
             <a:r>
-              <a:rPr lang="en-US" dirty="0" smtClean="0"/>
-              <a:t> by fe</a:t>
+              <a:rPr lang="en-US" dirty="0" smtClean="0">
+                <a:solidFill>
+                  <a:srgbClr val="000000"/>
+                </a:solidFill>
+              </a:rPr>
+              <a:t> by few other people</a:t>
             </a:r>
-            <a:r>
-              <a:rPr lang="en-US" dirty="0" smtClean="0"/>
-              <a:t>w other people</a:t>
-            </a:r>
-            <a:endParaRPr lang="en" dirty="0"/>
+            <a:endParaRPr lang="en" dirty="0">
+              <a:solidFill>
+                <a:srgbClr val="000000"/>
+              </a:solidFill>
+            </a:endParaRPr>
           </a:p>
           <a:p>
             <a:pPr marL="971550" lvl="1" indent="-285750" rtl="0">
@@ -7941,15 +8293,27 @@
               <a:buChar char="•"/>
             </a:pPr>
             <a:r>
-              <a:rPr lang="en-US" dirty="0" smtClean="0"/>
+              <a:rPr lang="en-US" dirty="0" smtClean="0">
+                <a:solidFill>
+                  <a:srgbClr val="000000"/>
+                </a:solidFill>
+              </a:rPr>
               <a:t>traditionally</a:t>
             </a:r>
             <a:r>
-              <a:rPr lang="en" dirty="0" smtClean="0"/>
+              <a:rPr lang="en" dirty="0" smtClean="0">
+                <a:solidFill>
+                  <a:srgbClr val="000000"/>
+                </a:solidFill>
+              </a:rPr>
               <a:t> </a:t>
             </a:r>
             <a:r>
-              <a:rPr lang="en" dirty="0"/>
+              <a:rPr lang="en" dirty="0">
+                <a:solidFill>
+                  <a:srgbClr val="000000"/>
+                </a:solidFill>
+              </a:rPr>
               <a:t>associated with the opposite gender</a:t>
             </a:r>
           </a:p>
@@ -7961,43 +8325,83 @@
               <a:buNone/>
             </a:pPr>
             <a:r>
-              <a:rPr lang="en" dirty="0"/>
+              <a:rPr lang="en" dirty="0">
+                <a:solidFill>
+                  <a:srgbClr val="000000"/>
+                </a:solidFill>
+              </a:rPr>
               <a:t>that might have led us to experience unfounded individualism and </a:t>
             </a:r>
             <a:r>
-              <a:rPr lang="en" dirty="0" smtClean="0"/>
+              <a:rPr lang="en" dirty="0" smtClean="0">
+                <a:solidFill>
+                  <a:srgbClr val="000000"/>
+                </a:solidFill>
+              </a:rPr>
               <a:t>self-worth</a:t>
             </a:r>
             <a:r>
-              <a:rPr lang="en-US" dirty="0" smtClean="0"/>
+              <a:rPr lang="en-US" dirty="0" smtClean="0">
+                <a:solidFill>
+                  <a:srgbClr val="000000"/>
+                </a:solidFill>
+              </a:rPr>
               <a:t>,</a:t>
             </a:r>
             <a:r>
-              <a:rPr lang="en" dirty="0" smtClean="0"/>
+              <a:rPr lang="en" dirty="0" smtClean="0">
+                <a:solidFill>
+                  <a:srgbClr val="000000"/>
+                </a:solidFill>
+              </a:rPr>
               <a:t> </a:t>
             </a:r>
             <a:r>
-              <a:rPr lang="en-US" dirty="0" smtClean="0"/>
+              <a:rPr lang="en-US" dirty="0" smtClean="0">
+                <a:solidFill>
+                  <a:srgbClr val="000000"/>
+                </a:solidFill>
+              </a:rPr>
               <a:t>that</a:t>
             </a:r>
             <a:r>
-              <a:rPr lang="en" dirty="0" smtClean="0"/>
+              <a:rPr lang="en" dirty="0" smtClean="0">
+                <a:solidFill>
+                  <a:srgbClr val="000000"/>
+                </a:solidFill>
+              </a:rPr>
               <a:t> </a:t>
             </a:r>
             <a:r>
-              <a:rPr lang="en" dirty="0"/>
+              <a:rPr lang="en" dirty="0">
+                <a:solidFill>
+                  <a:srgbClr val="000000"/>
+                </a:solidFill>
+              </a:rPr>
               <a:t>eventually </a:t>
             </a:r>
             <a:r>
-              <a:rPr lang="en-US" dirty="0" smtClean="0"/>
+              <a:rPr lang="en-US" dirty="0" smtClean="0">
+                <a:solidFill>
+                  <a:srgbClr val="000000"/>
+                </a:solidFill>
+              </a:rPr>
               <a:t>leads </a:t>
             </a:r>
             <a:r>
-              <a:rPr lang="en" dirty="0" smtClean="0"/>
+              <a:rPr lang="en" dirty="0" smtClean="0">
+                <a:solidFill>
+                  <a:srgbClr val="000000"/>
+                </a:solidFill>
+              </a:rPr>
               <a:t>to </a:t>
             </a:r>
             <a:r>
-              <a:rPr lang="en" dirty="0"/>
+              <a:rPr lang="en" dirty="0">
+                <a:solidFill>
+                  <a:srgbClr val="000000"/>
+                </a:solidFill>
+              </a:rPr>
               <a:t>narcissism.</a:t>
             </a:r>
           </a:p>
@@ -8008,6 +8412,13 @@
   <p:clrMapOvr>
     <a:masterClrMapping/>
   </p:clrMapOvr>
+  <p:timing>
+    <p:tnLst>
+      <p:par>
+        <p:cTn xmlns:p14="http://schemas.microsoft.com/office/powerpoint/2010/main" id="1" dur="indefinite" restart="never" nodeType="tmRoot"/>
+      </p:par>
+    </p:tnLst>
+  </p:timing>
 </p:sld>
 </file>
 
@@ -8145,6 +8556,13 @@
   <p:clrMapOvr>
     <a:masterClrMapping/>
   </p:clrMapOvr>
+  <p:timing>
+    <p:tnLst>
+      <p:par>
+        <p:cTn xmlns:p14="http://schemas.microsoft.com/office/powerpoint/2010/main" id="1" dur="indefinite" restart="never" nodeType="tmRoot"/>
+      </p:par>
+    </p:tnLst>
+  </p:timing>
 </p:sld>
 </file>
 
@@ -8510,14 +8928,6 @@
               </a:rPr>
               <a:t>Trump</a:t>
             </a:r>
-            <a:endParaRPr lang="en-US" sz="1800" dirty="0">
-              <a:solidFill>
-                <a:srgbClr val="333333"/>
-              </a:solidFill>
-              <a:highlight>
-                <a:srgbClr val="FFFFFF"/>
-              </a:highlight>
-            </a:endParaRPr>
           </a:p>
         </p:txBody>
       </p:sp>
@@ -8526,6 +8936,130 @@
   <p:clrMapOvr>
     <a:masterClrMapping/>
   </p:clrMapOvr>
+  <p:timing>
+    <p:tnLst>
+      <p:par>
+        <p:cTn xmlns:p14="http://schemas.microsoft.com/office/powerpoint/2010/main" id="1" dur="indefinite" restart="never" nodeType="tmRoot">
+          <p:childTnLst>
+            <p:seq concurrent="1" nextAc="seek">
+              <p:cTn id="2" dur="indefinite" nodeType="mainSeq">
+                <p:childTnLst>
+                  <p:par>
+                    <p:cTn id="3" fill="hold">
+                      <p:stCondLst>
+                        <p:cond delay="indefinite"/>
+                      </p:stCondLst>
+                      <p:childTnLst>
+                        <p:par>
+                          <p:cTn id="4" fill="hold">
+                            <p:stCondLst>
+                              <p:cond delay="0"/>
+                            </p:stCondLst>
+                            <p:childTnLst>
+                              <p:par>
+                                <p:cTn id="5" presetID="1" presetClass="entr" presetSubtype="0" fill="hold" grpId="0" nodeType="clickEffect">
+                                  <p:stCondLst>
+                                    <p:cond delay="0"/>
+                                  </p:stCondLst>
+                                  <p:childTnLst>
+                                    <p:set>
+                                      <p:cBhvr>
+                                        <p:cTn id="6" dur="1" fill="hold">
+                                          <p:stCondLst>
+                                            <p:cond delay="0"/>
+                                          </p:stCondLst>
+                                        </p:cTn>
+                                        <p:tgtEl>
+                                          <p:spTgt spid="67"/>
+                                        </p:tgtEl>
+                                        <p:attrNameLst>
+                                          <p:attrName>style.visibility</p:attrName>
+                                        </p:attrNameLst>
+                                      </p:cBhvr>
+                                      <p:to>
+                                        <p:strVal val="visible"/>
+                                      </p:to>
+                                    </p:set>
+                                  </p:childTnLst>
+                                </p:cTn>
+                              </p:par>
+                            </p:childTnLst>
+                          </p:cTn>
+                        </p:par>
+                      </p:childTnLst>
+                    </p:cTn>
+                  </p:par>
+                  <p:par>
+                    <p:cTn id="7" fill="hold">
+                      <p:stCondLst>
+                        <p:cond delay="indefinite"/>
+                      </p:stCondLst>
+                      <p:childTnLst>
+                        <p:par>
+                          <p:cTn id="8" fill="hold">
+                            <p:stCondLst>
+                              <p:cond delay="0"/>
+                            </p:stCondLst>
+                            <p:childTnLst>
+                              <p:par>
+                                <p:cTn id="9" presetID="1" presetClass="entr" presetSubtype="0" fill="hold" grpId="0" nodeType="clickEffect">
+                                  <p:stCondLst>
+                                    <p:cond delay="0"/>
+                                  </p:stCondLst>
+                                  <p:childTnLst>
+                                    <p:set>
+                                      <p:cBhvr>
+                                        <p:cTn id="10" dur="1" fill="hold">
+                                          <p:stCondLst>
+                                            <p:cond delay="0"/>
+                                          </p:stCondLst>
+                                        </p:cTn>
+                                        <p:tgtEl>
+                                          <p:spTgt spid="4"/>
+                                        </p:tgtEl>
+                                        <p:attrNameLst>
+                                          <p:attrName>style.visibility</p:attrName>
+                                        </p:attrNameLst>
+                                      </p:cBhvr>
+                                      <p:to>
+                                        <p:strVal val="visible"/>
+                                      </p:to>
+                                    </p:set>
+                                  </p:childTnLst>
+                                </p:cTn>
+                              </p:par>
+                            </p:childTnLst>
+                          </p:cTn>
+                        </p:par>
+                      </p:childTnLst>
+                    </p:cTn>
+                  </p:par>
+                </p:childTnLst>
+              </p:cTn>
+              <p:prevCondLst>
+                <p:cond evt="onPrev" delay="0">
+                  <p:tgtEl>
+                    <p:sldTgt/>
+                  </p:tgtEl>
+                </p:cond>
+              </p:prevCondLst>
+              <p:nextCondLst>
+                <p:cond evt="onNext" delay="0">
+                  <p:tgtEl>
+                    <p:sldTgt/>
+                  </p:tgtEl>
+                </p:cond>
+              </p:nextCondLst>
+            </p:seq>
+          </p:childTnLst>
+        </p:cTn>
+      </p:par>
+    </p:tnLst>
+    <p:bldLst>
+      <p:bldP spid="67" grpId="0"/>
+      <p:bldP spid="4" grpId="0"/>
+    </p:bldLst>
+  </p:timing>
 </p:sld>
 </file>
 
@@ -8743,7 +9277,11 @@
               <a:buNone/>
             </a:pPr>
             <a:r>
-              <a:rPr lang="en" sz="2400"/>
+              <a:rPr lang="en" sz="2400" dirty="0">
+                <a:solidFill>
+                  <a:schemeClr val="tx1"/>
+                </a:solidFill>
+              </a:rPr>
               <a:t>Are there trends in baby names that might explain the rise in narcissism for the past decades? </a:t>
             </a:r>
           </a:p>
@@ -9160,15 +9698,27 @@
               <a:buNone/>
             </a:pPr>
             <a:r>
-              <a:rPr lang="en"/>
+              <a:rPr lang="en" dirty="0">
+                <a:solidFill>
+                  <a:srgbClr val="000000"/>
+                </a:solidFill>
+              </a:rPr>
               <a:t>Hypothesis 1: Are parents giving their babies </a:t>
             </a:r>
             <a:r>
-              <a:rPr lang="en" b="1"/>
+              <a:rPr lang="en" b="1" dirty="0">
+                <a:solidFill>
+                  <a:srgbClr val="000000"/>
+                </a:solidFill>
+              </a:rPr>
               <a:t>unique names</a:t>
             </a:r>
             <a:r>
-              <a:rPr lang="en"/>
+              <a:rPr lang="en" dirty="0">
+                <a:solidFill>
+                  <a:srgbClr val="000000"/>
+                </a:solidFill>
+              </a:rPr>
               <a:t>? </a:t>
             </a:r>
           </a:p>

--- a/Project1-ExploreVis/JieleiZhu/Bootcamp_ Project#1.pptx
+++ b/Project1-ExploreVis/JieleiZhu/Bootcamp_ Project#1.pptx
@@ -5,7 +5,7 @@
     <p:sldMasterId id="2147483659" r:id="rId1"/>
   </p:sldMasterIdLst>
   <p:notesMasterIdLst>
-    <p:notesMasterId r:id="rId20"/>
+    <p:notesMasterId r:id="rId19"/>
   </p:notesMasterIdLst>
   <p:sldIdLst>
     <p:sldId id="256" r:id="rId2"/>
@@ -18,14 +18,13 @@
     <p:sldId id="263" r:id="rId9"/>
     <p:sldId id="264" r:id="rId10"/>
     <p:sldId id="265" r:id="rId11"/>
-    <p:sldId id="266" r:id="rId12"/>
-    <p:sldId id="267" r:id="rId13"/>
-    <p:sldId id="268" r:id="rId14"/>
-    <p:sldId id="269" r:id="rId15"/>
-    <p:sldId id="270" r:id="rId16"/>
-    <p:sldId id="271" r:id="rId17"/>
-    <p:sldId id="272" r:id="rId18"/>
-    <p:sldId id="273" r:id="rId19"/>
+    <p:sldId id="267" r:id="rId12"/>
+    <p:sldId id="268" r:id="rId13"/>
+    <p:sldId id="269" r:id="rId14"/>
+    <p:sldId id="270" r:id="rId15"/>
+    <p:sldId id="271" r:id="rId16"/>
+    <p:sldId id="272" r:id="rId17"/>
+    <p:sldId id="273" r:id="rId18"/>
   </p:sldIdLst>
   <p:sldSz cx="9144000" cy="5143500" type="screen16x9"/>
   <p:notesSz cx="6858000" cy="9144000"/>
@@ -703,7 +702,7 @@
   <p:cSld>
     <p:spTree>
       <p:nvGrpSpPr>
-        <p:cNvPr id="1" name="Shape 119"/>
+        <p:cNvPr id="1" name="Shape 124"/>
         <p:cNvGrpSpPr/>
         <p:nvPr/>
       </p:nvGrpSpPr>
@@ -717,7 +716,7 @@
       </p:grpSpPr>
       <p:sp>
         <p:nvSpPr>
-          <p:cNvPr id="120" name="Shape 120"/>
+          <p:cNvPr id="125" name="Shape 125"/>
           <p:cNvSpPr>
             <a:spLocks noGrp="1" noRot="1" noChangeAspect="1"/>
           </p:cNvSpPr>
@@ -758,7 +757,7 @@
       </p:sp>
       <p:sp>
         <p:nvSpPr>
-          <p:cNvPr id="121" name="Shape 121"/>
+          <p:cNvPr id="126" name="Shape 126"/>
           <p:cNvSpPr txBox="1">
             <a:spLocks noGrp="1"/>
           </p:cNvSpPr>
@@ -800,107 +799,6 @@
 </file>
 
 <file path=ppt/notesSlides/notesSlide12.xml><?xml version="1.0" encoding="utf-8"?>
-<p:notes xmlns:a="http://schemas.openxmlformats.org/drawingml/2006/main" xmlns:r="http://schemas.openxmlformats.org/officeDocument/2006/relationships" xmlns:p="http://schemas.openxmlformats.org/presentationml/2006/main" showMasterSp="0" showMasterPhAnim="0">
-  <p:cSld>
-    <p:spTree>
-      <p:nvGrpSpPr>
-        <p:cNvPr id="1" name="Shape 124"/>
-        <p:cNvGrpSpPr/>
-        <p:nvPr/>
-      </p:nvGrpSpPr>
-      <p:grpSpPr>
-        <a:xfrm>
-          <a:off x="0" y="0"/>
-          <a:ext cx="0" cy="0"/>
-          <a:chOff x="0" y="0"/>
-          <a:chExt cx="0" cy="0"/>
-        </a:xfrm>
-      </p:grpSpPr>
-      <p:sp>
-        <p:nvSpPr>
-          <p:cNvPr id="125" name="Shape 125"/>
-          <p:cNvSpPr>
-            <a:spLocks noGrp="1" noRot="1" noChangeAspect="1"/>
-          </p:cNvSpPr>
-          <p:nvPr>
-            <p:ph type="sldImg" idx="2"/>
-          </p:nvPr>
-        </p:nvSpPr>
-        <p:spPr>
-          <a:xfrm>
-            <a:off x="381300" y="685800"/>
-            <a:ext cx="6096000" cy="3429000"/>
-          </a:xfrm>
-          <a:custGeom>
-            <a:avLst/>
-            <a:gdLst/>
-            <a:ahLst/>
-            <a:cxnLst/>
-            <a:rect l="0" t="0" r="0" b="0"/>
-            <a:pathLst>
-              <a:path w="120000" h="120000" extrusionOk="0">
-                <a:moveTo>
-                  <a:pt x="0" y="0"/>
-                </a:moveTo>
-                <a:lnTo>
-                  <a:pt x="120000" y="0"/>
-                </a:lnTo>
-                <a:lnTo>
-                  <a:pt x="120000" y="120000"/>
-                </a:lnTo>
-                <a:lnTo>
-                  <a:pt x="0" y="120000"/>
-                </a:lnTo>
-                <a:close/>
-              </a:path>
-            </a:pathLst>
-          </a:custGeom>
-        </p:spPr>
-      </p:sp>
-      <p:sp>
-        <p:nvSpPr>
-          <p:cNvPr id="126" name="Shape 126"/>
-          <p:cNvSpPr txBox="1">
-            <a:spLocks noGrp="1"/>
-          </p:cNvSpPr>
-          <p:nvPr>
-            <p:ph type="body" idx="1"/>
-          </p:nvPr>
-        </p:nvSpPr>
-        <p:spPr>
-          <a:xfrm>
-            <a:off x="685800" y="4343400"/>
-            <a:ext cx="5486400" cy="4114800"/>
-          </a:xfrm>
-          <a:prstGeom prst="rect">
-            <a:avLst/>
-          </a:prstGeom>
-        </p:spPr>
-        <p:txBody>
-          <a:bodyPr lIns="91425" tIns="91425" rIns="91425" bIns="91425" anchor="t" anchorCtr="0">
-            <a:noAutofit/>
-          </a:bodyPr>
-          <a:lstStyle/>
-          <a:p>
-            <a:pPr lvl="0">
-              <a:spcBef>
-                <a:spcPts val="0"/>
-              </a:spcBef>
-              <a:buNone/>
-            </a:pPr>
-            <a:endParaRPr/>
-          </a:p>
-        </p:txBody>
-      </p:sp>
-    </p:spTree>
-  </p:cSld>
-  <p:clrMapOvr>
-    <a:masterClrMapping/>
-  </p:clrMapOvr>
-</p:notes>
-</file>
-
-<file path=ppt/notesSlides/notesSlide13.xml><?xml version="1.0" encoding="utf-8"?>
 <p:notes xmlns:a="http://schemas.openxmlformats.org/drawingml/2006/main" xmlns:r="http://schemas.openxmlformats.org/officeDocument/2006/relationships" xmlns:p="http://schemas.openxmlformats.org/presentationml/2006/main" showMasterSp="0" showMasterPhAnim="0">
   <p:cSld>
     <p:spTree>
@@ -1001,7 +899,7 @@
 </p:notes>
 </file>
 
-<file path=ppt/notesSlides/notesSlide14.xml><?xml version="1.0" encoding="utf-8"?>
+<file path=ppt/notesSlides/notesSlide13.xml><?xml version="1.0" encoding="utf-8"?>
 <p:notes xmlns:a="http://schemas.openxmlformats.org/drawingml/2006/main" xmlns:r="http://schemas.openxmlformats.org/officeDocument/2006/relationships" xmlns:p="http://schemas.openxmlformats.org/presentationml/2006/main" showMasterSp="0" showMasterPhAnim="0">
   <p:cSld>
     <p:spTree>
@@ -1102,7 +1000,7 @@
 </p:notes>
 </file>
 
-<file path=ppt/notesSlides/notesSlide15.xml><?xml version="1.0" encoding="utf-8"?>
+<file path=ppt/notesSlides/notesSlide14.xml><?xml version="1.0" encoding="utf-8"?>
 <p:notes xmlns:a="http://schemas.openxmlformats.org/drawingml/2006/main" xmlns:r="http://schemas.openxmlformats.org/officeDocument/2006/relationships" xmlns:p="http://schemas.openxmlformats.org/presentationml/2006/main" showMasterSp="0" showMasterPhAnim="0">
   <p:cSld>
     <p:spTree>
@@ -1203,7 +1101,7 @@
 </p:notes>
 </file>
 
-<file path=ppt/notesSlides/notesSlide16.xml><?xml version="1.0" encoding="utf-8"?>
+<file path=ppt/notesSlides/notesSlide15.xml><?xml version="1.0" encoding="utf-8"?>
 <p:notes xmlns:a="http://schemas.openxmlformats.org/drawingml/2006/main" xmlns:r="http://schemas.openxmlformats.org/officeDocument/2006/relationships" xmlns:p="http://schemas.openxmlformats.org/presentationml/2006/main" showMasterSp="0" showMasterPhAnim="0">
   <p:cSld>
     <p:spTree>
@@ -1304,7 +1202,7 @@
 </p:notes>
 </file>
 
-<file path=ppt/notesSlides/notesSlide17.xml><?xml version="1.0" encoding="utf-8"?>
+<file path=ppt/notesSlides/notesSlide16.xml><?xml version="1.0" encoding="utf-8"?>
 <p:notes xmlns:a="http://schemas.openxmlformats.org/drawingml/2006/main" xmlns:r="http://schemas.openxmlformats.org/officeDocument/2006/relationships" xmlns:p="http://schemas.openxmlformats.org/presentationml/2006/main" showMasterSp="0" showMasterPhAnim="0">
   <p:cSld>
     <p:spTree>
@@ -1405,7 +1303,7 @@
 </p:notes>
 </file>
 
-<file path=ppt/notesSlides/notesSlide18.xml><?xml version="1.0" encoding="utf-8"?>
+<file path=ppt/notesSlides/notesSlide17.xml><?xml version="1.0" encoding="utf-8"?>
 <p:notes xmlns:a="http://schemas.openxmlformats.org/drawingml/2006/main" xmlns:r="http://schemas.openxmlformats.org/officeDocument/2006/relationships" xmlns:p="http://schemas.openxmlformats.org/presentationml/2006/main" showMasterSp="0" showMasterPhAnim="0">
   <p:cSld>
     <p:spTree>
@@ -6843,66 +6741,6 @@
   <p:cSld>
     <p:spTree>
       <p:nvGrpSpPr>
-        <p:cNvPr id="1" name="Shape 122"/>
-        <p:cNvGrpSpPr/>
-        <p:nvPr/>
-      </p:nvGrpSpPr>
-      <p:grpSpPr>
-        <a:xfrm>
-          <a:off x="0" y="0"/>
-          <a:ext cx="0" cy="0"/>
-          <a:chOff x="0" y="0"/>
-          <a:chExt cx="0" cy="0"/>
-        </a:xfrm>
-      </p:grpSpPr>
-      <p:pic>
-        <p:nvPicPr>
-          <p:cNvPr id="123" name="Shape 123" descr="infrequent_name.png"/>
-          <p:cNvPicPr preferRelativeResize="0"/>
-          <p:nvPr/>
-        </p:nvPicPr>
-        <p:blipFill>
-          <a:blip r:embed="rId3">
-            <a:alphaModFix/>
-          </a:blip>
-          <a:stretch>
-            <a:fillRect/>
-          </a:stretch>
-        </p:blipFill>
-        <p:spPr>
-          <a:xfrm>
-            <a:off x="1614487" y="571500"/>
-            <a:ext cx="5915025" cy="4000500"/>
-          </a:xfrm>
-          <a:prstGeom prst="rect">
-            <a:avLst/>
-          </a:prstGeom>
-          <a:noFill/>
-          <a:ln>
-            <a:noFill/>
-          </a:ln>
-        </p:spPr>
-      </p:pic>
-    </p:spTree>
-  </p:cSld>
-  <p:clrMapOvr>
-    <a:masterClrMapping/>
-  </p:clrMapOvr>
-  <p:timing>
-    <p:tnLst>
-      <p:par>
-        <p:cTn xmlns:p14="http://schemas.microsoft.com/office/powerpoint/2010/main" id="1" dur="indefinite" restart="never" nodeType="tmRoot"/>
-      </p:par>
-    </p:tnLst>
-  </p:timing>
-</p:sld>
-</file>
-
-<file path=ppt/slides/slide12.xml><?xml version="1.0" encoding="utf-8"?>
-<p:sld xmlns:a="http://schemas.openxmlformats.org/drawingml/2006/main" xmlns:r="http://schemas.openxmlformats.org/officeDocument/2006/relationships" xmlns:p="http://schemas.openxmlformats.org/presentationml/2006/main">
-  <p:cSld>
-    <p:spTree>
-      <p:nvGrpSpPr>
         <p:cNvPr id="1" name="Shape 127"/>
         <p:cNvGrpSpPr/>
         <p:nvPr/>
@@ -7304,7 +7142,7 @@
 </p:sld>
 </file>
 
-<file path=ppt/slides/slide13.xml><?xml version="1.0" encoding="utf-8"?>
+<file path=ppt/slides/slide12.xml><?xml version="1.0" encoding="utf-8"?>
 <p:sld xmlns:a="http://schemas.openxmlformats.org/drawingml/2006/main" xmlns:r="http://schemas.openxmlformats.org/officeDocument/2006/relationships" xmlns:p="http://schemas.openxmlformats.org/presentationml/2006/main">
   <p:cSld>
     <p:spTree>
@@ -7490,7 +7328,7 @@
 </p:sld>
 </file>
 
-<file path=ppt/slides/slide14.xml><?xml version="1.0" encoding="utf-8"?>
+<file path=ppt/slides/slide13.xml><?xml version="1.0" encoding="utf-8"?>
 <p:sld xmlns:a="http://schemas.openxmlformats.org/drawingml/2006/main" xmlns:r="http://schemas.openxmlformats.org/officeDocument/2006/relationships" xmlns:p="http://schemas.openxmlformats.org/presentationml/2006/main">
   <p:cSld>
     <p:spTree>
@@ -7765,13 +7603,13 @@
   <p:clrMapOvr>
     <a:masterClrMapping/>
   </p:clrMapOvr>
-  <mc:AlternateContent xmlns:mc="http://schemas.openxmlformats.org/markup-compatibility/2006">
-    <mc:Choice xmlns:p14="http://schemas.microsoft.com/office/powerpoint/2010/main" Requires="p14">
+  <mc:AlternateContent xmlns:mc="http://schemas.openxmlformats.org/markup-compatibility/2006" xmlns:p14="http://schemas.microsoft.com/office/powerpoint/2010/main">
+    <mc:Choice Requires="p14">
       <p:transition spd="med" p14:dur="700">
         <p:fade/>
       </p:transition>
     </mc:Choice>
-    <mc:Fallback>
+    <mc:Fallback xmlns="">
       <p:transition xmlns:p14="http://schemas.microsoft.com/office/powerpoint/2010/main" spd="med">
         <p:fade/>
       </p:transition>
@@ -7855,7 +7693,7 @@
 </p:sld>
 </file>
 
-<file path=ppt/slides/slide15.xml><?xml version="1.0" encoding="utf-8"?>
+<file path=ppt/slides/slide14.xml><?xml version="1.0" encoding="utf-8"?>
 <p:sld xmlns:a="http://schemas.openxmlformats.org/drawingml/2006/main" xmlns:r="http://schemas.openxmlformats.org/officeDocument/2006/relationships" xmlns:p="http://schemas.openxmlformats.org/presentationml/2006/main">
   <p:cSld>
     <p:spTree>
@@ -8099,7 +7937,7 @@
 </p:sld>
 </file>
 
-<file path=ppt/slides/slide16.xml><?xml version="1.0" encoding="utf-8"?>
+<file path=ppt/slides/slide15.xml><?xml version="1.0" encoding="utf-8"?>
 <p:sld xmlns:a="http://schemas.openxmlformats.org/drawingml/2006/main" xmlns:r="http://schemas.openxmlformats.org/officeDocument/2006/relationships" xmlns:p="http://schemas.openxmlformats.org/presentationml/2006/main">
   <p:cSld>
     <p:spTree>
@@ -8159,7 +7997,7 @@
 </p:sld>
 </file>
 
-<file path=ppt/slides/slide17.xml><?xml version="1.0" encoding="utf-8"?>
+<file path=ppt/slides/slide16.xml><?xml version="1.0" encoding="utf-8"?>
 <p:sld xmlns:a="http://schemas.openxmlformats.org/drawingml/2006/main" xmlns:r="http://schemas.openxmlformats.org/officeDocument/2006/relationships" xmlns:p="http://schemas.openxmlformats.org/presentationml/2006/main">
   <p:cSld>
     <p:spTree>
@@ -8422,7 +8260,7 @@
 </p:sld>
 </file>
 
-<file path=ppt/slides/slide18.xml><?xml version="1.0" encoding="utf-8"?>
+<file path=ppt/slides/slide17.xml><?xml version="1.0" encoding="utf-8"?>
 <p:sld xmlns:a="http://schemas.openxmlformats.org/drawingml/2006/main" xmlns:r="http://schemas.openxmlformats.org/officeDocument/2006/relationships" xmlns:p="http://schemas.openxmlformats.org/presentationml/2006/main">
   <p:cSld>
     <p:spTree>

--- a/Project1-ExploreVis/JieleiZhu/Bootcamp_ Project#1.pptx
+++ b/Project1-ExploreVis/JieleiZhu/Bootcamp_ Project#1.pptx
@@ -23,7 +23,7 @@
     <p:sldId id="269" r:id="rId14"/>
     <p:sldId id="270" r:id="rId15"/>
     <p:sldId id="271" r:id="rId16"/>
-    <p:sldId id="272" r:id="rId17"/>
+    <p:sldId id="274" r:id="rId17"/>
     <p:sldId id="273" r:id="rId18"/>
   </p:sldIdLst>
   <p:sldSz cx="9144000" cy="5143500" type="screen16x9"/>
@@ -8065,7 +8065,7 @@
         <p:spPr>
           <a:xfrm>
             <a:off x="311700" y="1152474"/>
-            <a:ext cx="8520600" cy="2667685"/>
+            <a:ext cx="8520600" cy="2566085"/>
           </a:xfrm>
           <a:prstGeom prst="rect">
             <a:avLst/>
@@ -8084,13 +8084,42 @@
               <a:buNone/>
             </a:pPr>
             <a:r>
-              <a:rPr lang="en" dirty="0">
+              <a:rPr lang="en-US" sz="2000" dirty="0" smtClean="0">
                 <a:solidFill>
                   <a:srgbClr val="000000"/>
                 </a:solidFill>
               </a:rPr>
-              <a:t>Our narcissism epidemic may be influenced by our parents giving us individualistic names, which are </a:t>
+              <a:t>P</a:t>
             </a:r>
+            <a:r>
+              <a:rPr lang="en" sz="2000" dirty="0" smtClean="0">
+                <a:solidFill>
+                  <a:srgbClr val="000000"/>
+                </a:solidFill>
+              </a:rPr>
+              <a:t>arents </a:t>
+            </a:r>
+            <a:r>
+              <a:rPr lang="en-US" sz="2000" dirty="0" smtClean="0">
+                <a:solidFill>
+                  <a:srgbClr val="000000"/>
+                </a:solidFill>
+              </a:rPr>
+              <a:t>are giving their children more and more </a:t>
+            </a:r>
+            <a:r>
+              <a:rPr lang="en" sz="2000" dirty="0" smtClean="0">
+                <a:solidFill>
+                  <a:srgbClr val="000000"/>
+                </a:solidFill>
+              </a:rPr>
+              <a:t>individualistic names, which are </a:t>
+            </a:r>
+            <a:endParaRPr lang="en" sz="2000" dirty="0">
+              <a:solidFill>
+                <a:srgbClr val="000000"/>
+              </a:solidFill>
+            </a:endParaRPr>
           </a:p>
           <a:p>
             <a:pPr marL="971550" lvl="1" indent="-285750" rtl="0">
@@ -8101,7 +8130,7 @@
               <a:buChar char="•"/>
             </a:pPr>
             <a:r>
-              <a:rPr lang="en" dirty="0" smtClean="0">
+              <a:rPr lang="en" sz="1600" dirty="0" smtClean="0">
                 <a:solidFill>
                   <a:srgbClr val="000000"/>
                 </a:solidFill>
@@ -8109,14 +8138,14 @@
               <a:t>shared</a:t>
             </a:r>
             <a:r>
-              <a:rPr lang="en-US" dirty="0" smtClean="0">
+              <a:rPr lang="en-US" sz="1600" dirty="0" smtClean="0">
                 <a:solidFill>
                   <a:srgbClr val="000000"/>
                 </a:solidFill>
               </a:rPr>
               <a:t> by few other people</a:t>
             </a:r>
-            <a:endParaRPr lang="en" dirty="0">
+            <a:endParaRPr lang="en" sz="1600" dirty="0">
               <a:solidFill>
                 <a:srgbClr val="000000"/>
               </a:solidFill>
@@ -8131,7 +8160,7 @@
               <a:buChar char="•"/>
             </a:pPr>
             <a:r>
-              <a:rPr lang="en-US" dirty="0" smtClean="0">
+              <a:rPr lang="en-US" sz="1600" dirty="0" smtClean="0">
                 <a:solidFill>
                   <a:srgbClr val="000000"/>
                 </a:solidFill>
@@ -8139,7 +8168,7 @@
               <a:t>traditionally</a:t>
             </a:r>
             <a:r>
-              <a:rPr lang="en" dirty="0" smtClean="0">
+              <a:rPr lang="en" sz="1600" dirty="0" smtClean="0">
                 <a:solidFill>
                   <a:srgbClr val="000000"/>
                 </a:solidFill>
@@ -8147,7 +8176,7 @@
               <a:t> </a:t>
             </a:r>
             <a:r>
-              <a:rPr lang="en" dirty="0">
+              <a:rPr lang="en" sz="1600" dirty="0">
                 <a:solidFill>
                   <a:srgbClr val="000000"/>
                 </a:solidFill>
@@ -8163,89 +8192,43 @@
               <a:buNone/>
             </a:pPr>
             <a:r>
-              <a:rPr lang="en" dirty="0">
+              <a:rPr lang="en" sz="2000" dirty="0">
                 <a:solidFill>
                   <a:srgbClr val="000000"/>
                 </a:solidFill>
               </a:rPr>
-              <a:t>that might have led us to experience unfounded individualism and </a:t>
+              <a:t>that </a:t>
             </a:r>
             <a:r>
-              <a:rPr lang="en" dirty="0" smtClean="0">
+              <a:rPr lang="en" sz="2000" dirty="0" smtClean="0">
                 <a:solidFill>
                   <a:srgbClr val="000000"/>
                 </a:solidFill>
               </a:rPr>
-              <a:t>self-worth</a:t>
+              <a:t>might </a:t>
             </a:r>
             <a:r>
-              <a:rPr lang="en-US" dirty="0" smtClean="0">
+              <a:rPr lang="en-US" sz="2000" dirty="0" smtClean="0">
                 <a:solidFill>
                   <a:srgbClr val="000000"/>
                 </a:solidFill>
               </a:rPr>
-              <a:t>,</a:t>
+              <a:t>be correlated with our narcissism epidemic. </a:t>
             </a:r>
-            <a:r>
-              <a:rPr lang="en" dirty="0" smtClean="0">
-                <a:solidFill>
-                  <a:srgbClr val="000000"/>
-                </a:solidFill>
-              </a:rPr>
-              <a:t> </a:t>
-            </a:r>
-            <a:r>
-              <a:rPr lang="en-US" dirty="0" smtClean="0">
-                <a:solidFill>
-                  <a:srgbClr val="000000"/>
-                </a:solidFill>
-              </a:rPr>
-              <a:t>that</a:t>
-            </a:r>
-            <a:r>
-              <a:rPr lang="en" dirty="0" smtClean="0">
-                <a:solidFill>
-                  <a:srgbClr val="000000"/>
-                </a:solidFill>
-              </a:rPr>
-              <a:t> </a:t>
-            </a:r>
-            <a:r>
-              <a:rPr lang="en" dirty="0">
-                <a:solidFill>
-                  <a:srgbClr val="000000"/>
-                </a:solidFill>
-              </a:rPr>
-              <a:t>eventually </a:t>
-            </a:r>
-            <a:r>
-              <a:rPr lang="en-US" dirty="0" smtClean="0">
-                <a:solidFill>
-                  <a:srgbClr val="000000"/>
-                </a:solidFill>
-              </a:rPr>
-              <a:t>leads </a:t>
-            </a:r>
-            <a:r>
-              <a:rPr lang="en" dirty="0" smtClean="0">
-                <a:solidFill>
-                  <a:srgbClr val="000000"/>
-                </a:solidFill>
-              </a:rPr>
-              <a:t>to </a:t>
-            </a:r>
-            <a:r>
-              <a:rPr lang="en" dirty="0">
-                <a:solidFill>
-                  <a:srgbClr val="000000"/>
-                </a:solidFill>
-              </a:rPr>
-              <a:t>narcissism.</a:t>
-            </a:r>
+            <a:endParaRPr lang="en" sz="2000" dirty="0">
+              <a:solidFill>
+                <a:srgbClr val="000000"/>
+              </a:solidFill>
+            </a:endParaRPr>
           </a:p>
         </p:txBody>
       </p:sp>
     </p:spTree>
+    <p:extLst>
+      <p:ext uri="{BB962C8B-B14F-4D97-AF65-F5344CB8AC3E}">
+        <p14:creationId xmlns:p14="http://schemas.microsoft.com/office/powerpoint/2010/main" val="4002049378"/>
+      </p:ext>
+    </p:extLst>
   </p:cSld>
   <p:clrMapOvr>
     <a:masterClrMapping/>
